--- a/gen-ai-for-excel-masterclass.pptx
+++ b/gen-ai-for-excel-masterclass.pptx
@@ -5,46 +5,42 @@
     <p:sldMasterId id="2147483648" r:id="rId1"/>
   </p:sldMasterIdLst>
   <p:notesMasterIdLst>
-    <p:notesMasterId r:id="rId29"/>
+    <p:notesMasterId r:id="rId25"/>
   </p:notesMasterIdLst>
   <p:sldIdLst>
     <p:sldId id="256" r:id="rId2"/>
     <p:sldId id="425" r:id="rId3"/>
     <p:sldId id="426" r:id="rId4"/>
-    <p:sldId id="434" r:id="rId5"/>
-    <p:sldId id="404" r:id="rId6"/>
-    <p:sldId id="407" r:id="rId7"/>
+    <p:sldId id="404" r:id="rId5"/>
+    <p:sldId id="407" r:id="rId6"/>
+    <p:sldId id="453" r:id="rId7"/>
     <p:sldId id="428" r:id="rId8"/>
     <p:sldId id="448" r:id="rId9"/>
     <p:sldId id="449" r:id="rId10"/>
     <p:sldId id="415" r:id="rId11"/>
     <p:sldId id="446" r:id="rId12"/>
     <p:sldId id="443" r:id="rId13"/>
-    <p:sldId id="450" r:id="rId14"/>
-    <p:sldId id="451" r:id="rId15"/>
-    <p:sldId id="452" r:id="rId16"/>
-    <p:sldId id="445" r:id="rId17"/>
-    <p:sldId id="405" r:id="rId18"/>
-    <p:sldId id="440" r:id="rId19"/>
-    <p:sldId id="441" r:id="rId20"/>
-    <p:sldId id="414" r:id="rId21"/>
-    <p:sldId id="439" r:id="rId22"/>
-    <p:sldId id="429" r:id="rId23"/>
-    <p:sldId id="438" r:id="rId24"/>
-    <p:sldId id="423" r:id="rId25"/>
-    <p:sldId id="442" r:id="rId26"/>
-    <p:sldId id="447" r:id="rId27"/>
-    <p:sldId id="427" r:id="rId28"/>
+    <p:sldId id="454" r:id="rId14"/>
+    <p:sldId id="455" r:id="rId15"/>
+    <p:sldId id="456" r:id="rId16"/>
+    <p:sldId id="457" r:id="rId17"/>
+    <p:sldId id="445" r:id="rId18"/>
+    <p:sldId id="405" r:id="rId19"/>
+    <p:sldId id="440" r:id="rId20"/>
+    <p:sldId id="441" r:id="rId21"/>
+    <p:sldId id="458" r:id="rId22"/>
+    <p:sldId id="414" r:id="rId23"/>
+    <p:sldId id="427" r:id="rId24"/>
   </p:sldIdLst>
   <p:sldSz cx="18288000" cy="10287000"/>
   <p:notesSz cx="6858000" cy="9144000"/>
   <p:embeddedFontLst>
     <p:embeddedFont>
       <p:font typeface="Consolas" panose="020B0609020204030204" pitchFamily="49" charset="0"/>
-      <p:regular r:id="rId30"/>
-      <p:bold r:id="rId31"/>
-      <p:italic r:id="rId32"/>
-      <p:boldItalic r:id="rId33"/>
+      <p:regular r:id="rId26"/>
+      <p:bold r:id="rId27"/>
+      <p:italic r:id="rId28"/>
+      <p:boldItalic r:id="rId29"/>
     </p:embeddedFont>
   </p:embeddedFontLst>
   <p:defaultTextStyle>
@@ -261,7 +257,7 @@
           <a:p>
             <a:fld id="{17A98A70-FA8C-4354-959C-C70678AC9BCF}" type="datetimeFigureOut">
               <a:rPr lang="en-US" smtClean="0"/>
-              <a:t>10/18/2024</a:t>
+              <a:t>10/19/2024</a:t>
             </a:fld>
             <a:endParaRPr lang="en-US"/>
           </a:p>
@@ -617,7 +613,7 @@
           <a:p>
             <a:fld id="{1300335D-9F13-4B80-ADC5-B0EA3E10FF6B}" type="slidenum">
               <a:rPr lang="en-US" smtClean="0"/>
-              <a:t>6</a:t>
+              <a:t>5</a:t>
             </a:fld>
             <a:endParaRPr lang="en-US"/>
           </a:p>
@@ -749,7 +745,7 @@
           <a:p>
             <a:fld id="{1300335D-9F13-4B80-ADC5-B0EA3E10FF6B}" type="slidenum">
               <a:rPr lang="en-US" smtClean="0"/>
-              <a:t>18</a:t>
+              <a:t>19</a:t>
             </a:fld>
             <a:endParaRPr lang="en-US"/>
           </a:p>
@@ -881,7 +877,7 @@
           <a:p>
             <a:fld id="{1300335D-9F13-4B80-ADC5-B0EA3E10FF6B}" type="slidenum">
               <a:rPr lang="en-US" smtClean="0"/>
-              <a:t>19</a:t>
+              <a:t>20</a:t>
             </a:fld>
             <a:endParaRPr lang="en-US"/>
           </a:p>
@@ -905,118 +901,10 @@
   <p:cSld>
     <p:spTree>
       <p:nvGrpSpPr>
-        <p:cNvPr id="1" name=""/>
-        <p:cNvGrpSpPr/>
-        <p:nvPr/>
-      </p:nvGrpSpPr>
-      <p:grpSpPr>
-        <a:xfrm>
-          <a:off x="0" y="0"/>
-          <a:ext cx="0" cy="0"/>
-          <a:chOff x="0" y="0"/>
-          <a:chExt cx="0" cy="0"/>
-        </a:xfrm>
-      </p:grpSpPr>
-      <p:sp>
-        <p:nvSpPr>
-          <p:cNvPr id="2" name="Slide Image Placeholder 1"/>
-          <p:cNvSpPr>
-            <a:spLocks noGrp="1" noRot="1" noChangeAspect="1"/>
-          </p:cNvSpPr>
-          <p:nvPr>
-            <p:ph type="sldImg"/>
-          </p:nvPr>
-        </p:nvSpPr>
-        <p:spPr/>
-      </p:sp>
-      <p:sp>
-        <p:nvSpPr>
-          <p:cNvPr id="3" name="Notes Placeholder 2"/>
-          <p:cNvSpPr>
-            <a:spLocks noGrp="1"/>
-          </p:cNvSpPr>
-          <p:nvPr>
-            <p:ph type="body" idx="1"/>
-          </p:nvPr>
-        </p:nvSpPr>
-        <p:spPr/>
-        <p:txBody>
-          <a:bodyPr/>
-          <a:lstStyle/>
-          <a:p>
-            <a:pPr marL="228600" indent="-228600">
-              <a:buAutoNum type="arabicPeriod"/>
-            </a:pPr>
-            <a:r>
-              <a:rPr lang="en-US" dirty="0"/>
-              <a:t>False!</a:t>
-            </a:r>
-          </a:p>
-          <a:p>
-            <a:pPr marL="228600" indent="-228600">
-              <a:buAutoNum type="arabicPeriod"/>
-            </a:pPr>
-            <a:r>
-              <a:rPr lang="en-US" dirty="0"/>
-              <a:t>Function, Formula, Function</a:t>
-            </a:r>
-          </a:p>
-          <a:p>
-            <a:pPr marL="228600" indent="-228600">
-              <a:buAutoNum type="arabicPeriod"/>
-            </a:pPr>
-            <a:r>
-              <a:rPr lang="en-US" dirty="0"/>
-              <a:t>Argument</a:t>
-            </a:r>
-          </a:p>
-        </p:txBody>
-      </p:sp>
-      <p:sp>
-        <p:nvSpPr>
-          <p:cNvPr id="4" name="Slide Number Placeholder 3"/>
-          <p:cNvSpPr>
-            <a:spLocks noGrp="1"/>
-          </p:cNvSpPr>
-          <p:nvPr>
-            <p:ph type="sldNum" sz="quarter" idx="5"/>
-          </p:nvPr>
-        </p:nvSpPr>
-        <p:spPr/>
-        <p:txBody>
-          <a:bodyPr/>
-          <a:lstStyle/>
-          <a:p>
-            <a:fld id="{1300335D-9F13-4B80-ADC5-B0EA3E10FF6B}" type="slidenum">
-              <a:rPr lang="en-US" smtClean="0"/>
-              <a:t>22</a:t>
-            </a:fld>
-            <a:endParaRPr lang="en-US"/>
-          </a:p>
-        </p:txBody>
-      </p:sp>
-    </p:spTree>
-    <p:extLst>
-      <p:ext uri="{BB962C8B-B14F-4D97-AF65-F5344CB8AC3E}">
-        <p14:creationId xmlns:p14="http://schemas.microsoft.com/office/powerpoint/2010/main" val="3649218007"/>
-      </p:ext>
-    </p:extLst>
-  </p:cSld>
-  <p:clrMapOvr>
-    <a:masterClrMapping/>
-  </p:clrMapOvr>
-</p:notes>
-</file>
-
-<file path=ppt/notesSlides/notesSlide13.xml><?xml version="1.0" encoding="utf-8"?>
-<p:notes xmlns:a="http://schemas.openxmlformats.org/drawingml/2006/main" xmlns:r="http://schemas.openxmlformats.org/officeDocument/2006/relationships" xmlns:p="http://schemas.openxmlformats.org/presentationml/2006/main">
-  <p:cSld>
-    <p:spTree>
-      <p:nvGrpSpPr>
         <p:cNvPr id="1" name="">
           <a:extLst>
             <a:ext uri="{FF2B5EF4-FFF2-40B4-BE49-F238E27FC236}">
-              <a16:creationId xmlns:a16="http://schemas.microsoft.com/office/drawing/2014/main" id="{BBD8E200-C5AA-9E88-FBF6-5E6FD4C97BC7}"/>
+              <a16:creationId xmlns:a16="http://schemas.microsoft.com/office/drawing/2014/main" id="{404BC834-13E0-C2BC-620B-BA13E74FE928}"/>
             </a:ext>
           </a:extLst>
         </p:cNvPr>
@@ -1036,7 +924,7 @@
           <p:cNvPr id="2" name="Slide Image Placeholder 1">
             <a:extLst>
               <a:ext uri="{FF2B5EF4-FFF2-40B4-BE49-F238E27FC236}">
-                <a16:creationId xmlns:a16="http://schemas.microsoft.com/office/drawing/2014/main" id="{5D03B2D3-5FEC-6EEE-F903-BC08550BC45F}"/>
+                <a16:creationId xmlns:a16="http://schemas.microsoft.com/office/drawing/2014/main" id="{FD587A36-AC07-99B9-0DC9-6E71E4D3DE83}"/>
               </a:ext>
             </a:extLst>
           </p:cNvPr>
@@ -1054,7 +942,7 @@
           <p:cNvPr id="3" name="Notes Placeholder 2">
             <a:extLst>
               <a:ext uri="{FF2B5EF4-FFF2-40B4-BE49-F238E27FC236}">
-                <a16:creationId xmlns:a16="http://schemas.microsoft.com/office/drawing/2014/main" id="{5DE07FE9-2C3A-87EB-D9BD-B26E4A8D5F9F}"/>
+                <a16:creationId xmlns:a16="http://schemas.microsoft.com/office/drawing/2014/main" id="{225DDAB7-14BB-5BBC-6B1C-5269CE720F9F}"/>
               </a:ext>
             </a:extLst>
           </p:cNvPr>
@@ -1103,7 +991,7 @@
           <p:cNvPr id="4" name="Slide Number Placeholder 3">
             <a:extLst>
               <a:ext uri="{FF2B5EF4-FFF2-40B4-BE49-F238E27FC236}">
-                <a16:creationId xmlns:a16="http://schemas.microsoft.com/office/drawing/2014/main" id="{35937819-73EF-0783-2AFD-E9F05CF0BAE4}"/>
+                <a16:creationId xmlns:a16="http://schemas.microsoft.com/office/drawing/2014/main" id="{7508A7CB-B2DC-137B-0DDB-8744D95D52B0}"/>
               </a:ext>
             </a:extLst>
           </p:cNvPr>
@@ -1121,7 +1009,7 @@
           <a:p>
             <a:fld id="{1300335D-9F13-4B80-ADC5-B0EA3E10FF6B}" type="slidenum">
               <a:rPr lang="en-US" smtClean="0"/>
-              <a:t>23</a:t>
+              <a:t>21</a:t>
             </a:fld>
             <a:endParaRPr lang="en-US"/>
           </a:p>
@@ -1130,271 +1018,7 @@
     </p:spTree>
     <p:extLst>
       <p:ext uri="{BB962C8B-B14F-4D97-AF65-F5344CB8AC3E}">
-        <p14:creationId xmlns:p14="http://schemas.microsoft.com/office/powerpoint/2010/main" val="550071627"/>
-      </p:ext>
-    </p:extLst>
-  </p:cSld>
-  <p:clrMapOvr>
-    <a:masterClrMapping/>
-  </p:clrMapOvr>
-</p:notes>
-</file>
-
-<file path=ppt/notesSlides/notesSlide14.xml><?xml version="1.0" encoding="utf-8"?>
-<p:notes xmlns:a="http://schemas.openxmlformats.org/drawingml/2006/main" xmlns:r="http://schemas.openxmlformats.org/officeDocument/2006/relationships" xmlns:p="http://schemas.openxmlformats.org/presentationml/2006/main">
-  <p:cSld>
-    <p:spTree>
-      <p:nvGrpSpPr>
-        <p:cNvPr id="1" name="">
-          <a:extLst>
-            <a:ext uri="{FF2B5EF4-FFF2-40B4-BE49-F238E27FC236}">
-              <a16:creationId xmlns:a16="http://schemas.microsoft.com/office/drawing/2014/main" id="{0661BC68-0174-F8C0-C50A-CBF6F62B28EC}"/>
-            </a:ext>
-          </a:extLst>
-        </p:cNvPr>
-        <p:cNvGrpSpPr/>
-        <p:nvPr/>
-      </p:nvGrpSpPr>
-      <p:grpSpPr>
-        <a:xfrm>
-          <a:off x="0" y="0"/>
-          <a:ext cx="0" cy="0"/>
-          <a:chOff x="0" y="0"/>
-          <a:chExt cx="0" cy="0"/>
-        </a:xfrm>
-      </p:grpSpPr>
-      <p:sp>
-        <p:nvSpPr>
-          <p:cNvPr id="2" name="Slide Image Placeholder 1">
-            <a:extLst>
-              <a:ext uri="{FF2B5EF4-FFF2-40B4-BE49-F238E27FC236}">
-                <a16:creationId xmlns:a16="http://schemas.microsoft.com/office/drawing/2014/main" id="{146C854B-CF29-7BDD-94FD-114500FBA305}"/>
-              </a:ext>
-            </a:extLst>
-          </p:cNvPr>
-          <p:cNvSpPr>
-            <a:spLocks noGrp="1" noRot="1" noChangeAspect="1"/>
-          </p:cNvSpPr>
-          <p:nvPr>
-            <p:ph type="sldImg"/>
-          </p:nvPr>
-        </p:nvSpPr>
-        <p:spPr/>
-      </p:sp>
-      <p:sp>
-        <p:nvSpPr>
-          <p:cNvPr id="3" name="Notes Placeholder 2">
-            <a:extLst>
-              <a:ext uri="{FF2B5EF4-FFF2-40B4-BE49-F238E27FC236}">
-                <a16:creationId xmlns:a16="http://schemas.microsoft.com/office/drawing/2014/main" id="{2104F923-8149-669B-8A7E-EE096ABBBE6A}"/>
-              </a:ext>
-            </a:extLst>
-          </p:cNvPr>
-          <p:cNvSpPr>
-            <a:spLocks noGrp="1"/>
-          </p:cNvSpPr>
-          <p:nvPr>
-            <p:ph type="body" idx="1"/>
-          </p:nvPr>
-        </p:nvSpPr>
-        <p:spPr/>
-        <p:txBody>
-          <a:bodyPr/>
-          <a:lstStyle/>
-          <a:p>
-            <a:pPr marL="228600" indent="-228600">
-              <a:buAutoNum type="arabicPeriod"/>
-            </a:pPr>
-            <a:r>
-              <a:rPr lang="en-US" dirty="0"/>
-              <a:t>False!</a:t>
-            </a:r>
-          </a:p>
-          <a:p>
-            <a:pPr marL="228600" indent="-228600">
-              <a:buAutoNum type="arabicPeriod"/>
-            </a:pPr>
-            <a:r>
-              <a:rPr lang="en-US" dirty="0"/>
-              <a:t>Function, Formula, Function</a:t>
-            </a:r>
-          </a:p>
-          <a:p>
-            <a:pPr marL="228600" indent="-228600">
-              <a:buAutoNum type="arabicPeriod"/>
-            </a:pPr>
-            <a:r>
-              <a:rPr lang="en-US" dirty="0"/>
-              <a:t>Argument</a:t>
-            </a:r>
-          </a:p>
-        </p:txBody>
-      </p:sp>
-      <p:sp>
-        <p:nvSpPr>
-          <p:cNvPr id="4" name="Slide Number Placeholder 3">
-            <a:extLst>
-              <a:ext uri="{FF2B5EF4-FFF2-40B4-BE49-F238E27FC236}">
-                <a16:creationId xmlns:a16="http://schemas.microsoft.com/office/drawing/2014/main" id="{B3DA4164-01C7-E08C-3915-665021C9829F}"/>
-              </a:ext>
-            </a:extLst>
-          </p:cNvPr>
-          <p:cNvSpPr>
-            <a:spLocks noGrp="1"/>
-          </p:cNvSpPr>
-          <p:nvPr>
-            <p:ph type="sldNum" sz="quarter" idx="5"/>
-          </p:nvPr>
-        </p:nvSpPr>
-        <p:spPr/>
-        <p:txBody>
-          <a:bodyPr/>
-          <a:lstStyle/>
-          <a:p>
-            <a:fld id="{1300335D-9F13-4B80-ADC5-B0EA3E10FF6B}" type="slidenum">
-              <a:rPr lang="en-US" smtClean="0"/>
-              <a:t>24</a:t>
-            </a:fld>
-            <a:endParaRPr lang="en-US"/>
-          </a:p>
-        </p:txBody>
-      </p:sp>
-    </p:spTree>
-    <p:extLst>
-      <p:ext uri="{BB962C8B-B14F-4D97-AF65-F5344CB8AC3E}">
-        <p14:creationId xmlns:p14="http://schemas.microsoft.com/office/powerpoint/2010/main" val="3922983878"/>
-      </p:ext>
-    </p:extLst>
-  </p:cSld>
-  <p:clrMapOvr>
-    <a:masterClrMapping/>
-  </p:clrMapOvr>
-</p:notes>
-</file>
-
-<file path=ppt/notesSlides/notesSlide15.xml><?xml version="1.0" encoding="utf-8"?>
-<p:notes xmlns:a="http://schemas.openxmlformats.org/drawingml/2006/main" xmlns:r="http://schemas.openxmlformats.org/officeDocument/2006/relationships" xmlns:p="http://schemas.openxmlformats.org/presentationml/2006/main">
-  <p:cSld>
-    <p:spTree>
-      <p:nvGrpSpPr>
-        <p:cNvPr id="1" name="">
-          <a:extLst>
-            <a:ext uri="{FF2B5EF4-FFF2-40B4-BE49-F238E27FC236}">
-              <a16:creationId xmlns:a16="http://schemas.microsoft.com/office/drawing/2014/main" id="{7B817362-051E-8052-9840-7547E45113DA}"/>
-            </a:ext>
-          </a:extLst>
-        </p:cNvPr>
-        <p:cNvGrpSpPr/>
-        <p:nvPr/>
-      </p:nvGrpSpPr>
-      <p:grpSpPr>
-        <a:xfrm>
-          <a:off x="0" y="0"/>
-          <a:ext cx="0" cy="0"/>
-          <a:chOff x="0" y="0"/>
-          <a:chExt cx="0" cy="0"/>
-        </a:xfrm>
-      </p:grpSpPr>
-      <p:sp>
-        <p:nvSpPr>
-          <p:cNvPr id="2" name="Slide Image Placeholder 1">
-            <a:extLst>
-              <a:ext uri="{FF2B5EF4-FFF2-40B4-BE49-F238E27FC236}">
-                <a16:creationId xmlns:a16="http://schemas.microsoft.com/office/drawing/2014/main" id="{9232BA27-85A8-FBC0-E66A-0C5E3FCA6981}"/>
-              </a:ext>
-            </a:extLst>
-          </p:cNvPr>
-          <p:cNvSpPr>
-            <a:spLocks noGrp="1" noRot="1" noChangeAspect="1"/>
-          </p:cNvSpPr>
-          <p:nvPr>
-            <p:ph type="sldImg"/>
-          </p:nvPr>
-        </p:nvSpPr>
-        <p:spPr/>
-      </p:sp>
-      <p:sp>
-        <p:nvSpPr>
-          <p:cNvPr id="3" name="Notes Placeholder 2">
-            <a:extLst>
-              <a:ext uri="{FF2B5EF4-FFF2-40B4-BE49-F238E27FC236}">
-                <a16:creationId xmlns:a16="http://schemas.microsoft.com/office/drawing/2014/main" id="{DD21F091-2232-E643-1D4D-D818DD32C031}"/>
-              </a:ext>
-            </a:extLst>
-          </p:cNvPr>
-          <p:cNvSpPr>
-            <a:spLocks noGrp="1"/>
-          </p:cNvSpPr>
-          <p:nvPr>
-            <p:ph type="body" idx="1"/>
-          </p:nvPr>
-        </p:nvSpPr>
-        <p:spPr/>
-        <p:txBody>
-          <a:bodyPr/>
-          <a:lstStyle/>
-          <a:p>
-            <a:pPr marL="228600" indent="-228600">
-              <a:buAutoNum type="arabicPeriod"/>
-            </a:pPr>
-            <a:r>
-              <a:rPr lang="en-US" dirty="0"/>
-              <a:t>False!</a:t>
-            </a:r>
-          </a:p>
-          <a:p>
-            <a:pPr marL="228600" indent="-228600">
-              <a:buAutoNum type="arabicPeriod"/>
-            </a:pPr>
-            <a:r>
-              <a:rPr lang="en-US" dirty="0"/>
-              <a:t>Function, Formula, Function</a:t>
-            </a:r>
-          </a:p>
-          <a:p>
-            <a:pPr marL="228600" indent="-228600">
-              <a:buAutoNum type="arabicPeriod"/>
-            </a:pPr>
-            <a:r>
-              <a:rPr lang="en-US" dirty="0"/>
-              <a:t>Argument</a:t>
-            </a:r>
-          </a:p>
-        </p:txBody>
-      </p:sp>
-      <p:sp>
-        <p:nvSpPr>
-          <p:cNvPr id="4" name="Slide Number Placeholder 3">
-            <a:extLst>
-              <a:ext uri="{FF2B5EF4-FFF2-40B4-BE49-F238E27FC236}">
-                <a16:creationId xmlns:a16="http://schemas.microsoft.com/office/drawing/2014/main" id="{23B736AE-C4D2-1716-F769-D0533607F3F9}"/>
-              </a:ext>
-            </a:extLst>
-          </p:cNvPr>
-          <p:cNvSpPr>
-            <a:spLocks noGrp="1"/>
-          </p:cNvSpPr>
-          <p:nvPr>
-            <p:ph type="sldNum" sz="quarter" idx="5"/>
-          </p:nvPr>
-        </p:nvSpPr>
-        <p:spPr/>
-        <p:txBody>
-          <a:bodyPr/>
-          <a:lstStyle/>
-          <a:p>
-            <a:fld id="{1300335D-9F13-4B80-ADC5-B0EA3E10FF6B}" type="slidenum">
-              <a:rPr lang="en-US" smtClean="0"/>
-              <a:t>25</a:t>
-            </a:fld>
-            <a:endParaRPr lang="en-US"/>
-          </a:p>
-        </p:txBody>
-      </p:sp>
-    </p:spTree>
-    <p:extLst>
-      <p:ext uri="{BB962C8B-B14F-4D97-AF65-F5344CB8AC3E}">
-        <p14:creationId xmlns:p14="http://schemas.microsoft.com/office/powerpoint/2010/main" val="329124620"/>
+        <p14:creationId xmlns:p14="http://schemas.microsoft.com/office/powerpoint/2010/main" val="1323952506"/>
       </p:ext>
     </p:extLst>
   </p:cSld>
@@ -1838,30 +1462,12 @@
           <a:bodyPr/>
           <a:lstStyle/>
           <a:p>
-            <a:pPr marL="228600" indent="-228600">
-              <a:buAutoNum type="arabicPeriod"/>
+            <a:pPr marL="0" indent="0">
+              <a:buNone/>
             </a:pPr>
             <a:r>
               <a:rPr lang="en-US" dirty="0"/>
-              <a:t>False!</a:t>
-            </a:r>
-          </a:p>
-          <a:p>
-            <a:pPr marL="228600" indent="-228600">
-              <a:buAutoNum type="arabicPeriod"/>
-            </a:pPr>
-            <a:r>
-              <a:rPr lang="en-US" dirty="0"/>
-              <a:t>Function, Formula, Function</a:t>
-            </a:r>
-          </a:p>
-          <a:p>
-            <a:pPr marL="228600" indent="-228600">
-              <a:buAutoNum type="arabicPeriod"/>
-            </a:pPr>
-            <a:r>
-              <a:rPr lang="en-US" dirty="0"/>
-              <a:t>Argument</a:t>
+              <a:t>Summary on the next slide</a:t>
             </a:r>
           </a:p>
         </p:txBody>
@@ -1916,7 +1522,7 @@
         <p:cNvPr id="1" name="">
           <a:extLst>
             <a:ext uri="{FF2B5EF4-FFF2-40B4-BE49-F238E27FC236}">
-              <a16:creationId xmlns:a16="http://schemas.microsoft.com/office/drawing/2014/main" id="{D4DB6049-5928-8065-DC2A-FC299B7C48B5}"/>
+              <a16:creationId xmlns:a16="http://schemas.microsoft.com/office/drawing/2014/main" id="{71637371-E283-3D01-86F9-C31435CE90A0}"/>
             </a:ext>
           </a:extLst>
         </p:cNvPr>
@@ -1936,7 +1542,7 @@
           <p:cNvPr id="2" name="Slide Image Placeholder 1">
             <a:extLst>
               <a:ext uri="{FF2B5EF4-FFF2-40B4-BE49-F238E27FC236}">
-                <a16:creationId xmlns:a16="http://schemas.microsoft.com/office/drawing/2014/main" id="{E5FC0C57-AD83-983B-DED0-447710D587BF}"/>
+                <a16:creationId xmlns:a16="http://schemas.microsoft.com/office/drawing/2014/main" id="{11A72AC5-04BD-FEF7-2CFC-63B4BA767EDB}"/>
               </a:ext>
             </a:extLst>
           </p:cNvPr>
@@ -1954,7 +1560,7 @@
           <p:cNvPr id="3" name="Notes Placeholder 2">
             <a:extLst>
               <a:ext uri="{FF2B5EF4-FFF2-40B4-BE49-F238E27FC236}">
-                <a16:creationId xmlns:a16="http://schemas.microsoft.com/office/drawing/2014/main" id="{38A32239-97F3-778C-24C8-9BC6C7AB5BC8}"/>
+                <a16:creationId xmlns:a16="http://schemas.microsoft.com/office/drawing/2014/main" id="{FDB7F571-2731-75C4-3194-045951C9E6C7}"/>
               </a:ext>
             </a:extLst>
           </p:cNvPr>
@@ -2003,7 +1609,7 @@
           <p:cNvPr id="4" name="Slide Number Placeholder 3">
             <a:extLst>
               <a:ext uri="{FF2B5EF4-FFF2-40B4-BE49-F238E27FC236}">
-                <a16:creationId xmlns:a16="http://schemas.microsoft.com/office/drawing/2014/main" id="{CE03D4B1-A0AC-07B2-C4EE-EE617B1AB157}"/>
+                <a16:creationId xmlns:a16="http://schemas.microsoft.com/office/drawing/2014/main" id="{93A01C2C-41DB-AC2A-4738-B98D2EF25303}"/>
               </a:ext>
             </a:extLst>
           </p:cNvPr>
@@ -2021,7 +1627,7 @@
           <a:p>
             <a:fld id="{1300335D-9F13-4B80-ADC5-B0EA3E10FF6B}" type="slidenum">
               <a:rPr lang="en-US" smtClean="0"/>
-              <a:t>13</a:t>
+              <a:t>14</a:t>
             </a:fld>
             <a:endParaRPr lang="en-US"/>
           </a:p>
@@ -2030,7 +1636,7 @@
     </p:spTree>
     <p:extLst>
       <p:ext uri="{BB962C8B-B14F-4D97-AF65-F5344CB8AC3E}">
-        <p14:creationId xmlns:p14="http://schemas.microsoft.com/office/powerpoint/2010/main" val="1163187538"/>
+        <p14:creationId xmlns:p14="http://schemas.microsoft.com/office/powerpoint/2010/main" val="3733800334"/>
       </p:ext>
     </p:extLst>
   </p:cSld>
@@ -2048,7 +1654,7 @@
         <p:cNvPr id="1" name="">
           <a:extLst>
             <a:ext uri="{FF2B5EF4-FFF2-40B4-BE49-F238E27FC236}">
-              <a16:creationId xmlns:a16="http://schemas.microsoft.com/office/drawing/2014/main" id="{82F945E6-CE7E-2487-A482-590748D551E9}"/>
+              <a16:creationId xmlns:a16="http://schemas.microsoft.com/office/drawing/2014/main" id="{BD947BB5-8FC2-3E16-F357-4A56F0122F15}"/>
             </a:ext>
           </a:extLst>
         </p:cNvPr>
@@ -2068,7 +1674,7 @@
           <p:cNvPr id="2" name="Slide Image Placeholder 1">
             <a:extLst>
               <a:ext uri="{FF2B5EF4-FFF2-40B4-BE49-F238E27FC236}">
-                <a16:creationId xmlns:a16="http://schemas.microsoft.com/office/drawing/2014/main" id="{BCD565A5-C4C5-B4A3-E708-957B84B00338}"/>
+                <a16:creationId xmlns:a16="http://schemas.microsoft.com/office/drawing/2014/main" id="{3DAAA80C-89F5-A4E8-C917-17CE4277356F}"/>
               </a:ext>
             </a:extLst>
           </p:cNvPr>
@@ -2086,7 +1692,7 @@
           <p:cNvPr id="3" name="Notes Placeholder 2">
             <a:extLst>
               <a:ext uri="{FF2B5EF4-FFF2-40B4-BE49-F238E27FC236}">
-                <a16:creationId xmlns:a16="http://schemas.microsoft.com/office/drawing/2014/main" id="{895AD896-08FE-5715-6C86-75CB24BC7D9F}"/>
+                <a16:creationId xmlns:a16="http://schemas.microsoft.com/office/drawing/2014/main" id="{DD2FB18F-F9D9-5034-E374-D367CE344F9F}"/>
               </a:ext>
             </a:extLst>
           </p:cNvPr>
@@ -2135,7 +1741,7 @@
           <p:cNvPr id="4" name="Slide Number Placeholder 3">
             <a:extLst>
               <a:ext uri="{FF2B5EF4-FFF2-40B4-BE49-F238E27FC236}">
-                <a16:creationId xmlns:a16="http://schemas.microsoft.com/office/drawing/2014/main" id="{4DC0BFCF-D905-022B-788E-7C8BB191D379}"/>
+                <a16:creationId xmlns:a16="http://schemas.microsoft.com/office/drawing/2014/main" id="{9191DEFD-F43F-A3CA-D1D7-39CBAC81594F}"/>
               </a:ext>
             </a:extLst>
           </p:cNvPr>
@@ -2153,7 +1759,7 @@
           <a:p>
             <a:fld id="{1300335D-9F13-4B80-ADC5-B0EA3E10FF6B}" type="slidenum">
               <a:rPr lang="en-US" smtClean="0"/>
-              <a:t>14</a:t>
+              <a:t>15</a:t>
             </a:fld>
             <a:endParaRPr lang="en-US"/>
           </a:p>
@@ -2162,7 +1768,7 @@
     </p:spTree>
     <p:extLst>
       <p:ext uri="{BB962C8B-B14F-4D97-AF65-F5344CB8AC3E}">
-        <p14:creationId xmlns:p14="http://schemas.microsoft.com/office/powerpoint/2010/main" val="3939643264"/>
+        <p14:creationId xmlns:p14="http://schemas.microsoft.com/office/powerpoint/2010/main" val="2648307813"/>
       </p:ext>
     </p:extLst>
   </p:cSld>
@@ -2180,7 +1786,7 @@
         <p:cNvPr id="1" name="">
           <a:extLst>
             <a:ext uri="{FF2B5EF4-FFF2-40B4-BE49-F238E27FC236}">
-              <a16:creationId xmlns:a16="http://schemas.microsoft.com/office/drawing/2014/main" id="{9ACD0BB0-C27F-4394-84BC-879603FE7DC5}"/>
+              <a16:creationId xmlns:a16="http://schemas.microsoft.com/office/drawing/2014/main" id="{DC912260-3F74-BEAF-E0E3-8786B53EDC3B}"/>
             </a:ext>
           </a:extLst>
         </p:cNvPr>
@@ -2200,7 +1806,7 @@
           <p:cNvPr id="2" name="Slide Image Placeholder 1">
             <a:extLst>
               <a:ext uri="{FF2B5EF4-FFF2-40B4-BE49-F238E27FC236}">
-                <a16:creationId xmlns:a16="http://schemas.microsoft.com/office/drawing/2014/main" id="{8BD3BEAE-D2CD-A88A-3703-056E92BB0B5B}"/>
+                <a16:creationId xmlns:a16="http://schemas.microsoft.com/office/drawing/2014/main" id="{647F21A0-0F78-57E3-2D2F-FF6B7A5B7244}"/>
               </a:ext>
             </a:extLst>
           </p:cNvPr>
@@ -2218,7 +1824,7 @@
           <p:cNvPr id="3" name="Notes Placeholder 2">
             <a:extLst>
               <a:ext uri="{FF2B5EF4-FFF2-40B4-BE49-F238E27FC236}">
-                <a16:creationId xmlns:a16="http://schemas.microsoft.com/office/drawing/2014/main" id="{EF1D8528-51B2-8AAF-A9AB-FE9AD8BC6069}"/>
+                <a16:creationId xmlns:a16="http://schemas.microsoft.com/office/drawing/2014/main" id="{C3AFC53C-044B-9A77-9CCC-F7DD22F62AD4}"/>
               </a:ext>
             </a:extLst>
           </p:cNvPr>
@@ -2267,7 +1873,7 @@
           <p:cNvPr id="4" name="Slide Number Placeholder 3">
             <a:extLst>
               <a:ext uri="{FF2B5EF4-FFF2-40B4-BE49-F238E27FC236}">
-                <a16:creationId xmlns:a16="http://schemas.microsoft.com/office/drawing/2014/main" id="{F2683C92-7067-3C07-DF64-C45CF1BBC349}"/>
+                <a16:creationId xmlns:a16="http://schemas.microsoft.com/office/drawing/2014/main" id="{3A0C8042-E8B1-4068-799D-781E862DC600}"/>
               </a:ext>
             </a:extLst>
           </p:cNvPr>
@@ -2285,7 +1891,7 @@
           <a:p>
             <a:fld id="{1300335D-9F13-4B80-ADC5-B0EA3E10FF6B}" type="slidenum">
               <a:rPr lang="en-US" smtClean="0"/>
-              <a:t>15</a:t>
+              <a:t>16</a:t>
             </a:fld>
             <a:endParaRPr lang="en-US"/>
           </a:p>
@@ -2294,7 +1900,7 @@
     </p:spTree>
     <p:extLst>
       <p:ext uri="{BB962C8B-B14F-4D97-AF65-F5344CB8AC3E}">
-        <p14:creationId xmlns:p14="http://schemas.microsoft.com/office/powerpoint/2010/main" val="2048544313"/>
+        <p14:creationId xmlns:p14="http://schemas.microsoft.com/office/powerpoint/2010/main" val="2925647029"/>
       </p:ext>
     </p:extLst>
   </p:cSld>
@@ -2366,31 +1972,224 @@
           <a:bodyPr/>
           <a:lstStyle/>
           <a:p>
-            <a:pPr marL="228600" indent="-228600">
-              <a:buAutoNum type="arabicPeriod"/>
+            <a:pPr marL="457200" indent="-457200" rtl="0">
+              <a:spcBef>
+                <a:spcPts val="1600"/>
+              </a:spcBef>
+              <a:spcAft>
+                <a:spcPts val="400"/>
+              </a:spcAft>
+              <a:buFont typeface="Arial" panose="020B0604020202020204" pitchFamily="34" charset="0"/>
+              <a:buChar char="•"/>
             </a:pPr>
             <a:r>
-              <a:rPr lang="en-US" dirty="0"/>
-              <a:t>False!</a:t>
-            </a:r>
-          </a:p>
-          <a:p>
-            <a:pPr marL="228600" indent="-228600">
-              <a:buAutoNum type="arabicPeriod"/>
+              <a:rPr lang="en-US" sz="1200" i="0" u="none" strike="noStrike" dirty="0">
+                <a:solidFill>
+                  <a:srgbClr val="CF3338"/>
+                </a:solidFill>
+                <a:effectLst/>
+                <a:latin typeface="Pragmatica" panose="020B0403040502020204"/>
+              </a:rPr>
+              <a:t>Step 1: Generate Synthetic Data</a:t>
+            </a:r>
+            <a:endParaRPr lang="en-US" sz="2400" dirty="0">
+              <a:solidFill>
+                <a:srgbClr val="CF3338"/>
+              </a:solidFill>
+              <a:effectLst/>
+              <a:latin typeface="Pragmatica" panose="020B0403040502020204"/>
+            </a:endParaRPr>
+          </a:p>
+          <a:p>
+            <a:pPr rtl="0" fontAlgn="base"/>
+            <a:r>
+              <a:rPr lang="en-US" sz="1200" i="0" u="none" strike="noStrike" dirty="0">
+                <a:solidFill>
+                  <a:srgbClr val="CF3338"/>
+                </a:solidFill>
+                <a:effectLst/>
+                <a:latin typeface="Pragmatica" panose="020B0403040502020204"/>
+              </a:rPr>
+              <a:t>Use Copilot to create 1,000 records: Transaction ID, Date, Product Category, Sales, Store Type, and Age Group.</a:t>
+            </a:r>
+          </a:p>
+          <a:p>
+            <a:pPr rtl="0" fontAlgn="base"/>
+            <a:r>
+              <a:rPr lang="en-US" sz="1200" i="0" u="none" strike="noStrike" dirty="0">
+                <a:solidFill>
+                  <a:srgbClr val="CF3338"/>
+                </a:solidFill>
+                <a:effectLst/>
+                <a:latin typeface="Pragmatica" panose="020B0403040502020204"/>
+              </a:rPr>
+              <a:t>Ensure realistic patterns (e.g., higher weekend sales, age-group preferences).</a:t>
+            </a:r>
+          </a:p>
+          <a:p>
+            <a:pPr rtl="0" fontAlgn="base"/>
+            <a:r>
+              <a:rPr lang="en-US" sz="1200" i="0" u="none" strike="noStrike" dirty="0">
+                <a:solidFill>
+                  <a:srgbClr val="CF3338"/>
+                </a:solidFill>
+                <a:effectLst/>
+                <a:latin typeface="Pragmatica" panose="020B0403040502020204"/>
+              </a:rPr>
+              <a:t>Run Python script with Faker for reproducibility.</a:t>
+            </a:r>
+          </a:p>
+          <a:p>
+            <a:pPr rtl="0">
+              <a:spcBef>
+                <a:spcPts val="1600"/>
+              </a:spcBef>
+              <a:spcAft>
+                <a:spcPts val="400"/>
+              </a:spcAft>
             </a:pPr>
             <a:r>
-              <a:rPr lang="en-US" dirty="0"/>
-              <a:t>Function, Formula, Function</a:t>
-            </a:r>
-          </a:p>
-          <a:p>
-            <a:pPr marL="228600" indent="-228600">
-              <a:buAutoNum type="arabicPeriod"/>
+              <a:rPr lang="en-US" sz="1200" i="0" u="none" strike="noStrike" dirty="0">
+                <a:solidFill>
+                  <a:srgbClr val="CF3338"/>
+                </a:solidFill>
+                <a:effectLst/>
+                <a:latin typeface="Pragmatica" panose="020B0403040502020204"/>
+              </a:rPr>
+              <a:t>Step 2: Plan Visualizations</a:t>
+            </a:r>
+            <a:endParaRPr lang="en-US" sz="2400" dirty="0">
+              <a:solidFill>
+                <a:srgbClr val="CF3338"/>
+              </a:solidFill>
+              <a:effectLst/>
+              <a:latin typeface="Pragmatica" panose="020B0403040502020204"/>
+            </a:endParaRPr>
+          </a:p>
+          <a:p>
+            <a:pPr rtl="0" fontAlgn="base"/>
+            <a:r>
+              <a:rPr lang="en-US" sz="1200" i="0" u="none" strike="noStrike" dirty="0">
+                <a:solidFill>
+                  <a:srgbClr val="CF3338"/>
+                </a:solidFill>
+                <a:effectLst/>
+                <a:latin typeface="Pragmatica" panose="020B0403040502020204"/>
+              </a:rPr>
+              <a:t>Ask ChatGPT how to best compare sales (online vs. physical, age group vs. product preferences).</a:t>
+            </a:r>
+          </a:p>
+          <a:p>
+            <a:pPr rtl="0" fontAlgn="base"/>
+            <a:r>
+              <a:rPr lang="en-US" sz="1200" i="0" u="none" strike="noStrike" dirty="0">
+                <a:solidFill>
+                  <a:srgbClr val="CF3338"/>
+                </a:solidFill>
+                <a:effectLst/>
+                <a:latin typeface="Pragmatica" panose="020B0403040502020204"/>
+              </a:rPr>
+              <a:t>Select chart types based on AI suggestions.</a:t>
+            </a:r>
+          </a:p>
+          <a:p>
+            <a:pPr rtl="0">
+              <a:spcBef>
+                <a:spcPts val="1600"/>
+              </a:spcBef>
+              <a:spcAft>
+                <a:spcPts val="400"/>
+              </a:spcAft>
             </a:pPr>
             <a:r>
-              <a:rPr lang="en-US" dirty="0"/>
-              <a:t>Argument</a:t>
-            </a:r>
+              <a:rPr lang="en-US" sz="1200" i="0" u="none" strike="noStrike" dirty="0">
+                <a:solidFill>
+                  <a:srgbClr val="CF3338"/>
+                </a:solidFill>
+                <a:effectLst/>
+                <a:latin typeface="Pragmatica" panose="020B0403040502020204"/>
+              </a:rPr>
+              <a:t>Step 3: Frame the Problem</a:t>
+            </a:r>
+            <a:endParaRPr lang="en-US" sz="2400" dirty="0">
+              <a:solidFill>
+                <a:srgbClr val="CF3338"/>
+              </a:solidFill>
+              <a:effectLst/>
+              <a:latin typeface="Pragmatica" panose="020B0403040502020204"/>
+            </a:endParaRPr>
+          </a:p>
+          <a:p>
+            <a:pPr rtl="0" fontAlgn="base"/>
+            <a:r>
+              <a:rPr lang="en-US" sz="1200" i="0" u="none" strike="noStrike" dirty="0">
+                <a:solidFill>
+                  <a:srgbClr val="CF3338"/>
+                </a:solidFill>
+                <a:effectLst/>
+                <a:latin typeface="Pragmatica" panose="020B0403040502020204"/>
+              </a:rPr>
+              <a:t>Use Claude AI to identify key sales drivers and frame a SMART goal (e.g., “Increase online sales by 15% in 3 months”).</a:t>
+            </a:r>
+          </a:p>
+          <a:p>
+            <a:pPr rtl="0">
+              <a:spcBef>
+                <a:spcPts val="1600"/>
+              </a:spcBef>
+              <a:spcAft>
+                <a:spcPts val="400"/>
+              </a:spcAft>
+            </a:pPr>
+            <a:r>
+              <a:rPr lang="en-US" sz="1200" i="0" u="none" strike="noStrike" dirty="0">
+                <a:solidFill>
+                  <a:srgbClr val="CF3338"/>
+                </a:solidFill>
+                <a:effectLst/>
+                <a:latin typeface="Pragmatica" panose="020B0403040502020204"/>
+              </a:rPr>
+              <a:t>Step 4: Compare AI Tools</a:t>
+            </a:r>
+            <a:endParaRPr lang="en-US" sz="2400" dirty="0">
+              <a:solidFill>
+                <a:srgbClr val="CF3338"/>
+              </a:solidFill>
+              <a:effectLst/>
+              <a:latin typeface="Pragmatica" panose="020B0403040502020204"/>
+            </a:endParaRPr>
+          </a:p>
+          <a:p>
+            <a:pPr rtl="0" fontAlgn="base"/>
+            <a:r>
+              <a:rPr lang="en-US" sz="1200" i="0" u="none" strike="noStrike" dirty="0">
+                <a:solidFill>
+                  <a:srgbClr val="CF3338"/>
+                </a:solidFill>
+                <a:effectLst/>
+                <a:latin typeface="Pragmatica" panose="020B0403040502020204"/>
+              </a:rPr>
+              <a:t>Reflect on how Copilot, ChatGPT, and Claude contributed to data creation, visualization, and framing.</a:t>
+            </a:r>
+          </a:p>
+          <a:p>
+            <a:pPr rtl="0" fontAlgn="base"/>
+            <a:r>
+              <a:rPr lang="en-US" sz="1200" i="0" u="none" strike="noStrike" dirty="0">
+                <a:solidFill>
+                  <a:srgbClr val="CF3338"/>
+                </a:solidFill>
+                <a:effectLst/>
+                <a:latin typeface="Pragmatica" panose="020B0403040502020204"/>
+              </a:rPr>
+              <a:t>Evaluate their strengths and limitations for future projects.</a:t>
+            </a:r>
+          </a:p>
+          <a:p>
+            <a:pPr marL="0" indent="0">
+              <a:buNone/>
+            </a:pPr>
+            <a:endParaRPr lang="en-US" dirty="0"/>
           </a:p>
         </p:txBody>
       </p:sp>
@@ -2417,7 +2216,7 @@
           <a:p>
             <a:fld id="{1300335D-9F13-4B80-ADC5-B0EA3E10FF6B}" type="slidenum">
               <a:rPr lang="en-US" smtClean="0"/>
-              <a:t>16</a:t>
+              <a:t>17</a:t>
             </a:fld>
             <a:endParaRPr lang="en-US"/>
           </a:p>
@@ -2616,7 +2415,7 @@
             <a:fld id="{1D8BD707-D9CF-40AE-B4C6-C98DA3205C09}" type="datetimeFigureOut">
               <a:rPr lang="en-US" smtClean="0"/>
               <a:pPr/>
-              <a:t>10/18/2024</a:t>
+              <a:t>10/19/2024</a:t>
             </a:fld>
             <a:endParaRPr lang="en-US"/>
           </a:p>
@@ -2781,7 +2580,7 @@
             <a:fld id="{1D8BD707-D9CF-40AE-B4C6-C98DA3205C09}" type="datetimeFigureOut">
               <a:rPr lang="en-US" smtClean="0"/>
               <a:pPr/>
-              <a:t>10/18/2024</a:t>
+              <a:t>10/19/2024</a:t>
             </a:fld>
             <a:endParaRPr lang="en-US"/>
           </a:p>
@@ -2956,7 +2755,7 @@
             <a:fld id="{1D8BD707-D9CF-40AE-B4C6-C98DA3205C09}" type="datetimeFigureOut">
               <a:rPr lang="en-US" smtClean="0"/>
               <a:pPr/>
-              <a:t>10/18/2024</a:t>
+              <a:t>10/19/2024</a:t>
             </a:fld>
             <a:endParaRPr lang="en-US"/>
           </a:p>
@@ -3121,7 +2920,7 @@
             <a:fld id="{1D8BD707-D9CF-40AE-B4C6-C98DA3205C09}" type="datetimeFigureOut">
               <a:rPr lang="en-US" smtClean="0"/>
               <a:pPr/>
-              <a:t>10/18/2024</a:t>
+              <a:t>10/19/2024</a:t>
             </a:fld>
             <a:endParaRPr lang="en-US"/>
           </a:p>
@@ -3363,7 +3162,7 @@
             <a:fld id="{1D8BD707-D9CF-40AE-B4C6-C98DA3205C09}" type="datetimeFigureOut">
               <a:rPr lang="en-US" smtClean="0"/>
               <a:pPr/>
-              <a:t>10/18/2024</a:t>
+              <a:t>10/19/2024</a:t>
             </a:fld>
             <a:endParaRPr lang="en-US"/>
           </a:p>
@@ -3645,7 +3444,7 @@
             <a:fld id="{1D8BD707-D9CF-40AE-B4C6-C98DA3205C09}" type="datetimeFigureOut">
               <a:rPr lang="en-US" smtClean="0"/>
               <a:pPr/>
-              <a:t>10/18/2024</a:t>
+              <a:t>10/19/2024</a:t>
             </a:fld>
             <a:endParaRPr lang="en-US"/>
           </a:p>
@@ -4061,7 +3860,7 @@
             <a:fld id="{1D8BD707-D9CF-40AE-B4C6-C98DA3205C09}" type="datetimeFigureOut">
               <a:rPr lang="en-US" smtClean="0"/>
               <a:pPr/>
-              <a:t>10/18/2024</a:t>
+              <a:t>10/19/2024</a:t>
             </a:fld>
             <a:endParaRPr lang="en-US"/>
           </a:p>
@@ -4175,7 +3974,7 @@
             <a:fld id="{1D8BD707-D9CF-40AE-B4C6-C98DA3205C09}" type="datetimeFigureOut">
               <a:rPr lang="en-US" smtClean="0"/>
               <a:pPr/>
-              <a:t>10/18/2024</a:t>
+              <a:t>10/19/2024</a:t>
             </a:fld>
             <a:endParaRPr lang="en-US"/>
           </a:p>
@@ -4267,7 +4066,7 @@
             <a:fld id="{1D8BD707-D9CF-40AE-B4C6-C98DA3205C09}" type="datetimeFigureOut">
               <a:rPr lang="en-US" smtClean="0"/>
               <a:pPr/>
-              <a:t>10/18/2024</a:t>
+              <a:t>10/19/2024</a:t>
             </a:fld>
             <a:endParaRPr lang="en-US"/>
           </a:p>
@@ -4539,7 +4338,7 @@
             <a:fld id="{1D8BD707-D9CF-40AE-B4C6-C98DA3205C09}" type="datetimeFigureOut">
               <a:rPr lang="en-US" smtClean="0"/>
               <a:pPr/>
-              <a:t>10/18/2024</a:t>
+              <a:t>10/19/2024</a:t>
             </a:fld>
             <a:endParaRPr lang="en-US"/>
           </a:p>
@@ -4788,7 +4587,7 @@
             <a:fld id="{1D8BD707-D9CF-40AE-B4C6-C98DA3205C09}" type="datetimeFigureOut">
               <a:rPr lang="en-US" smtClean="0"/>
               <a:pPr/>
-              <a:t>10/18/2024</a:t>
+              <a:t>10/19/2024</a:t>
             </a:fld>
             <a:endParaRPr lang="en-US"/>
           </a:p>
@@ -5001,7 +4800,7 @@
             <a:fld id="{1D8BD707-D9CF-40AE-B4C6-C98DA3205C09}" type="datetimeFigureOut">
               <a:rPr lang="en-US" smtClean="0"/>
               <a:pPr/>
-              <a:t>10/18/2024</a:t>
+              <a:t>10/19/2024</a:t>
             </a:fld>
             <a:endParaRPr lang="en-US"/>
           </a:p>
@@ -5440,7 +5239,7 @@
         <p:spPr>
           <a:xfrm>
             <a:off x="486137" y="2531318"/>
-            <a:ext cx="11979797" cy="1754326"/>
+            <a:ext cx="11979797" cy="923330"/>
           </a:xfrm>
           <a:prstGeom prst="rect">
             <a:avLst/>
@@ -5460,7 +5259,7 @@
                 </a:solidFill>
                 <a:latin typeface="Pragmatica" panose="020B0403040502020204" pitchFamily="34" charset="0"/>
               </a:rPr>
-              <a:t>Power Automate for Excel: Getting Started</a:t>
+              <a:t>Generative AI for Excel foundations</a:t>
             </a:r>
           </a:p>
         </p:txBody>
@@ -5791,7 +5590,7 @@
                 </a:solidFill>
                 <a:latin typeface="Normafixed Tryout" panose="00000409000000000000" pitchFamily="49" charset="0"/>
               </a:rPr>
-              <a:t>2. Building and managing Excel-related flows</a:t>
+              <a:t>2. Analyzing data with free generative AI tools</a:t>
             </a:r>
           </a:p>
         </p:txBody>
@@ -5934,7 +5733,7 @@
         <p:spPr>
           <a:xfrm>
             <a:off x="260431" y="329879"/>
-            <a:ext cx="8906720" cy="7809895"/>
+            <a:ext cx="8906720" cy="8588057"/>
           </a:xfrm>
           <a:prstGeom prst="rect">
             <a:avLst/>
@@ -5954,7 +5753,7 @@
                 </a:solidFill>
                 <a:latin typeface="Pragmatica" panose="020B0403040502020204" pitchFamily="34" charset="0"/>
               </a:rPr>
-              <a:t>Automating Excel entry with Power Automate</a:t>
+              <a:t>Choosing the right (free) tools for AI-powered Excel</a:t>
             </a:r>
           </a:p>
           <a:p>
@@ -6001,27 +5800,7 @@
                 <a:latin typeface="Pragmatica" panose="020B0403040502020204"/>
                 <a:sym typeface="Consolas"/>
               </a:rPr>
-              <a:t>Create emails </a:t>
-            </a:r>
-            <a:r>
-              <a:rPr lang="en-US" sz="3600" i="1" dirty="0">
-                <a:solidFill>
-                  <a:srgbClr val="C00000"/>
-                </a:solidFill>
-                <a:latin typeface="Pragmatica" panose="020B0403040502020204"/>
-                <a:sym typeface="Consolas"/>
-              </a:rPr>
-              <a:t>only </a:t>
-            </a:r>
-            <a:r>
-              <a:rPr lang="en-US" sz="3600" dirty="0">
-                <a:solidFill>
-                  <a:srgbClr val="C00000"/>
-                </a:solidFill>
-                <a:latin typeface="Pragmatica" panose="020B0403040502020204"/>
-                <a:sym typeface="Consolas"/>
-              </a:rPr>
-              <a:t>when project is delayed</a:t>
+              <a:t>Built-in Excel features (i.e., Analyze Data)</a:t>
             </a:r>
           </a:p>
           <a:p>
@@ -6047,7 +5826,7 @@
                 <a:latin typeface="Pragmatica" panose="020B0403040502020204"/>
                 <a:sym typeface="Consolas"/>
               </a:rPr>
-              <a:t>Test flow and put on schedule</a:t>
+              <a:t>ChatGPT</a:t>
             </a:r>
           </a:p>
           <a:p>
@@ -6073,17 +5852,7 @@
                 <a:latin typeface="Pragmatica" panose="020B0403040502020204"/>
                 <a:sym typeface="Consolas"/>
               </a:rPr>
-              <a:t>File: </a:t>
-            </a:r>
-            <a:r>
-              <a:rPr lang="en-US" sz="3600" dirty="0">
-                <a:solidFill>
-                  <a:srgbClr val="C00000"/>
-                </a:solidFill>
-                <a:latin typeface="Consolas" panose="020B0609020204030204" pitchFamily="49" charset="0"/>
-                <a:sym typeface="Consolas"/>
-              </a:rPr>
-              <a:t>conditional-logic.xlsx</a:t>
+              <a:t>Microsoft Copilot</a:t>
             </a:r>
           </a:p>
           <a:p>
@@ -6109,17 +5878,43 @@
                 <a:latin typeface="Pragmatica" panose="020B0403040502020204"/>
                 <a:sym typeface="Consolas"/>
               </a:rPr>
-              <a:t>Resource: </a:t>
-            </a:r>
+              <a:t>Claude AI </a:t>
+            </a:r>
+          </a:p>
+          <a:p>
+            <a:pPr marL="1171575" lvl="1" indent="-571500">
+              <a:lnSpc>
+                <a:spcPct val="115000"/>
+              </a:lnSpc>
+              <a:spcBef>
+                <a:spcPts val="1125"/>
+              </a:spcBef>
+              <a:buClr>
+                <a:srgbClr val="C00000"/>
+              </a:buClr>
+              <a:buSzPts val="2100"/>
+              <a:buFont typeface="Arial" panose="020B0604020202020204" pitchFamily="34" charset="0"/>
+              <a:buChar char="•"/>
+            </a:pPr>
             <a:r>
               <a:rPr lang="en-US" sz="3600" dirty="0">
                 <a:solidFill>
-                  <a:srgbClr val="CF3338"/>
+                  <a:srgbClr val="C00000"/>
                 </a:solidFill>
                 <a:latin typeface="Pragmatica" panose="020B0403040502020204"/>
                 <a:sym typeface="Consolas"/>
               </a:rPr>
-              <a:t>https://stringfestanalytics.com/power-automate-for-excel-how-to-understand-conditional-flows/</a:t>
+              <a:t>Resource: </a:t>
+            </a:r>
+            <a:r>
+              <a:rPr lang="en-US" sz="3600" dirty="0">
+                <a:solidFill>
+                  <a:srgbClr val="CF3338"/>
+                </a:solidFill>
+                <a:latin typeface="Pragmatica" panose="020B0403040502020204"/>
+                <a:sym typeface="Consolas"/>
+              </a:rPr>
+              <a:t>https://stringfestanalytics.com/how-to-choose-the-right-free-tools-for-ai-powered-excel-tasks/</a:t>
             </a:r>
             <a:endParaRPr lang="en-US" sz="6000" dirty="0">
               <a:solidFill>
@@ -6148,10 +5943,483 @@
   <p:cSld>
     <p:spTree>
       <p:nvGrpSpPr>
+        <p:cNvPr id="1" name=""/>
+        <p:cNvGrpSpPr/>
+        <p:nvPr/>
+      </p:nvGrpSpPr>
+      <p:grpSpPr>
+        <a:xfrm>
+          <a:off x="0" y="0"/>
+          <a:ext cx="0" cy="0"/>
+          <a:chOff x="0" y="0"/>
+          <a:chExt cx="0" cy="0"/>
+        </a:xfrm>
+      </p:grpSpPr>
+      <p:graphicFrame>
+        <p:nvGraphicFramePr>
+          <p:cNvPr id="5" name="Table 4">
+            <a:extLst>
+              <a:ext uri="{FF2B5EF4-FFF2-40B4-BE49-F238E27FC236}">
+                <a16:creationId xmlns:a16="http://schemas.microsoft.com/office/drawing/2014/main" id="{9FE6B0A6-761A-FEDD-942B-D7B5A2084A65}"/>
+              </a:ext>
+            </a:extLst>
+          </p:cNvPr>
+          <p:cNvGraphicFramePr>
+            <a:graphicFrameLocks noGrp="1"/>
+          </p:cNvGraphicFramePr>
+          <p:nvPr>
+            <p:extLst>
+              <p:ext uri="{D42A27DB-BD31-4B8C-83A1-F6EECF244321}">
+                <p14:modId xmlns:p14="http://schemas.microsoft.com/office/powerpoint/2010/main" val="3941460249"/>
+              </p:ext>
+            </p:extLst>
+          </p:nvPr>
+        </p:nvGraphicFramePr>
+        <p:xfrm>
+          <a:off x="1219200" y="647700"/>
+          <a:ext cx="16459200" cy="8398282"/>
+        </p:xfrm>
+        <a:graphic>
+          <a:graphicData uri="http://schemas.openxmlformats.org/drawingml/2006/table">
+            <a:tbl>
+              <a:tblPr>
+                <a:tableStyleId>{616DA210-FB5B-4158-B5E0-FEB733F419BA}</a:tableStyleId>
+              </a:tblPr>
+              <a:tblGrid>
+                <a:gridCol w="4114800">
+                  <a:extLst>
+                    <a:ext uri="{9D8B030D-6E8A-4147-A177-3AD203B41FA5}">
+                      <a16:colId xmlns:a16="http://schemas.microsoft.com/office/drawing/2014/main" val="346937738"/>
+                    </a:ext>
+                  </a:extLst>
+                </a:gridCol>
+                <a:gridCol w="4114800">
+                  <a:extLst>
+                    <a:ext uri="{9D8B030D-6E8A-4147-A177-3AD203B41FA5}">
+                      <a16:colId xmlns:a16="http://schemas.microsoft.com/office/drawing/2014/main" val="511121279"/>
+                    </a:ext>
+                  </a:extLst>
+                </a:gridCol>
+                <a:gridCol w="4114800">
+                  <a:extLst>
+                    <a:ext uri="{9D8B030D-6E8A-4147-A177-3AD203B41FA5}">
+                      <a16:colId xmlns:a16="http://schemas.microsoft.com/office/drawing/2014/main" val="159880374"/>
+                    </a:ext>
+                  </a:extLst>
+                </a:gridCol>
+                <a:gridCol w="4114800">
+                  <a:extLst>
+                    <a:ext uri="{9D8B030D-6E8A-4147-A177-3AD203B41FA5}">
+                      <a16:colId xmlns:a16="http://schemas.microsoft.com/office/drawing/2014/main" val="3555617162"/>
+                    </a:ext>
+                  </a:extLst>
+                </a:gridCol>
+              </a:tblGrid>
+              <a:tr h="370723">
+                <a:tc>
+                  <a:txBody>
+                    <a:bodyPr/>
+                    <a:lstStyle/>
+                    <a:p>
+                      <a:pPr algn="l"/>
+                      <a:r>
+                        <a:rPr lang="en-US" sz="2800" b="1">
+                          <a:effectLst/>
+                        </a:rPr>
+                        <a:t>Tool</a:t>
+                      </a:r>
+                      <a:endParaRPr lang="en-US" sz="2800" b="0">
+                        <a:effectLst/>
+                      </a:endParaRPr>
+                    </a:p>
+                  </a:txBody>
+                  <a:tcPr marL="19178" marR="19178" marT="9589" marB="9589" anchor="ctr"/>
+                </a:tc>
+                <a:tc>
+                  <a:txBody>
+                    <a:bodyPr/>
+                    <a:lstStyle/>
+                    <a:p>
+                      <a:pPr algn="l"/>
+                      <a:r>
+                        <a:rPr lang="en-US" sz="2800" b="1">
+                          <a:effectLst/>
+                        </a:rPr>
+                        <a:t>Strengths</a:t>
+                      </a:r>
+                      <a:endParaRPr lang="en-US" sz="2800" b="0">
+                        <a:effectLst/>
+                      </a:endParaRPr>
+                    </a:p>
+                  </a:txBody>
+                  <a:tcPr marL="19178" marR="19178" marT="9589" marB="9589" anchor="ctr"/>
+                </a:tc>
+                <a:tc>
+                  <a:txBody>
+                    <a:bodyPr/>
+                    <a:lstStyle/>
+                    <a:p>
+                      <a:pPr algn="l"/>
+                      <a:r>
+                        <a:rPr lang="en-US" sz="2800" b="1">
+                          <a:effectLst/>
+                        </a:rPr>
+                        <a:t>Weaknesses</a:t>
+                      </a:r>
+                      <a:endParaRPr lang="en-US" sz="2800" b="0">
+                        <a:effectLst/>
+                      </a:endParaRPr>
+                    </a:p>
+                  </a:txBody>
+                  <a:tcPr marL="19178" marR="19178" marT="9589" marB="9589" anchor="ctr"/>
+                </a:tc>
+                <a:tc>
+                  <a:txBody>
+                    <a:bodyPr/>
+                    <a:lstStyle/>
+                    <a:p>
+                      <a:pPr algn="l"/>
+                      <a:r>
+                        <a:rPr lang="en-US" sz="2800" b="1">
+                          <a:effectLst/>
+                        </a:rPr>
+                        <a:t>Use Cases</a:t>
+                      </a:r>
+                      <a:endParaRPr lang="en-US" sz="2800" b="0">
+                        <a:effectLst/>
+                      </a:endParaRPr>
+                    </a:p>
+                  </a:txBody>
+                  <a:tcPr marL="19178" marR="19178" marT="9589" marB="9589" anchor="ctr"/>
+                </a:tc>
+                <a:extLst>
+                  <a:ext uri="{0D108BD9-81ED-4DB2-BD59-A6C34878D82A}">
+                    <a16:rowId xmlns:a16="http://schemas.microsoft.com/office/drawing/2014/main" val="3096234114"/>
+                  </a:ext>
+                </a:extLst>
+              </a:tr>
+              <a:tr h="1808388">
+                <a:tc>
+                  <a:txBody>
+                    <a:bodyPr/>
+                    <a:lstStyle/>
+                    <a:p>
+                      <a:pPr algn="l"/>
+                      <a:r>
+                        <a:rPr lang="en-US" sz="2800" b="1">
+                          <a:effectLst/>
+                        </a:rPr>
+                        <a:t>Excel Built-In AI</a:t>
+                      </a:r>
+                      <a:endParaRPr lang="en-US" sz="2800">
+                        <a:effectLst/>
+                      </a:endParaRPr>
+                    </a:p>
+                  </a:txBody>
+                  <a:tcPr marL="19178" marR="19178" marT="9589" marB="9589" anchor="ctr"/>
+                </a:tc>
+                <a:tc>
+                  <a:txBody>
+                    <a:bodyPr/>
+                    <a:lstStyle/>
+                    <a:p>
+                      <a:pPr algn="l"/>
+                      <a:r>
+                        <a:rPr lang="en-US" sz="2800" dirty="0">
+                          <a:effectLst/>
+                        </a:rPr>
+                        <a:t>Integrated directly into Excel, offering seamless and familiar user experience</a:t>
+                      </a:r>
+                    </a:p>
+                  </a:txBody>
+                  <a:tcPr marL="19178" marR="19178" marT="9589" marB="9589" anchor="ctr"/>
+                </a:tc>
+                <a:tc>
+                  <a:txBody>
+                    <a:bodyPr/>
+                    <a:lstStyle/>
+                    <a:p>
+                      <a:pPr algn="l"/>
+                      <a:r>
+                        <a:rPr lang="en-US" sz="2800">
+                          <a:effectLst/>
+                        </a:rPr>
+                        <a:t>Limited to Excel’s built-in functionalities, limited generative AI capabilities</a:t>
+                      </a:r>
+                    </a:p>
+                  </a:txBody>
+                  <a:tcPr marL="19178" marR="19178" marT="9589" marB="9589" anchor="ctr"/>
+                </a:tc>
+                <a:tc>
+                  <a:txBody>
+                    <a:bodyPr/>
+                    <a:lstStyle/>
+                    <a:p>
+                      <a:pPr algn="l"/>
+                      <a:r>
+                        <a:rPr lang="en-US" sz="2800">
+                          <a:effectLst/>
+                        </a:rPr>
+                        <a:t>Automatically identify trends, patterns, and correlations with Analyze Data, gain insights quickly</a:t>
+                      </a:r>
+                    </a:p>
+                  </a:txBody>
+                  <a:tcPr marL="19178" marR="19178" marT="9589" marB="9589" anchor="ctr"/>
+                </a:tc>
+                <a:extLst>
+                  <a:ext uri="{0D108BD9-81ED-4DB2-BD59-A6C34878D82A}">
+                    <a16:rowId xmlns:a16="http://schemas.microsoft.com/office/drawing/2014/main" val="4263772436"/>
+                  </a:ext>
+                </a:extLst>
+              </a:tr>
+              <a:tr h="1808388">
+                <a:tc>
+                  <a:txBody>
+                    <a:bodyPr/>
+                    <a:lstStyle/>
+                    <a:p>
+                      <a:pPr algn="l"/>
+                      <a:r>
+                        <a:rPr lang="en-US" sz="2800" b="1">
+                          <a:effectLst/>
+                        </a:rPr>
+                        <a:t>ChatGPT</a:t>
+                      </a:r>
+                      <a:endParaRPr lang="en-US" sz="2800">
+                        <a:effectLst/>
+                      </a:endParaRPr>
+                    </a:p>
+                  </a:txBody>
+                  <a:tcPr marL="19178" marR="19178" marT="9589" marB="9589" anchor="ctr"/>
+                </a:tc>
+                <a:tc>
+                  <a:txBody>
+                    <a:bodyPr/>
+                    <a:lstStyle/>
+                    <a:p>
+                      <a:pPr algn="l"/>
+                      <a:r>
+                        <a:rPr lang="en-US" sz="2800" dirty="0">
+                          <a:effectLst/>
+                        </a:rPr>
+                        <a:t>Excellent at generating text-based content, offering theoretical guidance, and explaining concepts</a:t>
+                      </a:r>
+                    </a:p>
+                  </a:txBody>
+                  <a:tcPr marL="19178" marR="19178" marT="9589" marB="9589" anchor="ctr"/>
+                </a:tc>
+                <a:tc>
+                  <a:txBody>
+                    <a:bodyPr/>
+                    <a:lstStyle/>
+                    <a:p>
+                      <a:pPr algn="l"/>
+                      <a:r>
+                        <a:rPr lang="en-US" sz="2800" dirty="0">
+                          <a:effectLst/>
+                        </a:rPr>
+                        <a:t>Cannot upload Excel workbooks in the free version, requires careful handling of sensitive data</a:t>
+                      </a:r>
+                    </a:p>
+                  </a:txBody>
+                  <a:tcPr marL="19178" marR="19178" marT="9589" marB="9589" anchor="ctr"/>
+                </a:tc>
+                <a:tc>
+                  <a:txBody>
+                    <a:bodyPr/>
+                    <a:lstStyle/>
+                    <a:p>
+                      <a:pPr algn="l"/>
+                      <a:r>
+                        <a:rPr lang="en-US" sz="2800">
+                          <a:effectLst/>
+                        </a:rPr>
+                        <a:t>Creating complex formulas, explaining Excel features, and offering tips on Excel best practices</a:t>
+                      </a:r>
+                    </a:p>
+                  </a:txBody>
+                  <a:tcPr marL="19178" marR="19178" marT="9589" marB="9589" anchor="ctr"/>
+                </a:tc>
+                <a:extLst>
+                  <a:ext uri="{0D108BD9-81ED-4DB2-BD59-A6C34878D82A}">
+                    <a16:rowId xmlns:a16="http://schemas.microsoft.com/office/drawing/2014/main" val="2796918766"/>
+                  </a:ext>
+                </a:extLst>
+              </a:tr>
+              <a:tr h="2167804">
+                <a:tc>
+                  <a:txBody>
+                    <a:bodyPr/>
+                    <a:lstStyle/>
+                    <a:p>
+                      <a:pPr algn="l"/>
+                      <a:r>
+                        <a:rPr lang="en-US" sz="2800" b="1">
+                          <a:effectLst/>
+                        </a:rPr>
+                        <a:t>Microsoft Copilot</a:t>
+                      </a:r>
+                      <a:endParaRPr lang="en-US" sz="2800">
+                        <a:effectLst/>
+                      </a:endParaRPr>
+                    </a:p>
+                  </a:txBody>
+                  <a:tcPr marL="19178" marR="19178" marT="9589" marB="9589" anchor="ctr"/>
+                </a:tc>
+                <a:tc>
+                  <a:txBody>
+                    <a:bodyPr/>
+                    <a:lstStyle/>
+                    <a:p>
+                      <a:pPr algn="l"/>
+                      <a:r>
+                        <a:rPr lang="en-US" sz="2800">
+                          <a:effectLst/>
+                        </a:rPr>
+                        <a:t>Provides assistance with formulas and feature explanations through theoretical examples</a:t>
+                      </a:r>
+                    </a:p>
+                  </a:txBody>
+                  <a:tcPr marL="19178" marR="19178" marT="9589" marB="9589" anchor="ctr"/>
+                </a:tc>
+                <a:tc>
+                  <a:txBody>
+                    <a:bodyPr/>
+                    <a:lstStyle/>
+                    <a:p>
+                      <a:pPr algn="l"/>
+                      <a:r>
+                        <a:rPr lang="en-US" sz="2800" dirty="0">
+                          <a:effectLst/>
+                        </a:rPr>
+                        <a:t>Free version lacks direct data upload and customization with personal documents</a:t>
+                      </a:r>
+                    </a:p>
+                  </a:txBody>
+                  <a:tcPr marL="19178" marR="19178" marT="9589" marB="9589" anchor="ctr"/>
+                </a:tc>
+                <a:tc>
+                  <a:txBody>
+                    <a:bodyPr/>
+                    <a:lstStyle/>
+                    <a:p>
+                      <a:pPr algn="l"/>
+                      <a:r>
+                        <a:rPr lang="en-US" sz="2800">
+                          <a:effectLst/>
+                        </a:rPr>
+                        <a:t>Suggesting improvements to public datasets, content generation, explaining insights using public data</a:t>
+                      </a:r>
+                    </a:p>
+                  </a:txBody>
+                  <a:tcPr marL="19178" marR="19178" marT="9589" marB="9589" anchor="ctr"/>
+                </a:tc>
+                <a:extLst>
+                  <a:ext uri="{0D108BD9-81ED-4DB2-BD59-A6C34878D82A}">
+                    <a16:rowId xmlns:a16="http://schemas.microsoft.com/office/drawing/2014/main" val="1572443023"/>
+                  </a:ext>
+                </a:extLst>
+              </a:tr>
+              <a:tr h="2167804">
+                <a:tc>
+                  <a:txBody>
+                    <a:bodyPr/>
+                    <a:lstStyle/>
+                    <a:p>
+                      <a:pPr algn="l"/>
+                      <a:r>
+                        <a:rPr lang="en-US" sz="2800" b="1">
+                          <a:effectLst/>
+                        </a:rPr>
+                        <a:t>Claude AI</a:t>
+                      </a:r>
+                      <a:endParaRPr lang="en-US" sz="2800">
+                        <a:effectLst/>
+                      </a:endParaRPr>
+                    </a:p>
+                  </a:txBody>
+                  <a:tcPr marL="19178" marR="19178" marT="9589" marB="9589" anchor="ctr"/>
+                </a:tc>
+                <a:tc>
+                  <a:txBody>
+                    <a:bodyPr/>
+                    <a:lstStyle/>
+                    <a:p>
+                      <a:pPr algn="l"/>
+                      <a:r>
+                        <a:rPr lang="en-US" sz="2800">
+                          <a:effectLst/>
+                        </a:rPr>
+                        <a:t>Sophisticated conversational AI, excels in offering high-level analytical strategies</a:t>
+                      </a:r>
+                    </a:p>
+                  </a:txBody>
+                  <a:tcPr marL="19178" marR="19178" marT="9589" marB="9589" anchor="ctr"/>
+                </a:tc>
+                <a:tc>
+                  <a:txBody>
+                    <a:bodyPr/>
+                    <a:lstStyle/>
+                    <a:p>
+                      <a:pPr algn="l"/>
+                      <a:r>
+                        <a:rPr lang="en-US" sz="2800">
+                          <a:effectLst/>
+                        </a:rPr>
+                        <a:t>Requires careful crafting of prompts to get the best results, cannot handle data uploads directly</a:t>
+                      </a:r>
+                    </a:p>
+                  </a:txBody>
+                  <a:tcPr marL="19178" marR="19178" marT="9589" marB="9589" anchor="ctr"/>
+                </a:tc>
+                <a:tc>
+                  <a:txBody>
+                    <a:bodyPr/>
+                    <a:lstStyle/>
+                    <a:p>
+                      <a:pPr algn="l"/>
+                      <a:r>
+                        <a:rPr lang="en-US" sz="2800" dirty="0">
+                          <a:effectLst/>
+                        </a:rPr>
+                        <a:t>Explaining data insights, communicating complex ideas to non-technical audiences, providing contextual explanations</a:t>
+                      </a:r>
+                    </a:p>
+                  </a:txBody>
+                  <a:tcPr marL="19178" marR="19178" marT="9589" marB="9589" anchor="ctr"/>
+                </a:tc>
+                <a:extLst>
+                  <a:ext uri="{0D108BD9-81ED-4DB2-BD59-A6C34878D82A}">
+                    <a16:rowId xmlns:a16="http://schemas.microsoft.com/office/drawing/2014/main" val="1502776426"/>
+                  </a:ext>
+                </a:extLst>
+              </a:tr>
+            </a:tbl>
+          </a:graphicData>
+        </a:graphic>
+      </p:graphicFrame>
+    </p:spTree>
+    <p:extLst>
+      <p:ext uri="{BB962C8B-B14F-4D97-AF65-F5344CB8AC3E}">
+        <p14:creationId xmlns:p14="http://schemas.microsoft.com/office/powerpoint/2010/main" val="1923390940"/>
+      </p:ext>
+    </p:extLst>
+  </p:cSld>
+  <p:clrMapOvr>
+    <a:masterClrMapping/>
+  </p:clrMapOvr>
+</p:sld>
+</file>
+
+<file path=ppt/slides/slide14.xml><?xml version="1.0" encoding="utf-8"?>
+<p:sld xmlns:a="http://schemas.openxmlformats.org/drawingml/2006/main" xmlns:r="http://schemas.openxmlformats.org/officeDocument/2006/relationships" xmlns:p="http://schemas.openxmlformats.org/presentationml/2006/main">
+  <p:cSld>
+    <p:spTree>
+      <p:nvGrpSpPr>
         <p:cNvPr id="1" name="">
           <a:extLst>
             <a:ext uri="{FF2B5EF4-FFF2-40B4-BE49-F238E27FC236}">
-              <a16:creationId xmlns:a16="http://schemas.microsoft.com/office/drawing/2014/main" id="{1AAE25C6-D9BE-ACB3-A9D8-1E3F5AED9538}"/>
+              <a16:creationId xmlns:a16="http://schemas.microsoft.com/office/drawing/2014/main" id="{97F604E0-585C-DFDE-474C-E7FC32F63481}"/>
             </a:ext>
           </a:extLst>
         </p:cNvPr>
@@ -6171,7 +6439,7 @@
           <p:cNvPr id="4" name="Rectangle 3">
             <a:extLst>
               <a:ext uri="{FF2B5EF4-FFF2-40B4-BE49-F238E27FC236}">
-                <a16:creationId xmlns:a16="http://schemas.microsoft.com/office/drawing/2014/main" id="{EBB2C0CB-609C-3DDF-0D6F-F0676C71A082}"/>
+                <a16:creationId xmlns:a16="http://schemas.microsoft.com/office/drawing/2014/main" id="{D1E5A6EF-B59A-BB50-6B12-B73531B16303}"/>
               </a:ext>
             </a:extLst>
           </p:cNvPr>
@@ -6223,7 +6491,7 @@
           <p:cNvPr id="2" name="Picture 1">
             <a:extLst>
               <a:ext uri="{FF2B5EF4-FFF2-40B4-BE49-F238E27FC236}">
-                <a16:creationId xmlns:a16="http://schemas.microsoft.com/office/drawing/2014/main" id="{364709B4-D842-0E90-CD06-E3ECC159C08A}"/>
+                <a16:creationId xmlns:a16="http://schemas.microsoft.com/office/drawing/2014/main" id="{4980B532-6967-F127-D1AB-4A678E382B7A}"/>
               </a:ext>
             </a:extLst>
           </p:cNvPr>
@@ -6258,7 +6526,7 @@
           <p:cNvPr id="3" name="TextBox 2">
             <a:extLst>
               <a:ext uri="{FF2B5EF4-FFF2-40B4-BE49-F238E27FC236}">
-                <a16:creationId xmlns:a16="http://schemas.microsoft.com/office/drawing/2014/main" id="{16B1D88B-224C-9AE6-5C78-176FD3CF957A}"/>
+                <a16:creationId xmlns:a16="http://schemas.microsoft.com/office/drawing/2014/main" id="{CFD26B1B-13FB-D4B5-8D58-9924FE4A33F0}"/>
               </a:ext>
             </a:extLst>
           </p:cNvPr>
@@ -6267,8 +6535,8 @@
         </p:nvSpPr>
         <p:spPr>
           <a:xfrm>
-            <a:off x="260431" y="329879"/>
-            <a:ext cx="8906720" cy="6886565"/>
+            <a:off x="260430" y="329879"/>
+            <a:ext cx="9264569" cy="9128205"/>
           </a:xfrm>
           <a:prstGeom prst="rect">
             <a:avLst/>
@@ -6288,22 +6556,16 @@
                 </a:solidFill>
                 <a:latin typeface="Pragmatica" panose="020B0403040502020204" pitchFamily="34" charset="0"/>
               </a:rPr>
-              <a:t>Creating conditional flows</a:t>
-            </a:r>
-          </a:p>
-          <a:p>
-            <a:pPr marL="142875">
-              <a:lnSpc>
-                <a:spcPct val="115000"/>
-              </a:lnSpc>
-              <a:spcBef>
-                <a:spcPts val="1125"/>
-              </a:spcBef>
-              <a:buClr>
-                <a:srgbClr val="C00000"/>
-              </a:buClr>
-              <a:buSzPts val="2100"/>
-            </a:pPr>
+              <a:t>Framing analytics problems with AI</a:t>
+            </a:r>
+            <a:br>
+              <a:rPr lang="en-US" sz="6000" b="1" dirty="0">
+                <a:solidFill>
+                  <a:srgbClr val="CF3338"/>
+                </a:solidFill>
+                <a:latin typeface="Pragmatica" panose="020B0403040502020204" pitchFamily="34" charset="0"/>
+              </a:rPr>
+            </a:br>
             <a:endParaRPr lang="en-US" sz="4200" dirty="0">
               <a:solidFill>
                 <a:srgbClr val="CF3338"/>
@@ -6335,27 +6597,7 @@
                 <a:latin typeface="Pragmatica" panose="020B0403040502020204"/>
                 <a:sym typeface="Consolas"/>
               </a:rPr>
-              <a:t>Create emails </a:t>
-            </a:r>
-            <a:r>
-              <a:rPr lang="en-US" sz="3600" i="1" dirty="0">
-                <a:solidFill>
-                  <a:srgbClr val="C00000"/>
-                </a:solidFill>
-                <a:latin typeface="Pragmatica" panose="020B0403040502020204"/>
-                <a:sym typeface="Consolas"/>
-              </a:rPr>
-              <a:t>only </a:t>
-            </a:r>
-            <a:r>
-              <a:rPr lang="en-US" sz="3600" dirty="0">
-                <a:solidFill>
-                  <a:srgbClr val="C00000"/>
-                </a:solidFill>
-                <a:latin typeface="Pragmatica" panose="020B0403040502020204"/>
-                <a:sym typeface="Consolas"/>
-              </a:rPr>
-              <a:t>when project is delayed</a:t>
+              <a:t>SMART goals</a:t>
             </a:r>
           </a:p>
           <a:p>
@@ -6381,7 +6623,7 @@
                 <a:latin typeface="Pragmatica" panose="020B0403040502020204"/>
                 <a:sym typeface="Consolas"/>
               </a:rPr>
-              <a:t>Test flow and put on schedule</a:t>
+              <a:t>CRISP-DM</a:t>
             </a:r>
           </a:p>
           <a:p>
@@ -6407,17 +6649,7 @@
                 <a:latin typeface="Pragmatica" panose="020B0403040502020204"/>
                 <a:sym typeface="Consolas"/>
               </a:rPr>
-              <a:t>File: </a:t>
-            </a:r>
-            <a:r>
-              <a:rPr lang="en-US" sz="3600" dirty="0">
-                <a:solidFill>
-                  <a:srgbClr val="C00000"/>
-                </a:solidFill>
-                <a:latin typeface="Consolas" panose="020B0609020204030204" pitchFamily="49" charset="0"/>
-                <a:sym typeface="Consolas"/>
-              </a:rPr>
-              <a:t>conditional-logic.xlsx</a:t>
+              <a:t>Current state – Future state</a:t>
             </a:r>
           </a:p>
           <a:p>
@@ -6443,17 +6675,69 @@
                 <a:latin typeface="Pragmatica" panose="020B0403040502020204"/>
                 <a:sym typeface="Consolas"/>
               </a:rPr>
-              <a:t>Resource: </a:t>
-            </a:r>
+              <a:t>Issue trees</a:t>
+            </a:r>
+          </a:p>
+          <a:p>
+            <a:pPr marL="714375" indent="-571500">
+              <a:lnSpc>
+                <a:spcPct val="115000"/>
+              </a:lnSpc>
+              <a:spcBef>
+                <a:spcPts val="1125"/>
+              </a:spcBef>
+              <a:buClr>
+                <a:srgbClr val="C00000"/>
+              </a:buClr>
+              <a:buSzPts val="2100"/>
+              <a:buFont typeface="Arial" panose="020B0604020202020204" pitchFamily="34" charset="0"/>
+              <a:buChar char="•"/>
+            </a:pPr>
             <a:r>
               <a:rPr lang="en-US" sz="3600" dirty="0">
                 <a:solidFill>
-                  <a:srgbClr val="CF3338"/>
+                  <a:srgbClr val="C00000"/>
                 </a:solidFill>
                 <a:latin typeface="Pragmatica" panose="020B0403040502020204"/>
                 <a:sym typeface="Consolas"/>
               </a:rPr>
-              <a:t>https://stringfestanalytics.com/power-automate-for-excel-how-to-understand-conditional-flows/</a:t>
+              <a:t>Root cause analysis</a:t>
+            </a:r>
+          </a:p>
+          <a:p>
+            <a:pPr marL="714375" indent="-571500">
+              <a:lnSpc>
+                <a:spcPct val="115000"/>
+              </a:lnSpc>
+              <a:spcBef>
+                <a:spcPts val="1125"/>
+              </a:spcBef>
+              <a:buClr>
+                <a:srgbClr val="C00000"/>
+              </a:buClr>
+              <a:buSzPts val="2100"/>
+              <a:buFont typeface="Arial" panose="020B0604020202020204" pitchFamily="34" charset="0"/>
+              <a:buChar char="•"/>
+            </a:pPr>
+            <a:r>
+              <a:rPr lang="en-US" sz="3600" dirty="0">
+                <a:solidFill>
+                  <a:srgbClr val="C00000"/>
+                </a:solidFill>
+                <a:latin typeface="Pragmatica" panose="020B0403040502020204"/>
+                <a:sym typeface="Consolas"/>
+              </a:rPr>
+              <a:t>Resource: </a:t>
+            </a:r>
+            <a:r>
+              <a:rPr lang="en-US" sz="3600" dirty="0">
+                <a:solidFill>
+                  <a:srgbClr val="CF3338"/>
+                </a:solidFill>
+                <a:latin typeface="Pragmatica" panose="020B0403040502020204"/>
+                <a:sym typeface="Consolas"/>
+              </a:rPr>
+              <a:t>https://stringfestanalytics.com/how-to-frame-a-data-analytics-problem-using-copilot-for-microsoft-365/</a:t>
             </a:r>
             <a:endParaRPr lang="en-US" sz="6000" dirty="0">
               <a:solidFill>
@@ -6467,7 +6751,7 @@
     </p:spTree>
     <p:extLst>
       <p:ext uri="{BB962C8B-B14F-4D97-AF65-F5344CB8AC3E}">
-        <p14:creationId xmlns:p14="http://schemas.microsoft.com/office/powerpoint/2010/main" val="840009297"/>
+        <p14:creationId xmlns:p14="http://schemas.microsoft.com/office/powerpoint/2010/main" val="2718251480"/>
       </p:ext>
     </p:extLst>
   </p:cSld>
@@ -6477,7 +6761,7 @@
 </p:sld>
 </file>
 
-<file path=ppt/slides/slide14.xml><?xml version="1.0" encoding="utf-8"?>
+<file path=ppt/slides/slide15.xml><?xml version="1.0" encoding="utf-8"?>
 <p:sld xmlns:a="http://schemas.openxmlformats.org/drawingml/2006/main" xmlns:r="http://schemas.openxmlformats.org/officeDocument/2006/relationships" xmlns:p="http://schemas.openxmlformats.org/presentationml/2006/main">
   <p:cSld>
     <p:spTree>
@@ -6485,7 +6769,7 @@
         <p:cNvPr id="1" name="">
           <a:extLst>
             <a:ext uri="{FF2B5EF4-FFF2-40B4-BE49-F238E27FC236}">
-              <a16:creationId xmlns:a16="http://schemas.microsoft.com/office/drawing/2014/main" id="{B245543C-FC2F-706C-0319-AF2E02C1797B}"/>
+              <a16:creationId xmlns:a16="http://schemas.microsoft.com/office/drawing/2014/main" id="{1B9A1C19-9F0D-9A8A-B520-BF071A6BE0DB}"/>
             </a:ext>
           </a:extLst>
         </p:cNvPr>
@@ -6505,7 +6789,7 @@
           <p:cNvPr id="4" name="Rectangle 3">
             <a:extLst>
               <a:ext uri="{FF2B5EF4-FFF2-40B4-BE49-F238E27FC236}">
-                <a16:creationId xmlns:a16="http://schemas.microsoft.com/office/drawing/2014/main" id="{490E9BB0-DF62-7CD8-AD9E-9B07D47A3EA3}"/>
+                <a16:creationId xmlns:a16="http://schemas.microsoft.com/office/drawing/2014/main" id="{04012CD3-F86C-F744-8E91-DA9419ADBFAB}"/>
               </a:ext>
             </a:extLst>
           </p:cNvPr>
@@ -6557,7 +6841,7 @@
           <p:cNvPr id="2" name="Picture 1">
             <a:extLst>
               <a:ext uri="{FF2B5EF4-FFF2-40B4-BE49-F238E27FC236}">
-                <a16:creationId xmlns:a16="http://schemas.microsoft.com/office/drawing/2014/main" id="{75EAA4D7-8279-B257-6D3E-F96D3198579A}"/>
+                <a16:creationId xmlns:a16="http://schemas.microsoft.com/office/drawing/2014/main" id="{5EE4246F-FB6B-9FBD-4421-C3E87FED02CC}"/>
               </a:ext>
             </a:extLst>
           </p:cNvPr>
@@ -6592,7 +6876,7 @@
           <p:cNvPr id="3" name="TextBox 2">
             <a:extLst>
               <a:ext uri="{FF2B5EF4-FFF2-40B4-BE49-F238E27FC236}">
-                <a16:creationId xmlns:a16="http://schemas.microsoft.com/office/drawing/2014/main" id="{74B1D248-3DA4-EF63-972E-3DC8117D97E9}"/>
+                <a16:creationId xmlns:a16="http://schemas.microsoft.com/office/drawing/2014/main" id="{8C9DB5DE-57CA-F250-93D4-F307067F1F48}"/>
               </a:ext>
             </a:extLst>
           </p:cNvPr>
@@ -6602,7 +6886,7 @@
         <p:spPr>
           <a:xfrm>
             <a:off x="260431" y="329879"/>
-            <a:ext cx="8906720" cy="7809895"/>
+            <a:ext cx="8906720" cy="6398739"/>
           </a:xfrm>
           <a:prstGeom prst="rect">
             <a:avLst/>
@@ -6622,7 +6906,7 @@
                 </a:solidFill>
                 <a:latin typeface="Pragmatica" panose="020B0403040502020204" pitchFamily="34" charset="0"/>
               </a:rPr>
-              <a:t>Office Scripts + Power Automate, part 1</a:t>
+              <a:t>Creating effective AI prompts for data visualization</a:t>
             </a:r>
           </a:p>
           <a:p>
@@ -6669,125 +6953,17 @@
                 <a:latin typeface="Pragmatica" panose="020B0403040502020204"/>
                 <a:sym typeface="Consolas"/>
               </a:rPr>
-              <a:t>Create emails </a:t>
-            </a:r>
-            <a:r>
-              <a:rPr lang="en-US" sz="3600" i="1" dirty="0">
-                <a:solidFill>
-                  <a:srgbClr val="C00000"/>
+              <a:t>Resource: </a:t>
+            </a:r>
+            <a:r>
+              <a:rPr lang="en-US" sz="3600" dirty="0">
+                <a:solidFill>
+                  <a:srgbClr val="CF3338"/>
                 </a:solidFill>
                 <a:latin typeface="Pragmatica" panose="020B0403040502020204"/>
                 <a:sym typeface="Consolas"/>
               </a:rPr>
-              <a:t>only </a:t>
-            </a:r>
-            <a:r>
-              <a:rPr lang="en-US" sz="3600" dirty="0">
-                <a:solidFill>
-                  <a:srgbClr val="C00000"/>
-                </a:solidFill>
-                <a:latin typeface="Pragmatica" panose="020B0403040502020204"/>
-                <a:sym typeface="Consolas"/>
-              </a:rPr>
-              <a:t>when project is delayed</a:t>
-            </a:r>
-          </a:p>
-          <a:p>
-            <a:pPr marL="714375" indent="-571500">
-              <a:lnSpc>
-                <a:spcPct val="115000"/>
-              </a:lnSpc>
-              <a:spcBef>
-                <a:spcPts val="1125"/>
-              </a:spcBef>
-              <a:buClr>
-                <a:srgbClr val="C00000"/>
-              </a:buClr>
-              <a:buSzPts val="2100"/>
-              <a:buFont typeface="Arial" panose="020B0604020202020204" pitchFamily="34" charset="0"/>
-              <a:buChar char="•"/>
-            </a:pPr>
-            <a:r>
-              <a:rPr lang="en-US" sz="3600" dirty="0">
-                <a:solidFill>
-                  <a:srgbClr val="C00000"/>
-                </a:solidFill>
-                <a:latin typeface="Pragmatica" panose="020B0403040502020204"/>
-                <a:sym typeface="Consolas"/>
-              </a:rPr>
-              <a:t>Test flow and put on schedule</a:t>
-            </a:r>
-          </a:p>
-          <a:p>
-            <a:pPr marL="714375" indent="-571500">
-              <a:lnSpc>
-                <a:spcPct val="115000"/>
-              </a:lnSpc>
-              <a:spcBef>
-                <a:spcPts val="1125"/>
-              </a:spcBef>
-              <a:buClr>
-                <a:srgbClr val="C00000"/>
-              </a:buClr>
-              <a:buSzPts val="2100"/>
-              <a:buFont typeface="Arial" panose="020B0604020202020204" pitchFamily="34" charset="0"/>
-              <a:buChar char="•"/>
-            </a:pPr>
-            <a:r>
-              <a:rPr lang="en-US" sz="3600" dirty="0">
-                <a:solidFill>
-                  <a:srgbClr val="C00000"/>
-                </a:solidFill>
-                <a:latin typeface="Pragmatica" panose="020B0403040502020204"/>
-                <a:sym typeface="Consolas"/>
-              </a:rPr>
-              <a:t>File: </a:t>
-            </a:r>
-            <a:r>
-              <a:rPr lang="en-US" sz="3600" dirty="0">
-                <a:solidFill>
-                  <a:srgbClr val="C00000"/>
-                </a:solidFill>
-                <a:latin typeface="Consolas" panose="020B0609020204030204" pitchFamily="49" charset="0"/>
-                <a:sym typeface="Consolas"/>
-              </a:rPr>
-              <a:t>conditional-logic.xlsx</a:t>
-            </a:r>
-          </a:p>
-          <a:p>
-            <a:pPr marL="714375" indent="-571500">
-              <a:lnSpc>
-                <a:spcPct val="115000"/>
-              </a:lnSpc>
-              <a:spcBef>
-                <a:spcPts val="1125"/>
-              </a:spcBef>
-              <a:buClr>
-                <a:srgbClr val="C00000"/>
-              </a:buClr>
-              <a:buSzPts val="2100"/>
-              <a:buFont typeface="Arial" panose="020B0604020202020204" pitchFamily="34" charset="0"/>
-              <a:buChar char="•"/>
-            </a:pPr>
-            <a:r>
-              <a:rPr lang="en-US" sz="3600" dirty="0">
-                <a:solidFill>
-                  <a:srgbClr val="C00000"/>
-                </a:solidFill>
-                <a:latin typeface="Pragmatica" panose="020B0403040502020204"/>
-                <a:sym typeface="Consolas"/>
-              </a:rPr>
-              <a:t>Resource: </a:t>
-            </a:r>
-            <a:r>
-              <a:rPr lang="en-US" sz="3600" dirty="0">
-                <a:solidFill>
-                  <a:srgbClr val="CF3338"/>
-                </a:solidFill>
-                <a:latin typeface="Pragmatica" panose="020B0403040502020204"/>
-                <a:sym typeface="Consolas"/>
-              </a:rPr>
-              <a:t>https://stringfestanalytics.com/power-automate-for-excel-how-to-understand-conditional-flows/</a:t>
+              <a:t>https://stringfestanalytics.com/how-to-choose-the-right-free-tools-for-ai-powered-excel-tasks/</a:t>
             </a:r>
             <a:endParaRPr lang="en-US" sz="6000" dirty="0">
               <a:solidFill>
@@ -6801,7 +6977,7 @@
     </p:spTree>
     <p:extLst>
       <p:ext uri="{BB962C8B-B14F-4D97-AF65-F5344CB8AC3E}">
-        <p14:creationId xmlns:p14="http://schemas.microsoft.com/office/powerpoint/2010/main" val="2210277007"/>
+        <p14:creationId xmlns:p14="http://schemas.microsoft.com/office/powerpoint/2010/main" val="2171411792"/>
       </p:ext>
     </p:extLst>
   </p:cSld>
@@ -6811,7 +6987,7 @@
 </p:sld>
 </file>
 
-<file path=ppt/slides/slide15.xml><?xml version="1.0" encoding="utf-8"?>
+<file path=ppt/slides/slide16.xml><?xml version="1.0" encoding="utf-8"?>
 <p:sld xmlns:a="http://schemas.openxmlformats.org/drawingml/2006/main" xmlns:r="http://schemas.openxmlformats.org/officeDocument/2006/relationships" xmlns:p="http://schemas.openxmlformats.org/presentationml/2006/main">
   <p:cSld>
     <p:spTree>
@@ -6819,7 +6995,7 @@
         <p:cNvPr id="1" name="">
           <a:extLst>
             <a:ext uri="{FF2B5EF4-FFF2-40B4-BE49-F238E27FC236}">
-              <a16:creationId xmlns:a16="http://schemas.microsoft.com/office/drawing/2014/main" id="{764F59BA-0C2F-2749-8CB4-7E6DE8743692}"/>
+              <a16:creationId xmlns:a16="http://schemas.microsoft.com/office/drawing/2014/main" id="{A563D7A6-8CEA-989C-803D-F61A92BE07D1}"/>
             </a:ext>
           </a:extLst>
         </p:cNvPr>
@@ -6839,7 +7015,7 @@
           <p:cNvPr id="4" name="Rectangle 3">
             <a:extLst>
               <a:ext uri="{FF2B5EF4-FFF2-40B4-BE49-F238E27FC236}">
-                <a16:creationId xmlns:a16="http://schemas.microsoft.com/office/drawing/2014/main" id="{B454C4F1-8816-5B7C-5A36-487DF1D2DC2B}"/>
+                <a16:creationId xmlns:a16="http://schemas.microsoft.com/office/drawing/2014/main" id="{BBC8EA3A-FB2D-AED7-79AB-EE0D5BC5E648}"/>
               </a:ext>
             </a:extLst>
           </p:cNvPr>
@@ -6891,7 +7067,7 @@
           <p:cNvPr id="2" name="Picture 1">
             <a:extLst>
               <a:ext uri="{FF2B5EF4-FFF2-40B4-BE49-F238E27FC236}">
-                <a16:creationId xmlns:a16="http://schemas.microsoft.com/office/drawing/2014/main" id="{8FD33BFB-92A5-B8BE-BE2A-90100EC88BE0}"/>
+                <a16:creationId xmlns:a16="http://schemas.microsoft.com/office/drawing/2014/main" id="{EC7F6905-DCF4-8CA9-814F-B3110AAA4394}"/>
               </a:ext>
             </a:extLst>
           </p:cNvPr>
@@ -6926,7 +7102,7 @@
           <p:cNvPr id="3" name="TextBox 2">
             <a:extLst>
               <a:ext uri="{FF2B5EF4-FFF2-40B4-BE49-F238E27FC236}">
-                <a16:creationId xmlns:a16="http://schemas.microsoft.com/office/drawing/2014/main" id="{DB60F8A7-E120-24F7-0163-56AAE5565745}"/>
+                <a16:creationId xmlns:a16="http://schemas.microsoft.com/office/drawing/2014/main" id="{7DF1802A-B12E-7382-5981-3A94B5AB4F32}"/>
               </a:ext>
             </a:extLst>
           </p:cNvPr>
@@ -6936,7 +7112,7 @@
         <p:spPr>
           <a:xfrm>
             <a:off x="260431" y="329879"/>
-            <a:ext cx="8906720" cy="7809895"/>
+            <a:ext cx="8906720" cy="5475410"/>
           </a:xfrm>
           <a:prstGeom prst="rect">
             <a:avLst/>
@@ -6956,7 +7132,7 @@
                 </a:solidFill>
                 <a:latin typeface="Pragmatica" panose="020B0403040502020204" pitchFamily="34" charset="0"/>
               </a:rPr>
-              <a:t>Office Scripts + Power Automate, part 2</a:t>
+              <a:t>Generating synthetic datasets</a:t>
             </a:r>
           </a:p>
           <a:p>
@@ -7003,125 +7179,17 @@
                 <a:latin typeface="Pragmatica" panose="020B0403040502020204"/>
                 <a:sym typeface="Consolas"/>
               </a:rPr>
-              <a:t>Create emails </a:t>
-            </a:r>
-            <a:r>
-              <a:rPr lang="en-US" sz="3600" i="1" dirty="0">
-                <a:solidFill>
-                  <a:srgbClr val="C00000"/>
+              <a:t>Resource: </a:t>
+            </a:r>
+            <a:r>
+              <a:rPr lang="en-US" sz="3600" dirty="0">
+                <a:solidFill>
+                  <a:srgbClr val="CF3338"/>
                 </a:solidFill>
                 <a:latin typeface="Pragmatica" panose="020B0403040502020204"/>
                 <a:sym typeface="Consolas"/>
               </a:rPr>
-              <a:t>only </a:t>
-            </a:r>
-            <a:r>
-              <a:rPr lang="en-US" sz="3600" dirty="0">
-                <a:solidFill>
-                  <a:srgbClr val="C00000"/>
-                </a:solidFill>
-                <a:latin typeface="Pragmatica" panose="020B0403040502020204"/>
-                <a:sym typeface="Consolas"/>
-              </a:rPr>
-              <a:t>when project is delayed</a:t>
-            </a:r>
-          </a:p>
-          <a:p>
-            <a:pPr marL="714375" indent="-571500">
-              <a:lnSpc>
-                <a:spcPct val="115000"/>
-              </a:lnSpc>
-              <a:spcBef>
-                <a:spcPts val="1125"/>
-              </a:spcBef>
-              <a:buClr>
-                <a:srgbClr val="C00000"/>
-              </a:buClr>
-              <a:buSzPts val="2100"/>
-              <a:buFont typeface="Arial" panose="020B0604020202020204" pitchFamily="34" charset="0"/>
-              <a:buChar char="•"/>
-            </a:pPr>
-            <a:r>
-              <a:rPr lang="en-US" sz="3600" dirty="0">
-                <a:solidFill>
-                  <a:srgbClr val="C00000"/>
-                </a:solidFill>
-                <a:latin typeface="Pragmatica" panose="020B0403040502020204"/>
-                <a:sym typeface="Consolas"/>
-              </a:rPr>
-              <a:t>Test flow and put on schedule</a:t>
-            </a:r>
-          </a:p>
-          <a:p>
-            <a:pPr marL="714375" indent="-571500">
-              <a:lnSpc>
-                <a:spcPct val="115000"/>
-              </a:lnSpc>
-              <a:spcBef>
-                <a:spcPts val="1125"/>
-              </a:spcBef>
-              <a:buClr>
-                <a:srgbClr val="C00000"/>
-              </a:buClr>
-              <a:buSzPts val="2100"/>
-              <a:buFont typeface="Arial" panose="020B0604020202020204" pitchFamily="34" charset="0"/>
-              <a:buChar char="•"/>
-            </a:pPr>
-            <a:r>
-              <a:rPr lang="en-US" sz="3600" dirty="0">
-                <a:solidFill>
-                  <a:srgbClr val="C00000"/>
-                </a:solidFill>
-                <a:latin typeface="Pragmatica" panose="020B0403040502020204"/>
-                <a:sym typeface="Consolas"/>
-              </a:rPr>
-              <a:t>File: </a:t>
-            </a:r>
-            <a:r>
-              <a:rPr lang="en-US" sz="3600" dirty="0">
-                <a:solidFill>
-                  <a:srgbClr val="C00000"/>
-                </a:solidFill>
-                <a:latin typeface="Consolas" panose="020B0609020204030204" pitchFamily="49" charset="0"/>
-                <a:sym typeface="Consolas"/>
-              </a:rPr>
-              <a:t>conditional-logic.xlsx</a:t>
-            </a:r>
-          </a:p>
-          <a:p>
-            <a:pPr marL="714375" indent="-571500">
-              <a:lnSpc>
-                <a:spcPct val="115000"/>
-              </a:lnSpc>
-              <a:spcBef>
-                <a:spcPts val="1125"/>
-              </a:spcBef>
-              <a:buClr>
-                <a:srgbClr val="C00000"/>
-              </a:buClr>
-              <a:buSzPts val="2100"/>
-              <a:buFont typeface="Arial" panose="020B0604020202020204" pitchFamily="34" charset="0"/>
-              <a:buChar char="•"/>
-            </a:pPr>
-            <a:r>
-              <a:rPr lang="en-US" sz="3600" dirty="0">
-                <a:solidFill>
-                  <a:srgbClr val="C00000"/>
-                </a:solidFill>
-                <a:latin typeface="Pragmatica" panose="020B0403040502020204"/>
-                <a:sym typeface="Consolas"/>
-              </a:rPr>
-              <a:t>Resource: </a:t>
-            </a:r>
-            <a:r>
-              <a:rPr lang="en-US" sz="3600" dirty="0">
-                <a:solidFill>
-                  <a:srgbClr val="CF3338"/>
-                </a:solidFill>
-                <a:latin typeface="Pragmatica" panose="020B0403040502020204"/>
-                <a:sym typeface="Consolas"/>
-              </a:rPr>
-              <a:t>https://stringfestanalytics.com/power-automate-for-excel-how-to-understand-conditional-flows/</a:t>
+              <a:t>https://stringfestanalytics.com/how-to-generate-datasets-with-copilot-for-microsoft-365/</a:t>
             </a:r>
             <a:endParaRPr lang="en-US" sz="6000" dirty="0">
               <a:solidFill>
@@ -7135,7 +7203,7 @@
     </p:spTree>
     <p:extLst>
       <p:ext uri="{BB962C8B-B14F-4D97-AF65-F5344CB8AC3E}">
-        <p14:creationId xmlns:p14="http://schemas.microsoft.com/office/powerpoint/2010/main" val="1406664540"/>
+        <p14:creationId xmlns:p14="http://schemas.microsoft.com/office/powerpoint/2010/main" val="918912362"/>
       </p:ext>
     </p:extLst>
   </p:cSld>
@@ -7145,7 +7213,7 @@
 </p:sld>
 </file>
 
-<file path=ppt/slides/slide16.xml><?xml version="1.0" encoding="utf-8"?>
+<file path=ppt/slides/slide17.xml><?xml version="1.0" encoding="utf-8"?>
 <p:sld xmlns:a="http://schemas.openxmlformats.org/drawingml/2006/main" xmlns:r="http://schemas.openxmlformats.org/officeDocument/2006/relationships" xmlns:p="http://schemas.openxmlformats.org/presentationml/2006/main">
   <p:cSld>
     <p:spTree>
@@ -7182,8 +7250,8 @@
         </p:nvSpPr>
         <p:spPr>
           <a:xfrm>
-            <a:off x="12954000" y="0"/>
-            <a:ext cx="5334000" cy="10287000"/>
+            <a:off x="14935200" y="0"/>
+            <a:ext cx="3352800" cy="10287000"/>
           </a:xfrm>
           <a:prstGeom prst="rect">
             <a:avLst/>
@@ -7270,7 +7338,7 @@
         <p:spPr>
           <a:xfrm>
             <a:off x="260430" y="329879"/>
-            <a:ext cx="12464969" cy="5505482"/>
+            <a:ext cx="13912770" cy="10074553"/>
           </a:xfrm>
           <a:prstGeom prst="rect">
             <a:avLst/>
@@ -7294,194 +7362,193 @@
             </a:r>
           </a:p>
           <a:p>
-            <a:pPr marL="714375" indent="-571500">
-              <a:lnSpc>
-                <a:spcPct val="115000"/>
-              </a:lnSpc>
+            <a:endParaRPr lang="en-US" sz="6000" b="1" dirty="0">
+              <a:solidFill>
+                <a:srgbClr val="CF3338"/>
+              </a:solidFill>
+              <a:latin typeface="Pragmatica" panose="020B0403040502020204" pitchFamily="34" charset="0"/>
+            </a:endParaRPr>
+          </a:p>
+          <a:p>
+            <a:pPr rtl="0" fontAlgn="base"/>
+            <a:r>
+              <a:rPr lang="en-US" sz="4400" i="0" u="none" strike="noStrike" dirty="0">
+                <a:solidFill>
+                  <a:srgbClr val="CF3338"/>
+                </a:solidFill>
+                <a:effectLst/>
+                <a:latin typeface="Pragmatica" panose="020B0403040502020204"/>
+              </a:rPr>
+              <a:t>Scenario: Prepare creation of retail sales dashboard &amp; related strategy</a:t>
+            </a:r>
+          </a:p>
+          <a:p>
+            <a:pPr rtl="0" fontAlgn="base"/>
+            <a:endParaRPr lang="en-US" sz="4400" i="0" u="none" strike="noStrike" dirty="0">
+              <a:solidFill>
+                <a:srgbClr val="CF3338"/>
+              </a:solidFill>
+              <a:effectLst/>
+              <a:latin typeface="Pragmatica" panose="020B0403040502020204"/>
+            </a:endParaRPr>
+          </a:p>
+          <a:p>
+            <a:pPr marL="457200" indent="-457200" rtl="0">
               <a:spcBef>
-                <a:spcPts val="1125"/>
+                <a:spcPts val="1600"/>
               </a:spcBef>
-              <a:buClr>
-                <a:srgbClr val="C00000"/>
-              </a:buClr>
-              <a:buSzPts val="2100"/>
+              <a:spcAft>
+                <a:spcPts val="400"/>
+              </a:spcAft>
               <a:buFont typeface="Arial" panose="020B0604020202020204" pitchFamily="34" charset="0"/>
               <a:buChar char="•"/>
             </a:pPr>
             <a:r>
-              <a:rPr lang="en-US" sz="3600" dirty="0">
-                <a:solidFill>
-                  <a:srgbClr val="C00000"/>
-                </a:solidFill>
+              <a:rPr lang="en-US" sz="4400" i="0" u="none" strike="noStrike" dirty="0">
+                <a:solidFill>
+                  <a:srgbClr val="CF3338"/>
+                </a:solidFill>
+                <a:effectLst/>
                 <a:latin typeface="Pragmatica" panose="020B0403040502020204"/>
-                <a:sym typeface="Consolas"/>
               </a:rPr>
-              <a:t>Folder: </a:t>
-            </a:r>
-            <a:r>
-              <a:rPr lang="en-US" sz="3600" dirty="0">
-                <a:solidFill>
-                  <a:srgbClr val="C00000"/>
-                </a:solidFill>
-                <a:latin typeface="Consolas" panose="020B0609020204030204" pitchFamily="49" charset="0"/>
-                <a:sym typeface="Consolas"/>
-              </a:rPr>
-              <a:t>02-challenge</a:t>
-            </a:r>
-          </a:p>
-          <a:p>
-            <a:pPr marL="714375" indent="-571500">
-              <a:lnSpc>
-                <a:spcPct val="115000"/>
-              </a:lnSpc>
+              <a:t>Step 1: Generate synthetic data with Copilot </a:t>
+            </a:r>
+          </a:p>
+          <a:p>
+            <a:pPr marL="457200" indent="-457200" rtl="0">
               <a:spcBef>
-                <a:spcPts val="1125"/>
+                <a:spcPts val="1600"/>
               </a:spcBef>
-              <a:buClr>
-                <a:srgbClr val="C00000"/>
-              </a:buClr>
-              <a:buSzPts val="2100"/>
+              <a:spcAft>
+                <a:spcPts val="400"/>
+              </a:spcAft>
               <a:buFont typeface="Arial" panose="020B0604020202020204" pitchFamily="34" charset="0"/>
               <a:buChar char="•"/>
             </a:pPr>
             <a:r>
-              <a:rPr lang="en-US" sz="3600" dirty="0">
-                <a:solidFill>
-                  <a:srgbClr val="C00000"/>
-                </a:solidFill>
+              <a:rPr lang="en-US" sz="4400" i="0" u="none" strike="noStrike" dirty="0">
+                <a:solidFill>
+                  <a:srgbClr val="CF3338"/>
+                </a:solidFill>
+                <a:effectLst/>
                 <a:latin typeface="Pragmatica" panose="020B0403040502020204"/>
-                <a:sym typeface="Consolas"/>
               </a:rPr>
-              <a:t>Task: Create a log in </a:t>
-            </a:r>
-            <a:r>
-              <a:rPr lang="en-US" sz="3600" dirty="0">
-                <a:solidFill>
-                  <a:srgbClr val="C00000"/>
-                </a:solidFill>
-                <a:latin typeface="Consolas" panose="020B0609020204030204" pitchFamily="49" charset="0"/>
-                <a:sym typeface="Consolas"/>
-              </a:rPr>
-              <a:t>file-log.xlsx</a:t>
-            </a:r>
-            <a:r>
-              <a:rPr lang="en-US" sz="3600" dirty="0">
-                <a:solidFill>
-                  <a:srgbClr val="C00000"/>
-                </a:solidFill>
-                <a:latin typeface="Pragmatica" panose="020B0403040502020204"/>
-                <a:sym typeface="Consolas"/>
-              </a:rPr>
-              <a:t> every time a workbook is uploaded to incoming-files folder</a:t>
-            </a:r>
-          </a:p>
-          <a:p>
-            <a:pPr marL="1171575" lvl="1" indent="-571500">
-              <a:lnSpc>
-                <a:spcPct val="115000"/>
-              </a:lnSpc>
+              <a:t>Step 2: Plan visualizations</a:t>
+            </a:r>
+            <a:endParaRPr lang="en-US" sz="4400" dirty="0">
+              <a:solidFill>
+                <a:srgbClr val="CF3338"/>
+              </a:solidFill>
+              <a:latin typeface="Pragmatica" panose="020B0403040502020204"/>
+            </a:endParaRPr>
+          </a:p>
+          <a:p>
+            <a:pPr marL="457200" indent="-457200" rtl="0">
               <a:spcBef>
-                <a:spcPts val="1125"/>
+                <a:spcPts val="1600"/>
               </a:spcBef>
-              <a:buClr>
-                <a:srgbClr val="C00000"/>
-              </a:buClr>
-              <a:buSzPts val="2100"/>
+              <a:spcAft>
+                <a:spcPts val="400"/>
+              </a:spcAft>
               <a:buFont typeface="Arial" panose="020B0604020202020204" pitchFamily="34" charset="0"/>
               <a:buChar char="•"/>
             </a:pPr>
             <a:r>
-              <a:rPr lang="en-US" sz="3600" dirty="0">
-                <a:solidFill>
-                  <a:srgbClr val="C00000"/>
-                </a:solidFill>
+              <a:rPr lang="en-US" sz="4400" i="0" u="none" strike="noStrike" dirty="0">
+                <a:solidFill>
+                  <a:srgbClr val="CF3338"/>
+                </a:solidFill>
+                <a:effectLst/>
                 <a:latin typeface="Pragmatica" panose="020B0403040502020204"/>
-                <a:sym typeface="Consolas"/>
               </a:rPr>
-              <a:t>Trigger: When a file is created (properties only)</a:t>
-            </a:r>
-          </a:p>
-          <a:p>
-            <a:pPr marL="1171575" lvl="1" indent="-571500">
-              <a:lnSpc>
-                <a:spcPct val="115000"/>
-              </a:lnSpc>
+              <a:t>Step 3: Frame the problem</a:t>
+            </a:r>
+            <a:endParaRPr lang="en-US" sz="4400" dirty="0">
+              <a:solidFill>
+                <a:srgbClr val="CF3338"/>
+              </a:solidFill>
+              <a:latin typeface="Pragmatica" panose="020B0403040502020204"/>
+            </a:endParaRPr>
+          </a:p>
+          <a:p>
+            <a:pPr marL="457200" indent="-457200" rtl="0">
               <a:spcBef>
-                <a:spcPts val="1125"/>
+                <a:spcPts val="1600"/>
               </a:spcBef>
-              <a:buClr>
-                <a:srgbClr val="C00000"/>
-              </a:buClr>
-              <a:buSzPts val="2100"/>
+              <a:spcAft>
+                <a:spcPts val="400"/>
+              </a:spcAft>
               <a:buFont typeface="Arial" panose="020B0604020202020204" pitchFamily="34" charset="0"/>
               <a:buChar char="•"/>
             </a:pPr>
             <a:r>
-              <a:rPr lang="en-US" sz="3600" dirty="0">
-                <a:solidFill>
-                  <a:srgbClr val="C00000"/>
-                </a:solidFill>
+              <a:rPr lang="en-US" sz="4400" i="0" u="none" strike="noStrike" dirty="0">
+                <a:solidFill>
+                  <a:srgbClr val="CF3338"/>
+                </a:solidFill>
+                <a:effectLst/>
                 <a:latin typeface="Pragmatica" panose="020B0403040502020204"/>
-                <a:sym typeface="Consolas"/>
               </a:rPr>
-              <a:t>Use conditional logic for file type</a:t>
-            </a:r>
-          </a:p>
-          <a:p>
-            <a:pPr marL="1171575" lvl="1" indent="-571500">
-              <a:lnSpc>
-                <a:spcPct val="115000"/>
-              </a:lnSpc>
+              <a:t>Step 4: Compare AI Tools</a:t>
+            </a:r>
+            <a:endParaRPr lang="en-US" sz="4400" i="0" u="none" strike="noStrike" dirty="0">
+              <a:solidFill>
+                <a:srgbClr val="CF3338"/>
+              </a:solidFill>
+              <a:latin typeface="Pragmatica" panose="020B0403040502020204"/>
+            </a:endParaRPr>
+          </a:p>
+          <a:p>
+            <a:pPr marL="457200" indent="-457200" rtl="0">
               <a:spcBef>
-                <a:spcPts val="1125"/>
+                <a:spcPts val="1600"/>
               </a:spcBef>
-              <a:buClr>
-                <a:srgbClr val="C00000"/>
-              </a:buClr>
-              <a:buSzPts val="2100"/>
+              <a:spcAft>
+                <a:spcPts val="400"/>
+              </a:spcAft>
               <a:buFont typeface="Arial" panose="020B0604020202020204" pitchFamily="34" charset="0"/>
               <a:buChar char="•"/>
             </a:pPr>
-            <a:r>
-              <a:rPr lang="en-US" sz="3600" dirty="0">
-                <a:solidFill>
-                  <a:srgbClr val="C00000"/>
+            <a:endParaRPr lang="en-US" sz="4400" b="0" dirty="0">
+              <a:solidFill>
+                <a:srgbClr val="CF3338"/>
+              </a:solidFill>
+              <a:effectLst/>
+              <a:latin typeface="Pragmatica" panose="020B0403040502020204"/>
+            </a:endParaRPr>
+          </a:p>
+          <a:p>
+            <a:pPr rtl="0">
+              <a:spcBef>
+                <a:spcPts val="1600"/>
+              </a:spcBef>
+              <a:spcAft>
+                <a:spcPts val="400"/>
+              </a:spcAft>
+            </a:pPr>
+            <a:r>
+              <a:rPr lang="en-US" sz="4400" dirty="0">
+                <a:solidFill>
+                  <a:srgbClr val="CF3338"/>
                 </a:solidFill>
                 <a:latin typeface="Pragmatica" panose="020B0403040502020204"/>
-                <a:sym typeface="Consolas"/>
               </a:rPr>
-              <a:t>Consider using Power </a:t>
-            </a:r>
-            <a:r>
-              <a:rPr lang="en-US" sz="3600" dirty="0" err="1">
-                <a:solidFill>
-                  <a:srgbClr val="C00000"/>
-                </a:solidFill>
-                <a:latin typeface="Pragmatica" panose="020B0403040502020204"/>
-                <a:sym typeface="Consolas"/>
+              <a:t>More instructions/hints: </a:t>
+            </a:r>
+            <a:r>
+              <a:rPr lang="en-US" sz="4400" dirty="0">
+                <a:solidFill>
+                  <a:srgbClr val="CF3338"/>
+                </a:solidFill>
+                <a:latin typeface="Consolas" panose="020B0609020204030204" pitchFamily="49" charset="0"/>
               </a:rPr>
-              <a:t>Fx</a:t>
-            </a:r>
-            <a:r>
-              <a:rPr lang="en-US" sz="3600" dirty="0">
-                <a:solidFill>
-                  <a:srgbClr val="C00000"/>
-                </a:solidFill>
-                <a:latin typeface="Pragmatica" panose="020B0403040502020204"/>
-                <a:sym typeface="Consolas"/>
+              <a:t>ai-assisted-dashboard.pdf</a:t>
+            </a:r>
+            <a:br>
+              <a:rPr lang="en-US" sz="3600" b="0" dirty="0">
+                <a:effectLst/>
               </a:rPr>
-              <a:t> to format </a:t>
-            </a:r>
-            <a:r>
-              <a:rPr lang="en-US" sz="3600">
-                <a:solidFill>
-                  <a:srgbClr val="C00000"/>
-                </a:solidFill>
-                <a:latin typeface="Pragmatica" panose="020B0403040502020204"/>
-                <a:sym typeface="Consolas"/>
-              </a:rPr>
-              <a:t>upload date</a:t>
-            </a:r>
+            </a:br>
             <a:endParaRPr lang="en-US" sz="3600" dirty="0">
               <a:solidFill>
                 <a:srgbClr val="C00000"/>
@@ -7505,7 +7572,7 @@
 </p:sld>
 </file>
 
-<file path=ppt/slides/slide17.xml><?xml version="1.0" encoding="utf-8"?>
+<file path=ppt/slides/slide18.xml><?xml version="1.0" encoding="utf-8"?>
 <p:sld xmlns:a="http://schemas.openxmlformats.org/drawingml/2006/main" xmlns:r="http://schemas.openxmlformats.org/officeDocument/2006/relationships" xmlns:p="http://schemas.openxmlformats.org/presentationml/2006/main">
   <p:cSld>
     <p:spTree>
@@ -7597,7 +7664,7 @@
                 </a:solidFill>
                 <a:latin typeface="Normafixed Tryout" panose="00000409000000000000" pitchFamily="49" charset="0"/>
               </a:rPr>
-              <a:t>3. Debugging &amp; sharing Office Scripts</a:t>
+              <a:t>3. Advanced AI applications and troubleshooting</a:t>
             </a:r>
           </a:p>
         </p:txBody>
@@ -7615,7 +7682,7 @@
 </p:sld>
 </file>
 
-<file path=ppt/slides/slide18.xml><?xml version="1.0" encoding="utf-8"?>
+<file path=ppt/slides/slide19.xml><?xml version="1.0" encoding="utf-8"?>
 <p:sld xmlns:a="http://schemas.openxmlformats.org/drawingml/2006/main" xmlns:r="http://schemas.openxmlformats.org/officeDocument/2006/relationships" xmlns:p="http://schemas.openxmlformats.org/presentationml/2006/main">
   <p:cSld>
     <p:spTree>
@@ -7740,7 +7807,7 @@
         <p:spPr>
           <a:xfrm>
             <a:off x="260431" y="329879"/>
-            <a:ext cx="8906720" cy="8208979"/>
+            <a:ext cx="8906720" cy="3676969"/>
           </a:xfrm>
           <a:prstGeom prst="rect">
             <a:avLst/>
@@ -7760,7 +7827,7 @@
                 </a:solidFill>
                 <a:latin typeface="Pragmatica" panose="020B0403040502020204" pitchFamily="34" charset="0"/>
               </a:rPr>
-              <a:t>Debugging with console.log()</a:t>
+              <a:t>Debugging Excel formulas</a:t>
             </a:r>
           </a:p>
           <a:p>
@@ -7772,7 +7839,7 @@
             </a:endParaRPr>
           </a:p>
           <a:p>
-            <a:pPr marL="685800" indent="-542925">
+            <a:pPr marL="714375" indent="-571500">
               <a:lnSpc>
                 <a:spcPct val="115000"/>
               </a:lnSpc>
@@ -7783,93 +7850,9 @@
                 <a:srgbClr val="C00000"/>
               </a:buClr>
               <a:buSzPts val="2100"/>
-              <a:buFont typeface="Arial"/>
-              <a:buAutoNum type="arabicPeriod"/>
+              <a:buFont typeface="Arial" panose="020B0604020202020204" pitchFamily="34" charset="0"/>
+              <a:buChar char="•"/>
             </a:pPr>
-            <a:r>
-              <a:rPr lang="en-US" sz="3600" dirty="0">
-                <a:solidFill>
-                  <a:srgbClr val="C00000"/>
-                </a:solidFill>
-                <a:latin typeface="Pragmatica" panose="020B0403040502020204"/>
-                <a:sym typeface="Consolas"/>
-              </a:rPr>
-              <a:t>Print to console with console.log()</a:t>
-            </a:r>
-          </a:p>
-          <a:p>
-            <a:pPr marL="685800" indent="-542925">
-              <a:lnSpc>
-                <a:spcPct val="115000"/>
-              </a:lnSpc>
-              <a:spcBef>
-                <a:spcPts val="1125"/>
-              </a:spcBef>
-              <a:buClr>
-                <a:srgbClr val="C00000"/>
-              </a:buClr>
-              <a:buSzPts val="2100"/>
-              <a:buFont typeface="Arial"/>
-              <a:buAutoNum type="arabicPeriod"/>
-            </a:pPr>
-            <a:r>
-              <a:rPr lang="en-US" sz="3600" dirty="0">
-                <a:solidFill>
-                  <a:srgbClr val="C00000"/>
-                </a:solidFill>
-                <a:latin typeface="Pragmatica" panose="020B0403040502020204"/>
-                <a:sym typeface="Consolas"/>
-              </a:rPr>
-              <a:t>How to use this for debugging, particularly in loops</a:t>
-            </a:r>
-          </a:p>
-          <a:p>
-            <a:pPr marL="142875">
-              <a:lnSpc>
-                <a:spcPct val="115000"/>
-              </a:lnSpc>
-              <a:spcBef>
-                <a:spcPts val="1125"/>
-              </a:spcBef>
-              <a:buClr>
-                <a:srgbClr val="C00000"/>
-              </a:buClr>
-              <a:buSzPts val="2100"/>
-            </a:pPr>
-            <a:r>
-              <a:rPr lang="en-US" sz="3600" dirty="0">
-                <a:solidFill>
-                  <a:srgbClr val="C00000"/>
-                </a:solidFill>
-                <a:latin typeface="Pragmatica" panose="020B0403040502020204"/>
-                <a:sym typeface="Consolas"/>
-              </a:rPr>
-              <a:t>File: Open a blank workbook to proceed</a:t>
-            </a:r>
-          </a:p>
-          <a:p>
-            <a:pPr marL="142875">
-              <a:lnSpc>
-                <a:spcPct val="115000"/>
-              </a:lnSpc>
-              <a:spcBef>
-                <a:spcPts val="1125"/>
-              </a:spcBef>
-              <a:buClr>
-                <a:srgbClr val="C00000"/>
-              </a:buClr>
-              <a:buSzPts val="2100"/>
-            </a:pPr>
-            <a:r>
-              <a:rPr lang="en-US" sz="3600" dirty="0">
-                <a:solidFill>
-                  <a:srgbClr val="CF3338"/>
-                </a:solidFill>
-                <a:latin typeface="Pragmatica" panose="020B0403040502020204"/>
-                <a:sym typeface="Consolas"/>
-              </a:rPr>
-              <a:t>Resource: </a:t>
-            </a:r>
             <a:r>
               <a:rPr lang="en-US" sz="3600" dirty="0">
                 <a:solidFill>
@@ -7904,340 +7887,6 @@
     <p:extLst>
       <p:ext uri="{BB962C8B-B14F-4D97-AF65-F5344CB8AC3E}">
         <p14:creationId xmlns:p14="http://schemas.microsoft.com/office/powerpoint/2010/main" val="2378610790"/>
-      </p:ext>
-    </p:extLst>
-  </p:cSld>
-  <p:clrMapOvr>
-    <a:masterClrMapping/>
-  </p:clrMapOvr>
-</p:sld>
-</file>
-
-<file path=ppt/slides/slide19.xml><?xml version="1.0" encoding="utf-8"?>
-<p:sld xmlns:a="http://schemas.openxmlformats.org/drawingml/2006/main" xmlns:r="http://schemas.openxmlformats.org/officeDocument/2006/relationships" xmlns:p="http://schemas.openxmlformats.org/presentationml/2006/main">
-  <p:cSld>
-    <p:spTree>
-      <p:nvGrpSpPr>
-        <p:cNvPr id="1" name="">
-          <a:extLst>
-            <a:ext uri="{FF2B5EF4-FFF2-40B4-BE49-F238E27FC236}">
-              <a16:creationId xmlns:a16="http://schemas.microsoft.com/office/drawing/2014/main" id="{30B0421F-C5E1-ADD5-ECE4-6375F4060D94}"/>
-            </a:ext>
-          </a:extLst>
-        </p:cNvPr>
-        <p:cNvGrpSpPr/>
-        <p:nvPr/>
-      </p:nvGrpSpPr>
-      <p:grpSpPr>
-        <a:xfrm>
-          <a:off x="0" y="0"/>
-          <a:ext cx="0" cy="0"/>
-          <a:chOff x="0" y="0"/>
-          <a:chExt cx="0" cy="0"/>
-        </a:xfrm>
-      </p:grpSpPr>
-      <p:sp>
-        <p:nvSpPr>
-          <p:cNvPr id="4" name="Rectangle 3">
-            <a:extLst>
-              <a:ext uri="{FF2B5EF4-FFF2-40B4-BE49-F238E27FC236}">
-                <a16:creationId xmlns:a16="http://schemas.microsoft.com/office/drawing/2014/main" id="{53DC417D-3C2B-9646-8064-7207B5E8C158}"/>
-              </a:ext>
-            </a:extLst>
-          </p:cNvPr>
-          <p:cNvSpPr/>
-          <p:nvPr/>
-        </p:nvSpPr>
-        <p:spPr>
-          <a:xfrm>
-            <a:off x="9861630" y="0"/>
-            <a:ext cx="8426370" cy="10287000"/>
-          </a:xfrm>
-          <a:prstGeom prst="rect">
-            <a:avLst/>
-          </a:prstGeom>
-          <a:solidFill>
-            <a:srgbClr val="CF3338"/>
-          </a:solidFill>
-          <a:ln>
-            <a:noFill/>
-          </a:ln>
-        </p:spPr>
-        <p:style>
-          <a:lnRef idx="2">
-            <a:schemeClr val="accent1">
-              <a:shade val="50000"/>
-            </a:schemeClr>
-          </a:lnRef>
-          <a:fillRef idx="1">
-            <a:schemeClr val="accent1"/>
-          </a:fillRef>
-          <a:effectRef idx="0">
-            <a:schemeClr val="accent1"/>
-          </a:effectRef>
-          <a:fontRef idx="minor">
-            <a:schemeClr val="lt1"/>
-          </a:fontRef>
-        </p:style>
-        <p:txBody>
-          <a:bodyPr rtlCol="0" anchor="ctr"/>
-          <a:lstStyle/>
-          <a:p>
-            <a:pPr algn="ctr"/>
-            <a:endParaRPr lang="en-US" sz="2700"/>
-          </a:p>
-        </p:txBody>
-      </p:sp>
-      <p:pic>
-        <p:nvPicPr>
-          <p:cNvPr id="2" name="Picture 1">
-            <a:extLst>
-              <a:ext uri="{FF2B5EF4-FFF2-40B4-BE49-F238E27FC236}">
-                <a16:creationId xmlns:a16="http://schemas.microsoft.com/office/drawing/2014/main" id="{15E6A925-96D6-30E2-A5B5-35BD6D37A76D}"/>
-              </a:ext>
-            </a:extLst>
-          </p:cNvPr>
-          <p:cNvPicPr>
-            <a:picLocks noChangeAspect="1"/>
-          </p:cNvPicPr>
-          <p:nvPr/>
-        </p:nvPicPr>
-        <p:blipFill rotWithShape="1">
-          <a:blip r:embed="rId3">
-            <a:extLst>
-              <a:ext uri="{28A0092B-C50C-407E-A947-70E740481C1C}">
-                <a14:useLocalDpi xmlns:a14="http://schemas.microsoft.com/office/drawing/2010/main" val="0"/>
-              </a:ext>
-            </a:extLst>
-          </a:blip>
-          <a:srcRect l="69227" t="33418" r="20112" b="50548"/>
-          <a:stretch/>
-        </p:blipFill>
-        <p:spPr>
-          <a:xfrm>
-            <a:off x="15579524" y="7544693"/>
-            <a:ext cx="2708477" cy="2987579"/>
-          </a:xfrm>
-          <a:prstGeom prst="rect">
-            <a:avLst/>
-          </a:prstGeom>
-        </p:spPr>
-      </p:pic>
-      <p:sp>
-        <p:nvSpPr>
-          <p:cNvPr id="3" name="TextBox 2">
-            <a:extLst>
-              <a:ext uri="{FF2B5EF4-FFF2-40B4-BE49-F238E27FC236}">
-                <a16:creationId xmlns:a16="http://schemas.microsoft.com/office/drawing/2014/main" id="{FC39674B-DCCF-96D6-E9FB-01B7CBAB50AF}"/>
-              </a:ext>
-            </a:extLst>
-          </p:cNvPr>
-          <p:cNvSpPr txBox="1"/>
-          <p:nvPr/>
-        </p:nvSpPr>
-        <p:spPr>
-          <a:xfrm>
-            <a:off x="260431" y="329879"/>
-            <a:ext cx="8906720" cy="6789616"/>
-          </a:xfrm>
-          <a:prstGeom prst="rect">
-            <a:avLst/>
-          </a:prstGeom>
-          <a:noFill/>
-        </p:spPr>
-        <p:txBody>
-          <a:bodyPr wrap="square" rtlCol="0">
-            <a:spAutoFit/>
-          </a:bodyPr>
-          <a:lstStyle/>
-          <a:p>
-            <a:r>
-              <a:rPr lang="en-US" sz="6000" b="1" dirty="0">
-                <a:solidFill>
-                  <a:srgbClr val="CF3338"/>
-                </a:solidFill>
-                <a:latin typeface="Pragmatica" panose="020B0403040502020204" pitchFamily="34" charset="0"/>
-              </a:rPr>
-              <a:t>Sharing your Office Scripts</a:t>
-            </a:r>
-          </a:p>
-          <a:p>
-            <a:endParaRPr lang="en-US" sz="4200" dirty="0">
-              <a:solidFill>
-                <a:srgbClr val="CF3338"/>
-              </a:solidFill>
-              <a:latin typeface="Pragmatica" panose="020B0403040502020204" pitchFamily="34" charset="0"/>
-            </a:endParaRPr>
-          </a:p>
-          <a:p>
-            <a:pPr marL="685800" indent="-542925">
-              <a:lnSpc>
-                <a:spcPct val="115000"/>
-              </a:lnSpc>
-              <a:spcBef>
-                <a:spcPts val="1125"/>
-              </a:spcBef>
-              <a:buClr>
-                <a:srgbClr val="C00000"/>
-              </a:buClr>
-              <a:buSzPts val="2100"/>
-              <a:buFont typeface="Arial"/>
-              <a:buAutoNum type="arabicPeriod"/>
-            </a:pPr>
-            <a:r>
-              <a:rPr lang="en-US" sz="3600" dirty="0">
-                <a:solidFill>
-                  <a:srgbClr val="C00000"/>
-                </a:solidFill>
-                <a:latin typeface="Pragmatica" panose="020B0403040502020204"/>
-                <a:sym typeface="Consolas"/>
-              </a:rPr>
-              <a:t>Sharing within a workbook</a:t>
-            </a:r>
-          </a:p>
-          <a:p>
-            <a:pPr marL="685800" indent="-542925">
-              <a:lnSpc>
-                <a:spcPct val="115000"/>
-              </a:lnSpc>
-              <a:spcBef>
-                <a:spcPts val="1125"/>
-              </a:spcBef>
-              <a:buClr>
-                <a:srgbClr val="C00000"/>
-              </a:buClr>
-              <a:buSzPts val="2100"/>
-              <a:buFont typeface="Arial"/>
-              <a:buAutoNum type="arabicPeriod"/>
-            </a:pPr>
-            <a:r>
-              <a:rPr lang="en-US" sz="3600" dirty="0">
-                <a:solidFill>
-                  <a:srgbClr val="C00000"/>
-                </a:solidFill>
-                <a:latin typeface="Pragmatica" panose="020B0403040502020204"/>
-                <a:sym typeface="Consolas"/>
-              </a:rPr>
-              <a:t>Sharing with other users in an organization</a:t>
-            </a:r>
-          </a:p>
-          <a:p>
-            <a:pPr marL="685800" indent="-542925">
-              <a:lnSpc>
-                <a:spcPct val="115000"/>
-              </a:lnSpc>
-              <a:spcBef>
-                <a:spcPts val="1125"/>
-              </a:spcBef>
-              <a:buClr>
-                <a:srgbClr val="C00000"/>
-              </a:buClr>
-              <a:buSzPts val="2100"/>
-              <a:buFont typeface="Arial"/>
-              <a:buAutoNum type="arabicPeriod"/>
-            </a:pPr>
-            <a:r>
-              <a:rPr lang="en-US" sz="3600" dirty="0">
-                <a:solidFill>
-                  <a:srgbClr val="C00000"/>
-                </a:solidFill>
-                <a:latin typeface="Pragmatica" panose="020B0403040502020204"/>
-                <a:sym typeface="Consolas"/>
-              </a:rPr>
-              <a:t>Sharing outside your organization</a:t>
-            </a:r>
-          </a:p>
-          <a:p>
-            <a:pPr marL="142875">
-              <a:lnSpc>
-                <a:spcPct val="115000"/>
-              </a:lnSpc>
-              <a:spcBef>
-                <a:spcPts val="1125"/>
-              </a:spcBef>
-              <a:buClr>
-                <a:srgbClr val="C00000"/>
-              </a:buClr>
-              <a:buSzPts val="2100"/>
-            </a:pPr>
-            <a:r>
-              <a:rPr lang="en-US" sz="3600" dirty="0">
-                <a:solidFill>
-                  <a:srgbClr val="C00000"/>
-                </a:solidFill>
-                <a:latin typeface="Pragmatica" panose="020B0403040502020204"/>
-                <a:sym typeface="Consolas"/>
-              </a:rPr>
-              <a:t>File: </a:t>
-            </a:r>
-            <a:r>
-              <a:rPr lang="en-US" sz="3600" dirty="0">
-                <a:solidFill>
-                  <a:srgbClr val="C00000"/>
-                </a:solidFill>
-                <a:latin typeface="Consolas" panose="020B0609020204030204" pitchFamily="49" charset="0"/>
-                <a:sym typeface="Consolas"/>
-              </a:rPr>
-              <a:t>sharing-office-scripts.xlsx</a:t>
-            </a:r>
-          </a:p>
-          <a:p>
-            <a:pPr marL="142875">
-              <a:lnSpc>
-                <a:spcPct val="115000"/>
-              </a:lnSpc>
-              <a:spcBef>
-                <a:spcPts val="1125"/>
-              </a:spcBef>
-              <a:buClr>
-                <a:srgbClr val="C00000"/>
-              </a:buClr>
-              <a:buSzPts val="2100"/>
-            </a:pPr>
-            <a:r>
-              <a:rPr lang="en-US" sz="3600" dirty="0">
-                <a:solidFill>
-                  <a:srgbClr val="CF3338"/>
-                </a:solidFill>
-                <a:latin typeface="Pragmatica" panose="020B0403040502020204"/>
-                <a:sym typeface="Consolas"/>
-              </a:rPr>
-              <a:t>Resource: </a:t>
-            </a:r>
-            <a:r>
-              <a:rPr lang="en-US" sz="3600" dirty="0">
-                <a:solidFill>
-                  <a:srgbClr val="CF3338"/>
-                </a:solidFill>
-                <a:latin typeface="Pragmatica" panose="020B0403040502020204"/>
-                <a:sym typeface="Consolas"/>
-                <a:hlinkClick r:id="rId4">
-                  <a:extLst>
-                    <a:ext uri="{A12FA001-AC4F-418D-AE19-62706E023703}">
-                      <ahyp:hlinkClr xmlns:ahyp="http://schemas.microsoft.com/office/drawing/2018/hyperlinkcolor" val="tx"/>
-                    </a:ext>
-                  </a:extLst>
-                </a:hlinkClick>
-              </a:rPr>
-              <a:t>https://stringfestanalytics.com/office-scripts-for-excel-how-to-share-your-scripts/</a:t>
-            </a:r>
-            <a:r>
-              <a:rPr lang="en-US" sz="3600" dirty="0">
-                <a:solidFill>
-                  <a:srgbClr val="CF3338"/>
-                </a:solidFill>
-                <a:latin typeface="Pragmatica" panose="020B0403040502020204"/>
-                <a:sym typeface="Consolas"/>
-              </a:rPr>
-              <a:t> </a:t>
-            </a:r>
-          </a:p>
-        </p:txBody>
-      </p:sp>
-    </p:spTree>
-    <p:extLst>
-      <p:ext uri="{BB962C8B-B14F-4D97-AF65-F5344CB8AC3E}">
-        <p14:creationId xmlns:p14="http://schemas.microsoft.com/office/powerpoint/2010/main" val="1242259689"/>
       </p:ext>
     </p:extLst>
   </p:cSld>
@@ -8586,6 +8235,682 @@
   <p:cSld>
     <p:spTree>
       <p:nvGrpSpPr>
+        <p:cNvPr id="1" name="">
+          <a:extLst>
+            <a:ext uri="{FF2B5EF4-FFF2-40B4-BE49-F238E27FC236}">
+              <a16:creationId xmlns:a16="http://schemas.microsoft.com/office/drawing/2014/main" id="{30B0421F-C5E1-ADD5-ECE4-6375F4060D94}"/>
+            </a:ext>
+          </a:extLst>
+        </p:cNvPr>
+        <p:cNvGrpSpPr/>
+        <p:nvPr/>
+      </p:nvGrpSpPr>
+      <p:grpSpPr>
+        <a:xfrm>
+          <a:off x="0" y="0"/>
+          <a:ext cx="0" cy="0"/>
+          <a:chOff x="0" y="0"/>
+          <a:chExt cx="0" cy="0"/>
+        </a:xfrm>
+      </p:grpSpPr>
+      <p:sp>
+        <p:nvSpPr>
+          <p:cNvPr id="4" name="Rectangle 3">
+            <a:extLst>
+              <a:ext uri="{FF2B5EF4-FFF2-40B4-BE49-F238E27FC236}">
+                <a16:creationId xmlns:a16="http://schemas.microsoft.com/office/drawing/2014/main" id="{53DC417D-3C2B-9646-8064-7207B5E8C158}"/>
+              </a:ext>
+            </a:extLst>
+          </p:cNvPr>
+          <p:cNvSpPr/>
+          <p:nvPr/>
+        </p:nvSpPr>
+        <p:spPr>
+          <a:xfrm>
+            <a:off x="9861630" y="0"/>
+            <a:ext cx="8426370" cy="10287000"/>
+          </a:xfrm>
+          <a:prstGeom prst="rect">
+            <a:avLst/>
+          </a:prstGeom>
+          <a:solidFill>
+            <a:srgbClr val="CF3338"/>
+          </a:solidFill>
+          <a:ln>
+            <a:noFill/>
+          </a:ln>
+        </p:spPr>
+        <p:style>
+          <a:lnRef idx="2">
+            <a:schemeClr val="accent1">
+              <a:shade val="50000"/>
+            </a:schemeClr>
+          </a:lnRef>
+          <a:fillRef idx="1">
+            <a:schemeClr val="accent1"/>
+          </a:fillRef>
+          <a:effectRef idx="0">
+            <a:schemeClr val="accent1"/>
+          </a:effectRef>
+          <a:fontRef idx="minor">
+            <a:schemeClr val="lt1"/>
+          </a:fontRef>
+        </p:style>
+        <p:txBody>
+          <a:bodyPr rtlCol="0" anchor="ctr"/>
+          <a:lstStyle/>
+          <a:p>
+            <a:pPr algn="ctr"/>
+            <a:endParaRPr lang="en-US" sz="2700"/>
+          </a:p>
+        </p:txBody>
+      </p:sp>
+      <p:pic>
+        <p:nvPicPr>
+          <p:cNvPr id="2" name="Picture 1">
+            <a:extLst>
+              <a:ext uri="{FF2B5EF4-FFF2-40B4-BE49-F238E27FC236}">
+                <a16:creationId xmlns:a16="http://schemas.microsoft.com/office/drawing/2014/main" id="{15E6A925-96D6-30E2-A5B5-35BD6D37A76D}"/>
+              </a:ext>
+            </a:extLst>
+          </p:cNvPr>
+          <p:cNvPicPr>
+            <a:picLocks noChangeAspect="1"/>
+          </p:cNvPicPr>
+          <p:nvPr/>
+        </p:nvPicPr>
+        <p:blipFill rotWithShape="1">
+          <a:blip r:embed="rId3">
+            <a:extLst>
+              <a:ext uri="{28A0092B-C50C-407E-A947-70E740481C1C}">
+                <a14:useLocalDpi xmlns:a14="http://schemas.microsoft.com/office/drawing/2010/main" val="0"/>
+              </a:ext>
+            </a:extLst>
+          </a:blip>
+          <a:srcRect l="69227" t="33418" r="20112" b="50548"/>
+          <a:stretch/>
+        </p:blipFill>
+        <p:spPr>
+          <a:xfrm>
+            <a:off x="15579524" y="7544693"/>
+            <a:ext cx="2708477" cy="2987579"/>
+          </a:xfrm>
+          <a:prstGeom prst="rect">
+            <a:avLst/>
+          </a:prstGeom>
+        </p:spPr>
+      </p:pic>
+      <p:sp>
+        <p:nvSpPr>
+          <p:cNvPr id="3" name="TextBox 2">
+            <a:extLst>
+              <a:ext uri="{FF2B5EF4-FFF2-40B4-BE49-F238E27FC236}">
+                <a16:creationId xmlns:a16="http://schemas.microsoft.com/office/drawing/2014/main" id="{FC39674B-DCCF-96D6-E9FB-01B7CBAB50AF}"/>
+              </a:ext>
+            </a:extLst>
+          </p:cNvPr>
+          <p:cNvSpPr txBox="1"/>
+          <p:nvPr/>
+        </p:nvSpPr>
+        <p:spPr>
+          <a:xfrm>
+            <a:off x="260431" y="329879"/>
+            <a:ext cx="8906720" cy="8350043"/>
+          </a:xfrm>
+          <a:prstGeom prst="rect">
+            <a:avLst/>
+          </a:prstGeom>
+          <a:noFill/>
+        </p:spPr>
+        <p:txBody>
+          <a:bodyPr wrap="square" rtlCol="0">
+            <a:spAutoFit/>
+          </a:bodyPr>
+          <a:lstStyle/>
+          <a:p>
+            <a:r>
+              <a:rPr lang="en-US" sz="6000" b="1" dirty="0">
+                <a:solidFill>
+                  <a:srgbClr val="CF3338"/>
+                </a:solidFill>
+                <a:latin typeface="Pragmatica" panose="020B0403040502020204" pitchFamily="34" charset="0"/>
+              </a:rPr>
+              <a:t>Integrating AI within Excel with Analyze Data</a:t>
+            </a:r>
+          </a:p>
+          <a:p>
+            <a:endParaRPr lang="en-US" sz="4200" dirty="0">
+              <a:solidFill>
+                <a:srgbClr val="CF3338"/>
+              </a:solidFill>
+              <a:latin typeface="Pragmatica" panose="020B0403040502020204" pitchFamily="34" charset="0"/>
+            </a:endParaRPr>
+          </a:p>
+          <a:p>
+            <a:pPr marL="714375" indent="-571500">
+              <a:lnSpc>
+                <a:spcPct val="115000"/>
+              </a:lnSpc>
+              <a:spcBef>
+                <a:spcPts val="1125"/>
+              </a:spcBef>
+              <a:buClr>
+                <a:srgbClr val="C00000"/>
+              </a:buClr>
+              <a:buSzPts val="2100"/>
+              <a:buFont typeface="Arial" panose="020B0604020202020204" pitchFamily="34" charset="0"/>
+              <a:buChar char="•"/>
+            </a:pPr>
+            <a:r>
+              <a:rPr lang="en-US" sz="3600" dirty="0">
+                <a:solidFill>
+                  <a:srgbClr val="C00000"/>
+                </a:solidFill>
+                <a:latin typeface="Pragmatica" panose="020B0403040502020204"/>
+                <a:sym typeface="Consolas"/>
+              </a:rPr>
+              <a:t>Sharing within a workbook</a:t>
+            </a:r>
+          </a:p>
+          <a:p>
+            <a:pPr marL="714375" indent="-571500">
+              <a:lnSpc>
+                <a:spcPct val="115000"/>
+              </a:lnSpc>
+              <a:spcBef>
+                <a:spcPts val="1125"/>
+              </a:spcBef>
+              <a:buClr>
+                <a:srgbClr val="C00000"/>
+              </a:buClr>
+              <a:buSzPts val="2100"/>
+              <a:buFont typeface="Arial" panose="020B0604020202020204" pitchFamily="34" charset="0"/>
+              <a:buChar char="•"/>
+            </a:pPr>
+            <a:r>
+              <a:rPr lang="en-US" sz="3600" dirty="0">
+                <a:solidFill>
+                  <a:srgbClr val="C00000"/>
+                </a:solidFill>
+                <a:latin typeface="Pragmatica" panose="020B0403040502020204"/>
+                <a:sym typeface="Consolas"/>
+              </a:rPr>
+              <a:t>Sharing with other users in an organization</a:t>
+            </a:r>
+          </a:p>
+          <a:p>
+            <a:pPr marL="714375" indent="-571500">
+              <a:lnSpc>
+                <a:spcPct val="115000"/>
+              </a:lnSpc>
+              <a:spcBef>
+                <a:spcPts val="1125"/>
+              </a:spcBef>
+              <a:buClr>
+                <a:srgbClr val="C00000"/>
+              </a:buClr>
+              <a:buSzPts val="2100"/>
+              <a:buFont typeface="Arial" panose="020B0604020202020204" pitchFamily="34" charset="0"/>
+              <a:buChar char="•"/>
+            </a:pPr>
+            <a:r>
+              <a:rPr lang="en-US" sz="3600" dirty="0">
+                <a:solidFill>
+                  <a:srgbClr val="C00000"/>
+                </a:solidFill>
+                <a:latin typeface="Pragmatica" panose="020B0403040502020204"/>
+                <a:sym typeface="Consolas"/>
+              </a:rPr>
+              <a:t>Sharing outside your organization</a:t>
+            </a:r>
+          </a:p>
+          <a:p>
+            <a:pPr marL="714375" indent="-571500">
+              <a:lnSpc>
+                <a:spcPct val="115000"/>
+              </a:lnSpc>
+              <a:spcBef>
+                <a:spcPts val="1125"/>
+              </a:spcBef>
+              <a:buClr>
+                <a:srgbClr val="C00000"/>
+              </a:buClr>
+              <a:buSzPts val="2100"/>
+              <a:buFont typeface="Arial" panose="020B0604020202020204" pitchFamily="34" charset="0"/>
+              <a:buChar char="•"/>
+            </a:pPr>
+            <a:r>
+              <a:rPr lang="en-US" sz="3600" dirty="0">
+                <a:solidFill>
+                  <a:srgbClr val="C00000"/>
+                </a:solidFill>
+                <a:latin typeface="Pragmatica" panose="020B0403040502020204"/>
+                <a:sym typeface="Consolas"/>
+              </a:rPr>
+              <a:t>File: </a:t>
+            </a:r>
+            <a:r>
+              <a:rPr lang="en-US" sz="3600" dirty="0">
+                <a:solidFill>
+                  <a:srgbClr val="C00000"/>
+                </a:solidFill>
+                <a:latin typeface="Consolas" panose="020B0609020204030204" pitchFamily="49" charset="0"/>
+                <a:sym typeface="Consolas"/>
+              </a:rPr>
+              <a:t>sharing-office-scripts.xlsx</a:t>
+            </a:r>
+          </a:p>
+          <a:p>
+            <a:pPr marL="714375" indent="-571500">
+              <a:lnSpc>
+                <a:spcPct val="115000"/>
+              </a:lnSpc>
+              <a:spcBef>
+                <a:spcPts val="1125"/>
+              </a:spcBef>
+              <a:buClr>
+                <a:srgbClr val="C00000"/>
+              </a:buClr>
+              <a:buSzPts val="2100"/>
+              <a:buFont typeface="Arial" panose="020B0604020202020204" pitchFamily="34" charset="0"/>
+              <a:buChar char="•"/>
+            </a:pPr>
+            <a:r>
+              <a:rPr lang="en-US" sz="3600" dirty="0">
+                <a:solidFill>
+                  <a:srgbClr val="CF3338"/>
+                </a:solidFill>
+                <a:latin typeface="Pragmatica" panose="020B0403040502020204"/>
+                <a:sym typeface="Consolas"/>
+              </a:rPr>
+              <a:t>Resource: </a:t>
+            </a:r>
+            <a:r>
+              <a:rPr lang="en-US" sz="3600" dirty="0">
+                <a:solidFill>
+                  <a:srgbClr val="CF3338"/>
+                </a:solidFill>
+                <a:latin typeface="Pragmatica" panose="020B0403040502020204"/>
+                <a:sym typeface="Consolas"/>
+                <a:hlinkClick r:id="rId4">
+                  <a:extLst>
+                    <a:ext uri="{A12FA001-AC4F-418D-AE19-62706E023703}">
+                      <ahyp:hlinkClr xmlns:ahyp="http://schemas.microsoft.com/office/drawing/2018/hyperlinkcolor" val="tx"/>
+                    </a:ext>
+                  </a:extLst>
+                </a:hlinkClick>
+              </a:rPr>
+              <a:t>https://stringfestanalytics.com/office-scripts-for-excel-how-to-share-your-scripts/</a:t>
+            </a:r>
+            <a:r>
+              <a:rPr lang="en-US" sz="3600" dirty="0">
+                <a:solidFill>
+                  <a:srgbClr val="CF3338"/>
+                </a:solidFill>
+                <a:latin typeface="Pragmatica" panose="020B0403040502020204"/>
+                <a:sym typeface="Consolas"/>
+              </a:rPr>
+              <a:t> </a:t>
+            </a:r>
+          </a:p>
+        </p:txBody>
+      </p:sp>
+    </p:spTree>
+    <p:extLst>
+      <p:ext uri="{BB962C8B-B14F-4D97-AF65-F5344CB8AC3E}">
+        <p14:creationId xmlns:p14="http://schemas.microsoft.com/office/powerpoint/2010/main" val="1242259689"/>
+      </p:ext>
+    </p:extLst>
+  </p:cSld>
+  <p:clrMapOvr>
+    <a:masterClrMapping/>
+  </p:clrMapOvr>
+</p:sld>
+</file>
+
+<file path=ppt/slides/slide21.xml><?xml version="1.0" encoding="utf-8"?>
+<p:sld xmlns:a="http://schemas.openxmlformats.org/drawingml/2006/main" xmlns:r="http://schemas.openxmlformats.org/officeDocument/2006/relationships" xmlns:p="http://schemas.openxmlformats.org/presentationml/2006/main">
+  <p:cSld>
+    <p:spTree>
+      <p:nvGrpSpPr>
+        <p:cNvPr id="1" name="">
+          <a:extLst>
+            <a:ext uri="{FF2B5EF4-FFF2-40B4-BE49-F238E27FC236}">
+              <a16:creationId xmlns:a16="http://schemas.microsoft.com/office/drawing/2014/main" id="{BA9A9B2E-EA14-7F4C-FA02-8AC524C0DDA9}"/>
+            </a:ext>
+          </a:extLst>
+        </p:cNvPr>
+        <p:cNvGrpSpPr/>
+        <p:nvPr/>
+      </p:nvGrpSpPr>
+      <p:grpSpPr>
+        <a:xfrm>
+          <a:off x="0" y="0"/>
+          <a:ext cx="0" cy="0"/>
+          <a:chOff x="0" y="0"/>
+          <a:chExt cx="0" cy="0"/>
+        </a:xfrm>
+      </p:grpSpPr>
+      <p:sp>
+        <p:nvSpPr>
+          <p:cNvPr id="4" name="Rectangle 3">
+            <a:extLst>
+              <a:ext uri="{FF2B5EF4-FFF2-40B4-BE49-F238E27FC236}">
+                <a16:creationId xmlns:a16="http://schemas.microsoft.com/office/drawing/2014/main" id="{54663815-D28B-E211-1379-D9306F8DABC8}"/>
+              </a:ext>
+            </a:extLst>
+          </p:cNvPr>
+          <p:cNvSpPr/>
+          <p:nvPr/>
+        </p:nvSpPr>
+        <p:spPr>
+          <a:xfrm>
+            <a:off x="9861630" y="0"/>
+            <a:ext cx="8426370" cy="10287000"/>
+          </a:xfrm>
+          <a:prstGeom prst="rect">
+            <a:avLst/>
+          </a:prstGeom>
+          <a:solidFill>
+            <a:srgbClr val="CF3338"/>
+          </a:solidFill>
+          <a:ln>
+            <a:noFill/>
+          </a:ln>
+        </p:spPr>
+        <p:style>
+          <a:lnRef idx="2">
+            <a:schemeClr val="accent1">
+              <a:shade val="50000"/>
+            </a:schemeClr>
+          </a:lnRef>
+          <a:fillRef idx="1">
+            <a:schemeClr val="accent1"/>
+          </a:fillRef>
+          <a:effectRef idx="0">
+            <a:schemeClr val="accent1"/>
+          </a:effectRef>
+          <a:fontRef idx="minor">
+            <a:schemeClr val="lt1"/>
+          </a:fontRef>
+        </p:style>
+        <p:txBody>
+          <a:bodyPr rtlCol="0" anchor="ctr"/>
+          <a:lstStyle/>
+          <a:p>
+            <a:pPr algn="ctr"/>
+            <a:endParaRPr lang="en-US" sz="2700"/>
+          </a:p>
+        </p:txBody>
+      </p:sp>
+      <p:pic>
+        <p:nvPicPr>
+          <p:cNvPr id="2" name="Picture 1">
+            <a:extLst>
+              <a:ext uri="{FF2B5EF4-FFF2-40B4-BE49-F238E27FC236}">
+                <a16:creationId xmlns:a16="http://schemas.microsoft.com/office/drawing/2014/main" id="{A75734FE-479C-F76B-6C4B-4FA2C4A94A78}"/>
+              </a:ext>
+            </a:extLst>
+          </p:cNvPr>
+          <p:cNvPicPr>
+            <a:picLocks noChangeAspect="1"/>
+          </p:cNvPicPr>
+          <p:nvPr/>
+        </p:nvPicPr>
+        <p:blipFill rotWithShape="1">
+          <a:blip r:embed="rId3">
+            <a:extLst>
+              <a:ext uri="{28A0092B-C50C-407E-A947-70E740481C1C}">
+                <a14:useLocalDpi xmlns:a14="http://schemas.microsoft.com/office/drawing/2010/main" val="0"/>
+              </a:ext>
+            </a:extLst>
+          </a:blip>
+          <a:srcRect l="69227" t="33418" r="20112" b="50548"/>
+          <a:stretch/>
+        </p:blipFill>
+        <p:spPr>
+          <a:xfrm>
+            <a:off x="15579524" y="7544693"/>
+            <a:ext cx="2708477" cy="2987579"/>
+          </a:xfrm>
+          <a:prstGeom prst="rect">
+            <a:avLst/>
+          </a:prstGeom>
+        </p:spPr>
+      </p:pic>
+      <p:sp>
+        <p:nvSpPr>
+          <p:cNvPr id="3" name="TextBox 2">
+            <a:extLst>
+              <a:ext uri="{FF2B5EF4-FFF2-40B4-BE49-F238E27FC236}">
+                <a16:creationId xmlns:a16="http://schemas.microsoft.com/office/drawing/2014/main" id="{C8181AA8-7FB9-C920-55AE-758C2DD436D2}"/>
+              </a:ext>
+            </a:extLst>
+          </p:cNvPr>
+          <p:cNvSpPr txBox="1"/>
+          <p:nvPr/>
+        </p:nvSpPr>
+        <p:spPr>
+          <a:xfrm>
+            <a:off x="260431" y="329879"/>
+            <a:ext cx="8906720" cy="7426713"/>
+          </a:xfrm>
+          <a:prstGeom prst="rect">
+            <a:avLst/>
+          </a:prstGeom>
+          <a:noFill/>
+        </p:spPr>
+        <p:txBody>
+          <a:bodyPr wrap="square" rtlCol="0">
+            <a:spAutoFit/>
+          </a:bodyPr>
+          <a:lstStyle/>
+          <a:p>
+            <a:r>
+              <a:rPr lang="en-US" sz="6000" b="1" dirty="0">
+                <a:solidFill>
+                  <a:srgbClr val="CF3338"/>
+                </a:solidFill>
+                <a:latin typeface="Pragmatica" panose="020B0403040502020204" pitchFamily="34" charset="0"/>
+              </a:rPr>
+              <a:t>Challenge</a:t>
+            </a:r>
+          </a:p>
+          <a:p>
+            <a:endParaRPr lang="en-US" sz="4200" dirty="0">
+              <a:solidFill>
+                <a:srgbClr val="CF3338"/>
+              </a:solidFill>
+              <a:latin typeface="Pragmatica" panose="020B0403040502020204" pitchFamily="34" charset="0"/>
+            </a:endParaRPr>
+          </a:p>
+          <a:p>
+            <a:pPr marL="714375" indent="-571500">
+              <a:lnSpc>
+                <a:spcPct val="115000"/>
+              </a:lnSpc>
+              <a:spcBef>
+                <a:spcPts val="1125"/>
+              </a:spcBef>
+              <a:buClr>
+                <a:srgbClr val="C00000"/>
+              </a:buClr>
+              <a:buSzPts val="2100"/>
+              <a:buFont typeface="Arial" panose="020B0604020202020204" pitchFamily="34" charset="0"/>
+              <a:buChar char="•"/>
+            </a:pPr>
+            <a:r>
+              <a:rPr lang="en-US" sz="3600" dirty="0">
+                <a:solidFill>
+                  <a:srgbClr val="C00000"/>
+                </a:solidFill>
+                <a:latin typeface="Pragmatica" panose="020B0403040502020204"/>
+                <a:sym typeface="Consolas"/>
+              </a:rPr>
+              <a:t>Sharing within a workbook</a:t>
+            </a:r>
+          </a:p>
+          <a:p>
+            <a:pPr marL="714375" indent="-571500">
+              <a:lnSpc>
+                <a:spcPct val="115000"/>
+              </a:lnSpc>
+              <a:spcBef>
+                <a:spcPts val="1125"/>
+              </a:spcBef>
+              <a:buClr>
+                <a:srgbClr val="C00000"/>
+              </a:buClr>
+              <a:buSzPts val="2100"/>
+              <a:buFont typeface="Arial" panose="020B0604020202020204" pitchFamily="34" charset="0"/>
+              <a:buChar char="•"/>
+            </a:pPr>
+            <a:r>
+              <a:rPr lang="en-US" sz="3600" dirty="0">
+                <a:solidFill>
+                  <a:srgbClr val="C00000"/>
+                </a:solidFill>
+                <a:latin typeface="Pragmatica" panose="020B0403040502020204"/>
+                <a:sym typeface="Consolas"/>
+              </a:rPr>
+              <a:t>Sharing with other users in an organization</a:t>
+            </a:r>
+          </a:p>
+          <a:p>
+            <a:pPr marL="714375" indent="-571500">
+              <a:lnSpc>
+                <a:spcPct val="115000"/>
+              </a:lnSpc>
+              <a:spcBef>
+                <a:spcPts val="1125"/>
+              </a:spcBef>
+              <a:buClr>
+                <a:srgbClr val="C00000"/>
+              </a:buClr>
+              <a:buSzPts val="2100"/>
+              <a:buFont typeface="Arial" panose="020B0604020202020204" pitchFamily="34" charset="0"/>
+              <a:buChar char="•"/>
+            </a:pPr>
+            <a:r>
+              <a:rPr lang="en-US" sz="3600" dirty="0">
+                <a:solidFill>
+                  <a:srgbClr val="C00000"/>
+                </a:solidFill>
+                <a:latin typeface="Pragmatica" panose="020B0403040502020204"/>
+                <a:sym typeface="Consolas"/>
+              </a:rPr>
+              <a:t>Sharing outside your organization</a:t>
+            </a:r>
+          </a:p>
+          <a:p>
+            <a:pPr marL="714375" indent="-571500">
+              <a:lnSpc>
+                <a:spcPct val="115000"/>
+              </a:lnSpc>
+              <a:spcBef>
+                <a:spcPts val="1125"/>
+              </a:spcBef>
+              <a:buClr>
+                <a:srgbClr val="C00000"/>
+              </a:buClr>
+              <a:buSzPts val="2100"/>
+              <a:buFont typeface="Arial" panose="020B0604020202020204" pitchFamily="34" charset="0"/>
+              <a:buChar char="•"/>
+            </a:pPr>
+            <a:r>
+              <a:rPr lang="en-US" sz="3600" dirty="0">
+                <a:solidFill>
+                  <a:srgbClr val="C00000"/>
+                </a:solidFill>
+                <a:latin typeface="Pragmatica" panose="020B0403040502020204"/>
+                <a:sym typeface="Consolas"/>
+              </a:rPr>
+              <a:t>File: </a:t>
+            </a:r>
+            <a:r>
+              <a:rPr lang="en-US" sz="3600" dirty="0">
+                <a:solidFill>
+                  <a:srgbClr val="C00000"/>
+                </a:solidFill>
+                <a:latin typeface="Consolas" panose="020B0609020204030204" pitchFamily="49" charset="0"/>
+                <a:sym typeface="Consolas"/>
+              </a:rPr>
+              <a:t>sharing-office-scripts.xlsx</a:t>
+            </a:r>
+          </a:p>
+          <a:p>
+            <a:pPr marL="714375" indent="-571500">
+              <a:lnSpc>
+                <a:spcPct val="115000"/>
+              </a:lnSpc>
+              <a:spcBef>
+                <a:spcPts val="1125"/>
+              </a:spcBef>
+              <a:buClr>
+                <a:srgbClr val="C00000"/>
+              </a:buClr>
+              <a:buSzPts val="2100"/>
+              <a:buFont typeface="Arial" panose="020B0604020202020204" pitchFamily="34" charset="0"/>
+              <a:buChar char="•"/>
+            </a:pPr>
+            <a:r>
+              <a:rPr lang="en-US" sz="3600" dirty="0">
+                <a:solidFill>
+                  <a:srgbClr val="CF3338"/>
+                </a:solidFill>
+                <a:latin typeface="Pragmatica" panose="020B0403040502020204"/>
+                <a:sym typeface="Consolas"/>
+              </a:rPr>
+              <a:t>Resource: </a:t>
+            </a:r>
+            <a:r>
+              <a:rPr lang="en-US" sz="3600" dirty="0">
+                <a:solidFill>
+                  <a:srgbClr val="CF3338"/>
+                </a:solidFill>
+                <a:latin typeface="Pragmatica" panose="020B0403040502020204"/>
+                <a:sym typeface="Consolas"/>
+                <a:hlinkClick r:id="rId4">
+                  <a:extLst>
+                    <a:ext uri="{A12FA001-AC4F-418D-AE19-62706E023703}">
+                      <ahyp:hlinkClr xmlns:ahyp="http://schemas.microsoft.com/office/drawing/2018/hyperlinkcolor" val="tx"/>
+                    </a:ext>
+                  </a:extLst>
+                </a:hlinkClick>
+              </a:rPr>
+              <a:t>https://stringfestanalytics.com/office-scripts-for-excel-how-to-share-your-scripts/</a:t>
+            </a:r>
+            <a:r>
+              <a:rPr lang="en-US" sz="3600" dirty="0">
+                <a:solidFill>
+                  <a:srgbClr val="CF3338"/>
+                </a:solidFill>
+                <a:latin typeface="Pragmatica" panose="020B0403040502020204"/>
+                <a:sym typeface="Consolas"/>
+              </a:rPr>
+              <a:t> </a:t>
+            </a:r>
+          </a:p>
+        </p:txBody>
+      </p:sp>
+    </p:spTree>
+    <p:extLst>
+      <p:ext uri="{BB962C8B-B14F-4D97-AF65-F5344CB8AC3E}">
+        <p14:creationId xmlns:p14="http://schemas.microsoft.com/office/powerpoint/2010/main" val="1016934250"/>
+      </p:ext>
+    </p:extLst>
+  </p:cSld>
+  <p:clrMapOvr>
+    <a:masterClrMapping/>
+  </p:clrMapOvr>
+</p:sld>
+</file>
+
+<file path=ppt/slides/slide22.xml><?xml version="1.0" encoding="utf-8"?>
+<p:sld xmlns:a="http://schemas.openxmlformats.org/drawingml/2006/main" xmlns:r="http://schemas.openxmlformats.org/officeDocument/2006/relationships" xmlns:p="http://schemas.openxmlformats.org/presentationml/2006/main">
+  <p:cSld>
+    <p:spTree>
+      <p:nvGrpSpPr>
         <p:cNvPr id="1" name=""/>
         <p:cNvGrpSpPr/>
         <p:nvPr/>
@@ -8739,7 +9064,7 @@
 </p:sld>
 </file>
 
-<file path=ppt/slides/slide21.xml><?xml version="1.0" encoding="utf-8"?>
+<file path=ppt/slides/slide23.xml><?xml version="1.0" encoding="utf-8"?>
 <p:sld xmlns:a="http://schemas.openxmlformats.org/drawingml/2006/main" xmlns:r="http://schemas.openxmlformats.org/officeDocument/2006/relationships" xmlns:p="http://schemas.openxmlformats.org/presentationml/2006/main">
   <p:cSld>
     <p:spTree>
@@ -8747,7 +9072,7 @@
         <p:cNvPr id="1" name="">
           <a:extLst>
             <a:ext uri="{FF2B5EF4-FFF2-40B4-BE49-F238E27FC236}">
-              <a16:creationId xmlns:a16="http://schemas.microsoft.com/office/drawing/2014/main" id="{B00EF64E-978E-DE9E-B1AB-AFA91528E834}"/>
+              <a16:creationId xmlns:a16="http://schemas.microsoft.com/office/drawing/2014/main" id="{E85323C9-D5F7-C820-78B9-E169BDF2311C}"/>
             </a:ext>
           </a:extLst>
         </p:cNvPr>
@@ -8767,7 +9092,7 @@
           <p:cNvPr id="4" name="Rectangle 3">
             <a:extLst>
               <a:ext uri="{FF2B5EF4-FFF2-40B4-BE49-F238E27FC236}">
-                <a16:creationId xmlns:a16="http://schemas.microsoft.com/office/drawing/2014/main" id="{48A71BC5-8684-91C1-6B3F-A1A745B63039}"/>
+                <a16:creationId xmlns:a16="http://schemas.microsoft.com/office/drawing/2014/main" id="{28971779-1F50-1702-DEC1-87CD482189F0}"/>
               </a:ext>
             </a:extLst>
           </p:cNvPr>
@@ -8819,1541 +9144,6 @@
           <p:cNvPr id="5" name="TextBox 4">
             <a:extLst>
               <a:ext uri="{FF2B5EF4-FFF2-40B4-BE49-F238E27FC236}">
-                <a16:creationId xmlns:a16="http://schemas.microsoft.com/office/drawing/2014/main" id="{5CA0EFB8-FBDD-5FBD-D7A8-9920121CAA28}"/>
-              </a:ext>
-            </a:extLst>
-          </p:cNvPr>
-          <p:cNvSpPr txBox="1"/>
-          <p:nvPr/>
-        </p:nvSpPr>
-        <p:spPr>
-          <a:xfrm>
-            <a:off x="781292" y="590309"/>
-            <a:ext cx="15486926" cy="3139321"/>
-          </a:xfrm>
-          <a:prstGeom prst="rect">
-            <a:avLst/>
-          </a:prstGeom>
-          <a:noFill/>
-        </p:spPr>
-        <p:txBody>
-          <a:bodyPr wrap="square" rtlCol="0">
-            <a:spAutoFit/>
-          </a:bodyPr>
-          <a:lstStyle/>
-          <a:p>
-            <a:r>
-              <a:rPr lang="en-US" sz="9900" b="1" dirty="0">
-                <a:solidFill>
-                  <a:schemeClr val="bg1"/>
-                </a:solidFill>
-                <a:latin typeface="Normafixed Tryout" panose="00000409000000000000" pitchFamily="49" charset="0"/>
-              </a:rPr>
-              <a:t>4. Office Scripts &amp; Power Automate</a:t>
-            </a:r>
-          </a:p>
-        </p:txBody>
-      </p:sp>
-    </p:spTree>
-    <p:extLst>
-      <p:ext uri="{BB962C8B-B14F-4D97-AF65-F5344CB8AC3E}">
-        <p14:creationId xmlns:p14="http://schemas.microsoft.com/office/powerpoint/2010/main" val="3272495201"/>
-      </p:ext>
-    </p:extLst>
-  </p:cSld>
-  <p:clrMapOvr>
-    <a:masterClrMapping/>
-  </p:clrMapOvr>
-</p:sld>
-</file>
-
-<file path=ppt/slides/slide22.xml><?xml version="1.0" encoding="utf-8"?>
-<p:sld xmlns:a="http://schemas.openxmlformats.org/drawingml/2006/main" xmlns:r="http://schemas.openxmlformats.org/officeDocument/2006/relationships" xmlns:p="http://schemas.openxmlformats.org/presentationml/2006/main">
-  <p:cSld>
-    <p:spTree>
-      <p:nvGrpSpPr>
-        <p:cNvPr id="1" name=""/>
-        <p:cNvGrpSpPr/>
-        <p:nvPr/>
-      </p:nvGrpSpPr>
-      <p:grpSpPr>
-        <a:xfrm>
-          <a:off x="0" y="0"/>
-          <a:ext cx="0" cy="0"/>
-          <a:chOff x="0" y="0"/>
-          <a:chExt cx="0" cy="0"/>
-        </a:xfrm>
-      </p:grpSpPr>
-      <p:sp>
-        <p:nvSpPr>
-          <p:cNvPr id="4" name="Rectangle 3"/>
-          <p:cNvSpPr/>
-          <p:nvPr/>
-        </p:nvSpPr>
-        <p:spPr>
-          <a:xfrm>
-            <a:off x="9861630" y="0"/>
-            <a:ext cx="8426370" cy="10287000"/>
-          </a:xfrm>
-          <a:prstGeom prst="rect">
-            <a:avLst/>
-          </a:prstGeom>
-          <a:solidFill>
-            <a:srgbClr val="CF3338"/>
-          </a:solidFill>
-          <a:ln>
-            <a:noFill/>
-          </a:ln>
-        </p:spPr>
-        <p:style>
-          <a:lnRef idx="2">
-            <a:schemeClr val="accent1">
-              <a:shade val="50000"/>
-            </a:schemeClr>
-          </a:lnRef>
-          <a:fillRef idx="1">
-            <a:schemeClr val="accent1"/>
-          </a:fillRef>
-          <a:effectRef idx="0">
-            <a:schemeClr val="accent1"/>
-          </a:effectRef>
-          <a:fontRef idx="minor">
-            <a:schemeClr val="lt1"/>
-          </a:fontRef>
-        </p:style>
-        <p:txBody>
-          <a:bodyPr rtlCol="0" anchor="ctr"/>
-          <a:lstStyle/>
-          <a:p>
-            <a:pPr algn="ctr"/>
-            <a:endParaRPr lang="en-US" sz="2700"/>
-          </a:p>
-        </p:txBody>
-      </p:sp>
-      <p:pic>
-        <p:nvPicPr>
-          <p:cNvPr id="2" name="Picture 1"/>
-          <p:cNvPicPr>
-            <a:picLocks noChangeAspect="1"/>
-          </p:cNvPicPr>
-          <p:nvPr/>
-        </p:nvPicPr>
-        <p:blipFill rotWithShape="1">
-          <a:blip r:embed="rId3">
-            <a:extLst>
-              <a:ext uri="{28A0092B-C50C-407E-A947-70E740481C1C}">
-                <a14:useLocalDpi xmlns:a14="http://schemas.microsoft.com/office/drawing/2010/main" val="0"/>
-              </a:ext>
-            </a:extLst>
-          </a:blip>
-          <a:srcRect l="69227" t="33418" r="20112" b="50548"/>
-          <a:stretch/>
-        </p:blipFill>
-        <p:spPr>
-          <a:xfrm>
-            <a:off x="15579524" y="7544693"/>
-            <a:ext cx="2708477" cy="2987579"/>
-          </a:xfrm>
-          <a:prstGeom prst="rect">
-            <a:avLst/>
-          </a:prstGeom>
-        </p:spPr>
-      </p:pic>
-      <p:sp>
-        <p:nvSpPr>
-          <p:cNvPr id="3" name="TextBox 2"/>
-          <p:cNvSpPr txBox="1"/>
-          <p:nvPr/>
-        </p:nvSpPr>
-        <p:spPr>
-          <a:xfrm>
-            <a:off x="260431" y="329879"/>
-            <a:ext cx="8906720" cy="9169690"/>
-          </a:xfrm>
-          <a:prstGeom prst="rect">
-            <a:avLst/>
-          </a:prstGeom>
-          <a:noFill/>
-        </p:spPr>
-        <p:txBody>
-          <a:bodyPr wrap="square" rtlCol="0">
-            <a:spAutoFit/>
-          </a:bodyPr>
-          <a:lstStyle/>
-          <a:p>
-            <a:r>
-              <a:rPr lang="en-US" sz="6000" b="1" dirty="0">
-                <a:solidFill>
-                  <a:srgbClr val="CF3338"/>
-                </a:solidFill>
-                <a:latin typeface="Pragmatica" panose="020B0403040502020204" pitchFamily="34" charset="0"/>
-              </a:rPr>
-              <a:t>Record Actions in Office Scripts</a:t>
-            </a:r>
-          </a:p>
-          <a:p>
-            <a:endParaRPr lang="en-US" sz="4200" dirty="0">
-              <a:solidFill>
-                <a:srgbClr val="CF3338"/>
-              </a:solidFill>
-              <a:latin typeface="Pragmatica" panose="020B0403040502020204" pitchFamily="34" charset="0"/>
-            </a:endParaRPr>
-          </a:p>
-          <a:p>
-            <a:pPr marL="685800" indent="-542925">
-              <a:lnSpc>
-                <a:spcPct val="115000"/>
-              </a:lnSpc>
-              <a:spcBef>
-                <a:spcPts val="1125"/>
-              </a:spcBef>
-              <a:buClr>
-                <a:srgbClr val="C00000"/>
-              </a:buClr>
-              <a:buSzPts val="2100"/>
-              <a:buFont typeface="Arial"/>
-              <a:buAutoNum type="arabicPeriod"/>
-            </a:pPr>
-            <a:r>
-              <a:rPr lang="en-US" sz="3600" dirty="0">
-                <a:solidFill>
-                  <a:srgbClr val="C00000"/>
-                </a:solidFill>
-                <a:latin typeface="Pragmatica" panose="020B0403040502020204"/>
-                <a:sym typeface="Consolas"/>
-              </a:rPr>
-              <a:t>Creating a script with Record Actions</a:t>
-            </a:r>
-          </a:p>
-          <a:p>
-            <a:pPr marL="685800" indent="-542925">
-              <a:lnSpc>
-                <a:spcPct val="115000"/>
-              </a:lnSpc>
-              <a:spcBef>
-                <a:spcPts val="1125"/>
-              </a:spcBef>
-              <a:buClr>
-                <a:srgbClr val="C00000"/>
-              </a:buClr>
-              <a:buSzPts val="2100"/>
-              <a:buFont typeface="Arial"/>
-              <a:buAutoNum type="arabicPeriod"/>
-            </a:pPr>
-            <a:r>
-              <a:rPr lang="en-US" sz="3600" dirty="0">
-                <a:solidFill>
-                  <a:srgbClr val="C00000"/>
-                </a:solidFill>
-                <a:latin typeface="Pragmatica" panose="020B0403040502020204"/>
-                <a:sym typeface="Consolas"/>
-              </a:rPr>
-              <a:t>Advantages and disadvantages of Record Actions</a:t>
-            </a:r>
-          </a:p>
-          <a:p>
-            <a:pPr marL="142875">
-              <a:lnSpc>
-                <a:spcPct val="115000"/>
-              </a:lnSpc>
-              <a:spcBef>
-                <a:spcPts val="1125"/>
-              </a:spcBef>
-              <a:buClr>
-                <a:srgbClr val="C00000"/>
-              </a:buClr>
-              <a:buSzPts val="2100"/>
-            </a:pPr>
-            <a:r>
-              <a:rPr lang="en-US" sz="3600" dirty="0">
-                <a:solidFill>
-                  <a:srgbClr val="C00000"/>
-                </a:solidFill>
-                <a:latin typeface="Pragmatica" panose="020B0403040502020204"/>
-                <a:sym typeface="Consolas"/>
-              </a:rPr>
-              <a:t>File: </a:t>
-            </a:r>
-            <a:r>
-              <a:rPr lang="en-US" sz="3600" dirty="0">
-                <a:solidFill>
-                  <a:srgbClr val="C00000"/>
-                </a:solidFill>
-                <a:latin typeface="Consolas" panose="020B0609020204030204" pitchFamily="49" charset="0"/>
-                <a:sym typeface="Consolas"/>
-              </a:rPr>
-              <a:t>record-actions.xlsx</a:t>
-            </a:r>
-          </a:p>
-          <a:p>
-            <a:pPr marL="142875">
-              <a:lnSpc>
-                <a:spcPct val="115000"/>
-              </a:lnSpc>
-              <a:spcBef>
-                <a:spcPts val="1125"/>
-              </a:spcBef>
-              <a:buClr>
-                <a:srgbClr val="C00000"/>
-              </a:buClr>
-              <a:buSzPts val="2100"/>
-            </a:pPr>
-            <a:r>
-              <a:rPr lang="en-US" sz="3600" dirty="0">
-                <a:solidFill>
-                  <a:srgbClr val="C00000"/>
-                </a:solidFill>
-                <a:latin typeface="Pragmatica" panose="020B0403040502020204"/>
-                <a:sym typeface="Consolas"/>
-              </a:rPr>
-              <a:t>Resource: </a:t>
-            </a:r>
-            <a:r>
-              <a:rPr lang="en-US" sz="3600" dirty="0">
-                <a:solidFill>
-                  <a:srgbClr val="CF3338"/>
-                </a:solidFill>
-                <a:latin typeface="Pragmatica" panose="020B0403040502020204"/>
-                <a:sym typeface="Consolas"/>
-                <a:hlinkClick r:id="rId4">
-                  <a:extLst>
-                    <a:ext uri="{A12FA001-AC4F-418D-AE19-62706E023703}">
-                      <ahyp:hlinkClr xmlns:ahyp="http://schemas.microsoft.com/office/drawing/2018/hyperlinkcolor" val="tx"/>
-                    </a:ext>
-                  </a:extLst>
-                </a:hlinkClick>
-              </a:rPr>
-              <a:t>https://stringfestanalytics.com/how-to-understand-record-actions-in-office-scripts-for-excel/</a:t>
-            </a:r>
-            <a:r>
-              <a:rPr lang="en-US" sz="3600" dirty="0">
-                <a:solidFill>
-                  <a:srgbClr val="CF3338"/>
-                </a:solidFill>
-                <a:latin typeface="Pragmatica" panose="020B0403040502020204"/>
-                <a:sym typeface="Consolas"/>
-              </a:rPr>
-              <a:t> </a:t>
-            </a:r>
-            <a:endParaRPr lang="en-US" sz="6000" dirty="0">
-              <a:solidFill>
-                <a:srgbClr val="CF3338"/>
-              </a:solidFill>
-              <a:latin typeface="Pragmatica" panose="020B0403040502020204"/>
-            </a:endParaRPr>
-          </a:p>
-          <a:p>
-            <a:endParaRPr lang="en-US" sz="6000" dirty="0">
-              <a:solidFill>
-                <a:srgbClr val="CF3338"/>
-              </a:solidFill>
-              <a:latin typeface="Pragmatica" panose="020B0403040502020204" pitchFamily="34" charset="0"/>
-            </a:endParaRPr>
-          </a:p>
-        </p:txBody>
-      </p:sp>
-    </p:spTree>
-    <p:extLst>
-      <p:ext uri="{BB962C8B-B14F-4D97-AF65-F5344CB8AC3E}">
-        <p14:creationId xmlns:p14="http://schemas.microsoft.com/office/powerpoint/2010/main" val="3880323540"/>
-      </p:ext>
-    </p:extLst>
-  </p:cSld>
-  <p:clrMapOvr>
-    <a:masterClrMapping/>
-  </p:clrMapOvr>
-</p:sld>
-</file>
-
-<file path=ppt/slides/slide23.xml><?xml version="1.0" encoding="utf-8"?>
-<p:sld xmlns:a="http://schemas.openxmlformats.org/drawingml/2006/main" xmlns:r="http://schemas.openxmlformats.org/officeDocument/2006/relationships" xmlns:p="http://schemas.openxmlformats.org/presentationml/2006/main">
-  <p:cSld>
-    <p:spTree>
-      <p:nvGrpSpPr>
-        <p:cNvPr id="1" name="">
-          <a:extLst>
-            <a:ext uri="{FF2B5EF4-FFF2-40B4-BE49-F238E27FC236}">
-              <a16:creationId xmlns:a16="http://schemas.microsoft.com/office/drawing/2014/main" id="{1D25F94E-B737-3C61-BA4F-9D057FD7098A}"/>
-            </a:ext>
-          </a:extLst>
-        </p:cNvPr>
-        <p:cNvGrpSpPr/>
-        <p:nvPr/>
-      </p:nvGrpSpPr>
-      <p:grpSpPr>
-        <a:xfrm>
-          <a:off x="0" y="0"/>
-          <a:ext cx="0" cy="0"/>
-          <a:chOff x="0" y="0"/>
-          <a:chExt cx="0" cy="0"/>
-        </a:xfrm>
-      </p:grpSpPr>
-      <p:sp>
-        <p:nvSpPr>
-          <p:cNvPr id="4" name="Rectangle 3">
-            <a:extLst>
-              <a:ext uri="{FF2B5EF4-FFF2-40B4-BE49-F238E27FC236}">
-                <a16:creationId xmlns:a16="http://schemas.microsoft.com/office/drawing/2014/main" id="{D8DEC930-FC4C-8A29-168D-C325A21F4F60}"/>
-              </a:ext>
-            </a:extLst>
-          </p:cNvPr>
-          <p:cNvSpPr/>
-          <p:nvPr/>
-        </p:nvSpPr>
-        <p:spPr>
-          <a:xfrm>
-            <a:off x="9861630" y="0"/>
-            <a:ext cx="8426370" cy="10287000"/>
-          </a:xfrm>
-          <a:prstGeom prst="rect">
-            <a:avLst/>
-          </a:prstGeom>
-          <a:solidFill>
-            <a:srgbClr val="CF3338"/>
-          </a:solidFill>
-          <a:ln>
-            <a:noFill/>
-          </a:ln>
-        </p:spPr>
-        <p:style>
-          <a:lnRef idx="2">
-            <a:schemeClr val="accent1">
-              <a:shade val="50000"/>
-            </a:schemeClr>
-          </a:lnRef>
-          <a:fillRef idx="1">
-            <a:schemeClr val="accent1"/>
-          </a:fillRef>
-          <a:effectRef idx="0">
-            <a:schemeClr val="accent1"/>
-          </a:effectRef>
-          <a:fontRef idx="minor">
-            <a:schemeClr val="lt1"/>
-          </a:fontRef>
-        </p:style>
-        <p:txBody>
-          <a:bodyPr rtlCol="0" anchor="ctr"/>
-          <a:lstStyle/>
-          <a:p>
-            <a:pPr algn="ctr"/>
-            <a:endParaRPr lang="en-US" sz="2700"/>
-          </a:p>
-        </p:txBody>
-      </p:sp>
-      <p:pic>
-        <p:nvPicPr>
-          <p:cNvPr id="2" name="Picture 1">
-            <a:extLst>
-              <a:ext uri="{FF2B5EF4-FFF2-40B4-BE49-F238E27FC236}">
-                <a16:creationId xmlns:a16="http://schemas.microsoft.com/office/drawing/2014/main" id="{7311EDB7-48B5-AAFD-E6AB-234AE58A63A9}"/>
-              </a:ext>
-            </a:extLst>
-          </p:cNvPr>
-          <p:cNvPicPr>
-            <a:picLocks noChangeAspect="1"/>
-          </p:cNvPicPr>
-          <p:nvPr/>
-        </p:nvPicPr>
-        <p:blipFill rotWithShape="1">
-          <a:blip r:embed="rId3">
-            <a:extLst>
-              <a:ext uri="{28A0092B-C50C-407E-A947-70E740481C1C}">
-                <a14:useLocalDpi xmlns:a14="http://schemas.microsoft.com/office/drawing/2010/main" val="0"/>
-              </a:ext>
-            </a:extLst>
-          </a:blip>
-          <a:srcRect l="69227" t="33418" r="20112" b="50548"/>
-          <a:stretch/>
-        </p:blipFill>
-        <p:spPr>
-          <a:xfrm>
-            <a:off x="15579524" y="7544693"/>
-            <a:ext cx="2708477" cy="2987579"/>
-          </a:xfrm>
-          <a:prstGeom prst="rect">
-            <a:avLst/>
-          </a:prstGeom>
-        </p:spPr>
-      </p:pic>
-      <p:sp>
-        <p:nvSpPr>
-          <p:cNvPr id="3" name="TextBox 2">
-            <a:extLst>
-              <a:ext uri="{FF2B5EF4-FFF2-40B4-BE49-F238E27FC236}">
-                <a16:creationId xmlns:a16="http://schemas.microsoft.com/office/drawing/2014/main" id="{DB192770-3A95-249E-8FE8-48F859721D9F}"/>
-              </a:ext>
-            </a:extLst>
-          </p:cNvPr>
-          <p:cNvSpPr txBox="1"/>
-          <p:nvPr/>
-        </p:nvSpPr>
-        <p:spPr>
-          <a:xfrm>
-            <a:off x="260431" y="329879"/>
-            <a:ext cx="8906720" cy="8987140"/>
-          </a:xfrm>
-          <a:prstGeom prst="rect">
-            <a:avLst/>
-          </a:prstGeom>
-          <a:noFill/>
-        </p:spPr>
-        <p:txBody>
-          <a:bodyPr wrap="square" rtlCol="0">
-            <a:spAutoFit/>
-          </a:bodyPr>
-          <a:lstStyle/>
-          <a:p>
-            <a:r>
-              <a:rPr lang="en-US" sz="6000" b="1" dirty="0">
-                <a:solidFill>
-                  <a:srgbClr val="CF3338"/>
-                </a:solidFill>
-                <a:latin typeface="Pragmatica" panose="020B0403040502020204" pitchFamily="34" charset="0"/>
-              </a:rPr>
-              <a:t>function main() in Office Scripts</a:t>
-            </a:r>
-          </a:p>
-          <a:p>
-            <a:endParaRPr lang="en-US" sz="4200" dirty="0">
-              <a:solidFill>
-                <a:srgbClr val="CF3338"/>
-              </a:solidFill>
-              <a:latin typeface="Pragmatica" panose="020B0403040502020204" pitchFamily="34" charset="0"/>
-            </a:endParaRPr>
-          </a:p>
-          <a:p>
-            <a:pPr marL="685800" indent="-542925">
-              <a:lnSpc>
-                <a:spcPct val="115000"/>
-              </a:lnSpc>
-              <a:spcBef>
-                <a:spcPts val="1125"/>
-              </a:spcBef>
-              <a:buClr>
-                <a:srgbClr val="C00000"/>
-              </a:buClr>
-              <a:buSzPts val="2100"/>
-              <a:buFont typeface="Arial"/>
-              <a:buAutoNum type="arabicPeriod"/>
-            </a:pPr>
-            <a:r>
-              <a:rPr lang="en-US" sz="3600" dirty="0">
-                <a:solidFill>
-                  <a:srgbClr val="C00000"/>
-                </a:solidFill>
-                <a:latin typeface="Pragmatica" panose="020B0403040502020204"/>
-                <a:sym typeface="Consolas"/>
-              </a:rPr>
-              <a:t>function main() as the heart of Office Scripts</a:t>
-            </a:r>
-          </a:p>
-          <a:p>
-            <a:pPr marL="685800" indent="-542925">
-              <a:lnSpc>
-                <a:spcPct val="115000"/>
-              </a:lnSpc>
-              <a:spcBef>
-                <a:spcPts val="1125"/>
-              </a:spcBef>
-              <a:buClr>
-                <a:srgbClr val="C00000"/>
-              </a:buClr>
-              <a:buSzPts val="2100"/>
-              <a:buFont typeface="Arial"/>
-              <a:buAutoNum type="arabicPeriod"/>
-            </a:pPr>
-            <a:r>
-              <a:rPr lang="en-US" sz="3600" dirty="0">
-                <a:solidFill>
-                  <a:srgbClr val="C00000"/>
-                </a:solidFill>
-                <a:latin typeface="Pragmatica" panose="020B0403040502020204"/>
-                <a:sym typeface="Consolas"/>
-              </a:rPr>
-              <a:t>‘Hello, world!’ in Office Scripts</a:t>
-            </a:r>
-          </a:p>
-          <a:p>
-            <a:pPr marL="685800" indent="-542925">
-              <a:lnSpc>
-                <a:spcPct val="115000"/>
-              </a:lnSpc>
-              <a:spcBef>
-                <a:spcPts val="1125"/>
-              </a:spcBef>
-              <a:buClr>
-                <a:srgbClr val="C00000"/>
-              </a:buClr>
-              <a:buSzPts val="2100"/>
-              <a:buFont typeface="Arial"/>
-              <a:buAutoNum type="arabicPeriod"/>
-            </a:pPr>
-            <a:r>
-              <a:rPr lang="en-US" sz="3600" dirty="0">
-                <a:solidFill>
-                  <a:srgbClr val="C00000"/>
-                </a:solidFill>
-                <a:latin typeface="Pragmatica" panose="020B0403040502020204"/>
-                <a:sym typeface="Consolas"/>
-              </a:rPr>
-              <a:t>Customizing function main()’s parameters</a:t>
-            </a:r>
-          </a:p>
-          <a:p>
-            <a:pPr marL="142875">
-              <a:lnSpc>
-                <a:spcPct val="115000"/>
-              </a:lnSpc>
-              <a:spcBef>
-                <a:spcPts val="1125"/>
-              </a:spcBef>
-              <a:buClr>
-                <a:srgbClr val="C00000"/>
-              </a:buClr>
-              <a:buSzPts val="2100"/>
-            </a:pPr>
-            <a:r>
-              <a:rPr lang="en-US" sz="3600" dirty="0">
-                <a:solidFill>
-                  <a:srgbClr val="C00000"/>
-                </a:solidFill>
-                <a:latin typeface="Pragmatica" panose="020B0403040502020204"/>
-                <a:sym typeface="Consolas"/>
-              </a:rPr>
-              <a:t>File: Open a blank workbook to proceed</a:t>
-            </a:r>
-          </a:p>
-          <a:p>
-            <a:pPr marL="142875">
-              <a:lnSpc>
-                <a:spcPct val="115000"/>
-              </a:lnSpc>
-              <a:spcBef>
-                <a:spcPts val="1125"/>
-              </a:spcBef>
-              <a:buClr>
-                <a:srgbClr val="C00000"/>
-              </a:buClr>
-              <a:buSzPts val="2100"/>
-            </a:pPr>
-            <a:r>
-              <a:rPr lang="en-US" sz="3600" dirty="0">
-                <a:solidFill>
-                  <a:srgbClr val="CF3338"/>
-                </a:solidFill>
-                <a:latin typeface="Pragmatica" panose="020B0403040502020204"/>
-                <a:sym typeface="Consolas"/>
-              </a:rPr>
-              <a:t>Resource: </a:t>
-            </a:r>
-            <a:r>
-              <a:rPr lang="en-US" sz="3600" dirty="0">
-                <a:solidFill>
-                  <a:srgbClr val="CF3338"/>
-                </a:solidFill>
-                <a:latin typeface="Pragmatica" panose="020B0403040502020204"/>
-                <a:sym typeface="Consolas"/>
-                <a:hlinkClick r:id="rId4">
-                  <a:extLst>
-                    <a:ext uri="{A12FA001-AC4F-418D-AE19-62706E023703}">
-                      <ahyp:hlinkClr xmlns:ahyp="http://schemas.microsoft.com/office/drawing/2018/hyperlinkcolor" val="tx"/>
-                    </a:ext>
-                  </a:extLst>
-                </a:hlinkClick>
-              </a:rPr>
-              <a:t>https://stringfestanalytics.com/how-to-understand-function-main-in-office-scripts-for-excel/</a:t>
-            </a:r>
-            <a:r>
-              <a:rPr lang="en-US" sz="3600" dirty="0">
-                <a:solidFill>
-                  <a:srgbClr val="CF3338"/>
-                </a:solidFill>
-                <a:latin typeface="Pragmatica" panose="020B0403040502020204"/>
-                <a:sym typeface="Consolas"/>
-              </a:rPr>
-              <a:t> </a:t>
-            </a:r>
-          </a:p>
-        </p:txBody>
-      </p:sp>
-    </p:spTree>
-    <p:extLst>
-      <p:ext uri="{BB962C8B-B14F-4D97-AF65-F5344CB8AC3E}">
-        <p14:creationId xmlns:p14="http://schemas.microsoft.com/office/powerpoint/2010/main" val="2240521263"/>
-      </p:ext>
-    </p:extLst>
-  </p:cSld>
-  <p:clrMapOvr>
-    <a:masterClrMapping/>
-  </p:clrMapOvr>
-</p:sld>
-</file>
-
-<file path=ppt/slides/slide24.xml><?xml version="1.0" encoding="utf-8"?>
-<p:sld xmlns:a="http://schemas.openxmlformats.org/drawingml/2006/main" xmlns:r="http://schemas.openxmlformats.org/officeDocument/2006/relationships" xmlns:p="http://schemas.openxmlformats.org/presentationml/2006/main">
-  <p:cSld>
-    <p:spTree>
-      <p:nvGrpSpPr>
-        <p:cNvPr id="1" name="">
-          <a:extLst>
-            <a:ext uri="{FF2B5EF4-FFF2-40B4-BE49-F238E27FC236}">
-              <a16:creationId xmlns:a16="http://schemas.microsoft.com/office/drawing/2014/main" id="{5D488E77-04E4-08C7-1031-1F498D077B51}"/>
-            </a:ext>
-          </a:extLst>
-        </p:cNvPr>
-        <p:cNvGrpSpPr/>
-        <p:nvPr/>
-      </p:nvGrpSpPr>
-      <p:grpSpPr>
-        <a:xfrm>
-          <a:off x="0" y="0"/>
-          <a:ext cx="0" cy="0"/>
-          <a:chOff x="0" y="0"/>
-          <a:chExt cx="0" cy="0"/>
-        </a:xfrm>
-      </p:grpSpPr>
-      <p:sp>
-        <p:nvSpPr>
-          <p:cNvPr id="4" name="Rectangle 3">
-            <a:extLst>
-              <a:ext uri="{FF2B5EF4-FFF2-40B4-BE49-F238E27FC236}">
-                <a16:creationId xmlns:a16="http://schemas.microsoft.com/office/drawing/2014/main" id="{E5ABA32D-D202-8170-BD82-0F9E54BD20DE}"/>
-              </a:ext>
-            </a:extLst>
-          </p:cNvPr>
-          <p:cNvSpPr/>
-          <p:nvPr/>
-        </p:nvSpPr>
-        <p:spPr>
-          <a:xfrm>
-            <a:off x="9861630" y="0"/>
-            <a:ext cx="8426370" cy="10287000"/>
-          </a:xfrm>
-          <a:prstGeom prst="rect">
-            <a:avLst/>
-          </a:prstGeom>
-          <a:solidFill>
-            <a:srgbClr val="CF3338"/>
-          </a:solidFill>
-          <a:ln>
-            <a:noFill/>
-          </a:ln>
-        </p:spPr>
-        <p:style>
-          <a:lnRef idx="2">
-            <a:schemeClr val="accent1">
-              <a:shade val="50000"/>
-            </a:schemeClr>
-          </a:lnRef>
-          <a:fillRef idx="1">
-            <a:schemeClr val="accent1"/>
-          </a:fillRef>
-          <a:effectRef idx="0">
-            <a:schemeClr val="accent1"/>
-          </a:effectRef>
-          <a:fontRef idx="minor">
-            <a:schemeClr val="lt1"/>
-          </a:fontRef>
-        </p:style>
-        <p:txBody>
-          <a:bodyPr rtlCol="0" anchor="ctr"/>
-          <a:lstStyle/>
-          <a:p>
-            <a:pPr algn="ctr"/>
-            <a:endParaRPr lang="en-US" sz="2700"/>
-          </a:p>
-        </p:txBody>
-      </p:sp>
-      <p:pic>
-        <p:nvPicPr>
-          <p:cNvPr id="2" name="Picture 1">
-            <a:extLst>
-              <a:ext uri="{FF2B5EF4-FFF2-40B4-BE49-F238E27FC236}">
-                <a16:creationId xmlns:a16="http://schemas.microsoft.com/office/drawing/2014/main" id="{EBD18E09-E000-229F-A637-05EF0B5D1162}"/>
-              </a:ext>
-            </a:extLst>
-          </p:cNvPr>
-          <p:cNvPicPr>
-            <a:picLocks noChangeAspect="1"/>
-          </p:cNvPicPr>
-          <p:nvPr/>
-        </p:nvPicPr>
-        <p:blipFill rotWithShape="1">
-          <a:blip r:embed="rId3">
-            <a:extLst>
-              <a:ext uri="{28A0092B-C50C-407E-A947-70E740481C1C}">
-                <a14:useLocalDpi xmlns:a14="http://schemas.microsoft.com/office/drawing/2010/main" val="0"/>
-              </a:ext>
-            </a:extLst>
-          </a:blip>
-          <a:srcRect l="69227" t="33418" r="20112" b="50548"/>
-          <a:stretch/>
-        </p:blipFill>
-        <p:spPr>
-          <a:xfrm>
-            <a:off x="15579524" y="7544693"/>
-            <a:ext cx="2708477" cy="2987579"/>
-          </a:xfrm>
-          <a:prstGeom prst="rect">
-            <a:avLst/>
-          </a:prstGeom>
-        </p:spPr>
-      </p:pic>
-      <p:sp>
-        <p:nvSpPr>
-          <p:cNvPr id="3" name="TextBox 2">
-            <a:extLst>
-              <a:ext uri="{FF2B5EF4-FFF2-40B4-BE49-F238E27FC236}">
-                <a16:creationId xmlns:a16="http://schemas.microsoft.com/office/drawing/2014/main" id="{8EFCBB0D-A4EB-2FCE-A90E-3128C6AA641C}"/>
-              </a:ext>
-            </a:extLst>
-          </p:cNvPr>
-          <p:cNvSpPr txBox="1"/>
-          <p:nvPr/>
-        </p:nvSpPr>
-        <p:spPr>
-          <a:xfrm>
-            <a:off x="260431" y="329879"/>
-            <a:ext cx="8906720" cy="5200911"/>
-          </a:xfrm>
-          <a:prstGeom prst="rect">
-            <a:avLst/>
-          </a:prstGeom>
-          <a:noFill/>
-        </p:spPr>
-        <p:txBody>
-          <a:bodyPr wrap="square" rtlCol="0">
-            <a:spAutoFit/>
-          </a:bodyPr>
-          <a:lstStyle/>
-          <a:p>
-            <a:r>
-              <a:rPr lang="en-US" sz="6000" b="1" dirty="0">
-                <a:solidFill>
-                  <a:srgbClr val="CF3338"/>
-                </a:solidFill>
-                <a:latin typeface="Pragmatica" panose="020B0403040502020204" pitchFamily="34" charset="0"/>
-              </a:rPr>
-              <a:t>Resource: stringfestanalytics.com</a:t>
-            </a:r>
-          </a:p>
-          <a:p>
-            <a:endParaRPr lang="en-US" sz="6000" b="1" dirty="0">
-              <a:solidFill>
-                <a:srgbClr val="CF3338"/>
-              </a:solidFill>
-              <a:latin typeface="Pragmatica" panose="020B0403040502020204" pitchFamily="34" charset="0"/>
-            </a:endParaRPr>
-          </a:p>
-          <a:p>
-            <a:pPr marL="714375" indent="-571500">
-              <a:lnSpc>
-                <a:spcPct val="115000"/>
-              </a:lnSpc>
-              <a:spcBef>
-                <a:spcPts val="1125"/>
-              </a:spcBef>
-              <a:buClr>
-                <a:srgbClr val="C00000"/>
-              </a:buClr>
-              <a:buSzPts val="2100"/>
-              <a:buFont typeface="Arial" panose="020B0604020202020204" pitchFamily="34" charset="0"/>
-              <a:buChar char="•"/>
-            </a:pPr>
-            <a:r>
-              <a:rPr lang="en-US" sz="3600" dirty="0">
-                <a:solidFill>
-                  <a:srgbClr val="C00000"/>
-                </a:solidFill>
-                <a:latin typeface="Pragmatica" panose="020B0403040502020204"/>
-                <a:sym typeface="Consolas"/>
-              </a:rPr>
-              <a:t>Subscribe for updates &amp; access to my data analytics learning resource library</a:t>
-            </a:r>
-          </a:p>
-          <a:p>
-            <a:endParaRPr lang="en-US" sz="6000" dirty="0">
-              <a:solidFill>
-                <a:srgbClr val="CF3338"/>
-              </a:solidFill>
-              <a:latin typeface="Pragmatica" panose="020B0403040502020204" pitchFamily="34" charset="0"/>
-            </a:endParaRPr>
-          </a:p>
-        </p:txBody>
-      </p:sp>
-    </p:spTree>
-    <p:extLst>
-      <p:ext uri="{BB962C8B-B14F-4D97-AF65-F5344CB8AC3E}">
-        <p14:creationId xmlns:p14="http://schemas.microsoft.com/office/powerpoint/2010/main" val="1994395854"/>
-      </p:ext>
-    </p:extLst>
-  </p:cSld>
-  <p:clrMapOvr>
-    <a:masterClrMapping/>
-  </p:clrMapOvr>
-</p:sld>
-</file>
-
-<file path=ppt/slides/slide25.xml><?xml version="1.0" encoding="utf-8"?>
-<p:sld xmlns:a="http://schemas.openxmlformats.org/drawingml/2006/main" xmlns:r="http://schemas.openxmlformats.org/officeDocument/2006/relationships" xmlns:p="http://schemas.openxmlformats.org/presentationml/2006/main">
-  <p:cSld>
-    <p:spTree>
-      <p:nvGrpSpPr>
-        <p:cNvPr id="1" name="">
-          <a:extLst>
-            <a:ext uri="{FF2B5EF4-FFF2-40B4-BE49-F238E27FC236}">
-              <a16:creationId xmlns:a16="http://schemas.microsoft.com/office/drawing/2014/main" id="{813E0308-A988-5B2F-745F-7798090692A9}"/>
-            </a:ext>
-          </a:extLst>
-        </p:cNvPr>
-        <p:cNvGrpSpPr/>
-        <p:nvPr/>
-      </p:nvGrpSpPr>
-      <p:grpSpPr>
-        <a:xfrm>
-          <a:off x="0" y="0"/>
-          <a:ext cx="0" cy="0"/>
-          <a:chOff x="0" y="0"/>
-          <a:chExt cx="0" cy="0"/>
-        </a:xfrm>
-      </p:grpSpPr>
-      <p:sp>
-        <p:nvSpPr>
-          <p:cNvPr id="4" name="Rectangle 3">
-            <a:extLst>
-              <a:ext uri="{FF2B5EF4-FFF2-40B4-BE49-F238E27FC236}">
-                <a16:creationId xmlns:a16="http://schemas.microsoft.com/office/drawing/2014/main" id="{609E5FDC-46D9-36A3-F755-5479309F8DB5}"/>
-              </a:ext>
-            </a:extLst>
-          </p:cNvPr>
-          <p:cNvSpPr/>
-          <p:nvPr/>
-        </p:nvSpPr>
-        <p:spPr>
-          <a:xfrm>
-            <a:off x="12954000" y="0"/>
-            <a:ext cx="5334000" cy="10287000"/>
-          </a:xfrm>
-          <a:prstGeom prst="rect">
-            <a:avLst/>
-          </a:prstGeom>
-          <a:solidFill>
-            <a:srgbClr val="CF3338"/>
-          </a:solidFill>
-          <a:ln>
-            <a:noFill/>
-          </a:ln>
-        </p:spPr>
-        <p:style>
-          <a:lnRef idx="2">
-            <a:schemeClr val="accent1">
-              <a:shade val="50000"/>
-            </a:schemeClr>
-          </a:lnRef>
-          <a:fillRef idx="1">
-            <a:schemeClr val="accent1"/>
-          </a:fillRef>
-          <a:effectRef idx="0">
-            <a:schemeClr val="accent1"/>
-          </a:effectRef>
-          <a:fontRef idx="minor">
-            <a:schemeClr val="lt1"/>
-          </a:fontRef>
-        </p:style>
-        <p:txBody>
-          <a:bodyPr rtlCol="0" anchor="ctr"/>
-          <a:lstStyle/>
-          <a:p>
-            <a:pPr algn="ctr"/>
-            <a:endParaRPr lang="en-US" sz="2700"/>
-          </a:p>
-        </p:txBody>
-      </p:sp>
-      <p:pic>
-        <p:nvPicPr>
-          <p:cNvPr id="2" name="Picture 1">
-            <a:extLst>
-              <a:ext uri="{FF2B5EF4-FFF2-40B4-BE49-F238E27FC236}">
-                <a16:creationId xmlns:a16="http://schemas.microsoft.com/office/drawing/2014/main" id="{75AEBE06-37BD-F556-8EE3-6C7B58AC4666}"/>
-              </a:ext>
-            </a:extLst>
-          </p:cNvPr>
-          <p:cNvPicPr>
-            <a:picLocks noChangeAspect="1"/>
-          </p:cNvPicPr>
-          <p:nvPr/>
-        </p:nvPicPr>
-        <p:blipFill rotWithShape="1">
-          <a:blip r:embed="rId3">
-            <a:extLst>
-              <a:ext uri="{28A0092B-C50C-407E-A947-70E740481C1C}">
-                <a14:useLocalDpi xmlns:a14="http://schemas.microsoft.com/office/drawing/2010/main" val="0"/>
-              </a:ext>
-            </a:extLst>
-          </a:blip>
-          <a:srcRect l="69227" t="33418" r="20112" b="50548"/>
-          <a:stretch/>
-        </p:blipFill>
-        <p:spPr>
-          <a:xfrm>
-            <a:off x="15579524" y="7544693"/>
-            <a:ext cx="2708477" cy="2987579"/>
-          </a:xfrm>
-          <a:prstGeom prst="rect">
-            <a:avLst/>
-          </a:prstGeom>
-        </p:spPr>
-      </p:pic>
-      <p:sp>
-        <p:nvSpPr>
-          <p:cNvPr id="3" name="TextBox 2">
-            <a:extLst>
-              <a:ext uri="{FF2B5EF4-FFF2-40B4-BE49-F238E27FC236}">
-                <a16:creationId xmlns:a16="http://schemas.microsoft.com/office/drawing/2014/main" id="{DEDED8E3-EB0A-38EF-7F97-D7875122C9BD}"/>
-              </a:ext>
-            </a:extLst>
-          </p:cNvPr>
-          <p:cNvSpPr txBox="1"/>
-          <p:nvPr/>
-        </p:nvSpPr>
-        <p:spPr>
-          <a:xfrm>
-            <a:off x="260430" y="329879"/>
-            <a:ext cx="12464969" cy="9255226"/>
-          </a:xfrm>
-          <a:prstGeom prst="rect">
-            <a:avLst/>
-          </a:prstGeom>
-          <a:noFill/>
-        </p:spPr>
-        <p:txBody>
-          <a:bodyPr wrap="square" rtlCol="0">
-            <a:spAutoFit/>
-          </a:bodyPr>
-          <a:lstStyle/>
-          <a:p>
-            <a:r>
-              <a:rPr lang="en-US" sz="6000" b="1" dirty="0">
-                <a:solidFill>
-                  <a:srgbClr val="CF3338"/>
-                </a:solidFill>
-                <a:latin typeface="Pragmatica" panose="020B0403040502020204" pitchFamily="34" charset="0"/>
-              </a:rPr>
-              <a:t>Exercises</a:t>
-            </a:r>
-          </a:p>
-          <a:p>
-            <a:pPr marL="142875">
-              <a:lnSpc>
-                <a:spcPct val="115000"/>
-              </a:lnSpc>
-              <a:spcBef>
-                <a:spcPts val="1125"/>
-              </a:spcBef>
-              <a:buClr>
-                <a:srgbClr val="C00000"/>
-              </a:buClr>
-              <a:buSzPts val="2100"/>
-            </a:pPr>
-            <a:r>
-              <a:rPr lang="en-US" sz="3600" dirty="0">
-                <a:solidFill>
-                  <a:srgbClr val="C00000"/>
-                </a:solidFill>
-                <a:latin typeface="Pragmatica" panose="020B0403040502020204"/>
-                <a:sym typeface="Consolas"/>
-              </a:rPr>
-              <a:t>Use Record Actions to:</a:t>
-            </a:r>
-          </a:p>
-          <a:p>
-            <a:pPr marL="714375" indent="-571500">
-              <a:lnSpc>
-                <a:spcPct val="115000"/>
-              </a:lnSpc>
-              <a:spcBef>
-                <a:spcPts val="1125"/>
-              </a:spcBef>
-              <a:buClr>
-                <a:srgbClr val="C00000"/>
-              </a:buClr>
-              <a:buSzPts val="2100"/>
-              <a:buFont typeface="Arial" panose="020B0604020202020204" pitchFamily="34" charset="0"/>
-              <a:buChar char="•"/>
-            </a:pPr>
-            <a:r>
-              <a:rPr lang="en-US" sz="3600" dirty="0">
-                <a:solidFill>
-                  <a:srgbClr val="C00000"/>
-                </a:solidFill>
-                <a:latin typeface="Pragmatica" panose="020B0403040502020204"/>
-                <a:sym typeface="Consolas"/>
-              </a:rPr>
-              <a:t>  Format cells D4-D8 as dates (fixing the serial numbers)</a:t>
-            </a:r>
-          </a:p>
-          <a:p>
-            <a:pPr marL="714375" indent="-571500">
-              <a:lnSpc>
-                <a:spcPct val="115000"/>
-              </a:lnSpc>
-              <a:spcBef>
-                <a:spcPts val="1125"/>
-              </a:spcBef>
-              <a:buClr>
-                <a:srgbClr val="C00000"/>
-              </a:buClr>
-              <a:buSzPts val="2100"/>
-              <a:buFont typeface="Arial" panose="020B0604020202020204" pitchFamily="34" charset="0"/>
-              <a:buChar char="•"/>
-            </a:pPr>
-            <a:r>
-              <a:rPr lang="en-US" sz="3600" dirty="0">
-                <a:solidFill>
-                  <a:srgbClr val="C00000"/>
-                </a:solidFill>
-                <a:latin typeface="Pragmatica" panose="020B0403040502020204"/>
-                <a:sym typeface="Consolas"/>
-              </a:rPr>
-              <a:t>  Sum hours worked in cells C4-C8 and display the total in B1</a:t>
-            </a:r>
-          </a:p>
-          <a:p>
-            <a:pPr marL="714375" indent="-571500">
-              <a:lnSpc>
-                <a:spcPct val="115000"/>
-              </a:lnSpc>
-              <a:spcBef>
-                <a:spcPts val="1125"/>
-              </a:spcBef>
-              <a:buClr>
-                <a:srgbClr val="C00000"/>
-              </a:buClr>
-              <a:buSzPts val="2100"/>
-              <a:buFont typeface="Arial" panose="020B0604020202020204" pitchFamily="34" charset="0"/>
-              <a:buChar char="•"/>
-            </a:pPr>
-            <a:r>
-              <a:rPr lang="en-US" sz="3600" dirty="0">
-                <a:solidFill>
-                  <a:srgbClr val="C00000"/>
-                </a:solidFill>
-                <a:latin typeface="Pragmatica" panose="020B0403040502020204"/>
-                <a:sym typeface="Consolas"/>
-              </a:rPr>
-              <a:t>  Add color to header cells A3-D3</a:t>
-            </a:r>
-          </a:p>
-          <a:p>
-            <a:pPr marL="714375" indent="-571500">
-              <a:lnSpc>
-                <a:spcPct val="115000"/>
-              </a:lnSpc>
-              <a:spcBef>
-                <a:spcPts val="1125"/>
-              </a:spcBef>
-              <a:buClr>
-                <a:srgbClr val="C00000"/>
-              </a:buClr>
-              <a:buSzPts val="2100"/>
-              <a:buFont typeface="Arial" panose="020B0604020202020204" pitchFamily="34" charset="0"/>
-              <a:buChar char="•"/>
-            </a:pPr>
-            <a:endParaRPr lang="en-US" sz="3600" dirty="0">
-              <a:solidFill>
-                <a:srgbClr val="C00000"/>
-              </a:solidFill>
-              <a:latin typeface="Pragmatica" panose="020B0403040502020204"/>
-              <a:sym typeface="Consolas"/>
-            </a:endParaRPr>
-          </a:p>
-          <a:p>
-            <a:pPr marL="142875">
-              <a:lnSpc>
-                <a:spcPct val="115000"/>
-              </a:lnSpc>
-              <a:spcBef>
-                <a:spcPts val="1125"/>
-              </a:spcBef>
-              <a:buClr>
-                <a:srgbClr val="C00000"/>
-              </a:buClr>
-              <a:buSzPts val="2100"/>
-            </a:pPr>
-            <a:r>
-              <a:rPr lang="en-US" sz="3600" dirty="0">
-                <a:solidFill>
-                  <a:srgbClr val="C00000"/>
-                </a:solidFill>
-                <a:latin typeface="Pragmatica" panose="020B0403040502020204"/>
-                <a:sym typeface="Consolas"/>
-              </a:rPr>
-              <a:t>Enhance the script by:</a:t>
-            </a:r>
-          </a:p>
-          <a:p>
-            <a:pPr marL="714375" indent="-571500">
-              <a:lnSpc>
-                <a:spcPct val="115000"/>
-              </a:lnSpc>
-              <a:spcBef>
-                <a:spcPts val="1125"/>
-              </a:spcBef>
-              <a:buClr>
-                <a:srgbClr val="C00000"/>
-              </a:buClr>
-              <a:buSzPts val="2100"/>
-              <a:buFont typeface="Arial" panose="020B0604020202020204" pitchFamily="34" charset="0"/>
-              <a:buChar char="•"/>
-            </a:pPr>
-            <a:r>
-              <a:rPr lang="en-US" sz="3600" dirty="0">
-                <a:solidFill>
-                  <a:srgbClr val="C00000"/>
-                </a:solidFill>
-                <a:latin typeface="Pragmatica" panose="020B0403040502020204"/>
-                <a:sym typeface="Consolas"/>
-              </a:rPr>
-              <a:t>Modifying it to include a user form that asks the user to select the header color</a:t>
-            </a:r>
-          </a:p>
-          <a:p>
-            <a:pPr marL="714375" indent="-571500">
-              <a:lnSpc>
-                <a:spcPct val="115000"/>
-              </a:lnSpc>
-              <a:spcBef>
-                <a:spcPts val="1125"/>
-              </a:spcBef>
-              <a:buClr>
-                <a:srgbClr val="C00000"/>
-              </a:buClr>
-              <a:buSzPts val="2100"/>
-              <a:buFont typeface="Arial" panose="020B0604020202020204" pitchFamily="34" charset="0"/>
-              <a:buChar char="•"/>
-            </a:pPr>
-            <a:r>
-              <a:rPr lang="en-US" sz="3600" dirty="0">
-                <a:solidFill>
-                  <a:srgbClr val="C00000"/>
-                </a:solidFill>
-                <a:latin typeface="Pragmatica" panose="020B0403040502020204"/>
-                <a:sym typeface="Consolas"/>
-              </a:rPr>
-              <a:t>Use a variable in the `main` function to apply the user’s chosen color to the headers</a:t>
-            </a:r>
-          </a:p>
-          <a:p>
-            <a:pPr marL="142875">
-              <a:lnSpc>
-                <a:spcPct val="115000"/>
-              </a:lnSpc>
-              <a:spcBef>
-                <a:spcPts val="1125"/>
-              </a:spcBef>
-              <a:buClr>
-                <a:srgbClr val="C00000"/>
-              </a:buClr>
-              <a:buSzPts val="2100"/>
-            </a:pPr>
-            <a:r>
-              <a:rPr lang="en-US" sz="3600" dirty="0">
-                <a:solidFill>
-                  <a:srgbClr val="C00000"/>
-                </a:solidFill>
-                <a:latin typeface="Pragmatica" panose="020B0403040502020204"/>
-                <a:sym typeface="Consolas"/>
-              </a:rPr>
-              <a:t>File: </a:t>
-            </a:r>
-            <a:r>
-              <a:rPr lang="en-US" sz="3600" dirty="0">
-                <a:solidFill>
-                  <a:srgbClr val="C00000"/>
-                </a:solidFill>
-                <a:latin typeface="Consolas" panose="020B0609020204030204" pitchFamily="49" charset="0"/>
-                <a:sym typeface="Consolas"/>
-              </a:rPr>
-              <a:t>01-challenge.xlsx</a:t>
-            </a:r>
-          </a:p>
-        </p:txBody>
-      </p:sp>
-    </p:spTree>
-    <p:extLst>
-      <p:ext uri="{BB962C8B-B14F-4D97-AF65-F5344CB8AC3E}">
-        <p14:creationId xmlns:p14="http://schemas.microsoft.com/office/powerpoint/2010/main" val="2314594254"/>
-      </p:ext>
-    </p:extLst>
-  </p:cSld>
-  <p:clrMapOvr>
-    <a:masterClrMapping/>
-  </p:clrMapOvr>
-</p:sld>
-</file>
-
-<file path=ppt/slides/slide26.xml><?xml version="1.0" encoding="utf-8"?>
-<p:sld xmlns:a="http://schemas.openxmlformats.org/drawingml/2006/main" xmlns:r="http://schemas.openxmlformats.org/officeDocument/2006/relationships" xmlns:p="http://schemas.openxmlformats.org/presentationml/2006/main">
-  <p:cSld>
-    <p:spTree>
-      <p:nvGrpSpPr>
-        <p:cNvPr id="1" name="">
-          <a:extLst>
-            <a:ext uri="{FF2B5EF4-FFF2-40B4-BE49-F238E27FC236}">
-              <a16:creationId xmlns:a16="http://schemas.microsoft.com/office/drawing/2014/main" id="{58F6F957-60CB-8191-41F3-5D5A5B461E5B}"/>
-            </a:ext>
-          </a:extLst>
-        </p:cNvPr>
-        <p:cNvGrpSpPr/>
-        <p:nvPr/>
-      </p:nvGrpSpPr>
-      <p:grpSpPr>
-        <a:xfrm>
-          <a:off x="0" y="0"/>
-          <a:ext cx="0" cy="0"/>
-          <a:chOff x="0" y="0"/>
-          <a:chExt cx="0" cy="0"/>
-        </a:xfrm>
-      </p:grpSpPr>
-      <p:pic>
-        <p:nvPicPr>
-          <p:cNvPr id="10" name="Picture 9">
-            <a:extLst>
-              <a:ext uri="{FF2B5EF4-FFF2-40B4-BE49-F238E27FC236}">
-                <a16:creationId xmlns:a16="http://schemas.microsoft.com/office/drawing/2014/main" id="{51DFDDDA-45AD-2561-EC7C-E02DF8D8CA48}"/>
-              </a:ext>
-            </a:extLst>
-          </p:cNvPr>
-          <p:cNvPicPr>
-            <a:picLocks noChangeAspect="1"/>
-          </p:cNvPicPr>
-          <p:nvPr/>
-        </p:nvPicPr>
-        <p:blipFill rotWithShape="1">
-          <a:blip r:embed="rId2">
-            <a:extLst>
-              <a:ext uri="{28A0092B-C50C-407E-A947-70E740481C1C}">
-                <a14:useLocalDpi xmlns:a14="http://schemas.microsoft.com/office/drawing/2010/main" val="0"/>
-              </a:ext>
-            </a:extLst>
-          </a:blip>
-          <a:srcRect l="50728" t="56371"/>
-          <a:stretch/>
-        </p:blipFill>
-        <p:spPr>
-          <a:xfrm>
-            <a:off x="12204691" y="3316148"/>
-            <a:ext cx="6083309" cy="6970854"/>
-          </a:xfrm>
-          <a:prstGeom prst="rect">
-            <a:avLst/>
-          </a:prstGeom>
-        </p:spPr>
-      </p:pic>
-      <p:pic>
-        <p:nvPicPr>
-          <p:cNvPr id="4" name="Picture 3">
-            <a:extLst>
-              <a:ext uri="{FF2B5EF4-FFF2-40B4-BE49-F238E27FC236}">
-                <a16:creationId xmlns:a16="http://schemas.microsoft.com/office/drawing/2014/main" id="{BE5C59FB-04F2-3B28-7F17-0F7E0A047192}"/>
-              </a:ext>
-            </a:extLst>
-          </p:cNvPr>
-          <p:cNvPicPr>
-            <a:picLocks noChangeAspect="1"/>
-          </p:cNvPicPr>
-          <p:nvPr/>
-        </p:nvPicPr>
-        <p:blipFill>
-          <a:blip r:embed="rId3">
-            <a:extLst>
-              <a:ext uri="{28A0092B-C50C-407E-A947-70E740481C1C}">
-                <a14:useLocalDpi xmlns:a14="http://schemas.microsoft.com/office/drawing/2010/main" val="0"/>
-              </a:ext>
-            </a:extLst>
-          </a:blip>
-          <a:stretch>
-            <a:fillRect/>
-          </a:stretch>
-        </p:blipFill>
-        <p:spPr>
-          <a:xfrm>
-            <a:off x="-807744" y="-3724155"/>
-            <a:ext cx="15257208" cy="11189825"/>
-          </a:xfrm>
-          <a:prstGeom prst="rect">
-            <a:avLst/>
-          </a:prstGeom>
-        </p:spPr>
-      </p:pic>
-      <p:sp>
-        <p:nvSpPr>
-          <p:cNvPr id="11" name="TextBox 10">
-            <a:extLst>
-              <a:ext uri="{FF2B5EF4-FFF2-40B4-BE49-F238E27FC236}">
-                <a16:creationId xmlns:a16="http://schemas.microsoft.com/office/drawing/2014/main" id="{50257892-F996-E0ED-3EFE-0F0F74E1C653}"/>
-              </a:ext>
-            </a:extLst>
-          </p:cNvPr>
-          <p:cNvSpPr txBox="1"/>
-          <p:nvPr/>
-        </p:nvSpPr>
-        <p:spPr>
-          <a:xfrm>
-            <a:off x="486137" y="2531318"/>
-            <a:ext cx="11979797" cy="923330"/>
-          </a:xfrm>
-          <a:prstGeom prst="rect">
-            <a:avLst/>
-          </a:prstGeom>
-          <a:noFill/>
-        </p:spPr>
-        <p:txBody>
-          <a:bodyPr wrap="square" rtlCol="0">
-            <a:spAutoFit/>
-          </a:bodyPr>
-          <a:lstStyle/>
-          <a:p>
-            <a:r>
-              <a:rPr lang="en-US" sz="5400" b="1" dirty="0">
-                <a:solidFill>
-                  <a:srgbClr val="CF3338"/>
-                </a:solidFill>
-                <a:latin typeface="Pragmatica" panose="020B0403040502020204" pitchFamily="34" charset="0"/>
-              </a:rPr>
-              <a:t>Questions?</a:t>
-            </a:r>
-          </a:p>
-        </p:txBody>
-      </p:sp>
-      <p:pic>
-        <p:nvPicPr>
-          <p:cNvPr id="5" name="Picture 4">
-            <a:extLst>
-              <a:ext uri="{FF2B5EF4-FFF2-40B4-BE49-F238E27FC236}">
-                <a16:creationId xmlns:a16="http://schemas.microsoft.com/office/drawing/2014/main" id="{8AAA72DC-BEC7-C8D0-A47C-E2E5A4FF2478}"/>
-              </a:ext>
-            </a:extLst>
-          </p:cNvPr>
-          <p:cNvPicPr>
-            <a:picLocks noChangeAspect="1"/>
-          </p:cNvPicPr>
-          <p:nvPr/>
-        </p:nvPicPr>
-        <p:blipFill>
-          <a:blip r:embed="rId4">
-            <a:extLst>
-              <a:ext uri="{28A0092B-C50C-407E-A947-70E740481C1C}">
-                <a14:useLocalDpi xmlns:a14="http://schemas.microsoft.com/office/drawing/2010/main" val="0"/>
-              </a:ext>
-            </a:extLst>
-          </a:blip>
-          <a:srcRect/>
-          <a:stretch/>
-        </p:blipFill>
-        <p:spPr>
-          <a:xfrm>
-            <a:off x="12204691" y="3317239"/>
-            <a:ext cx="6083309" cy="6968672"/>
-          </a:xfrm>
-          <a:prstGeom prst="rect">
-            <a:avLst/>
-          </a:prstGeom>
-        </p:spPr>
-      </p:pic>
-    </p:spTree>
-    <p:extLst>
-      <p:ext uri="{BB962C8B-B14F-4D97-AF65-F5344CB8AC3E}">
-        <p14:creationId xmlns:p14="http://schemas.microsoft.com/office/powerpoint/2010/main" val="1653137734"/>
-      </p:ext>
-    </p:extLst>
-  </p:cSld>
-  <p:clrMapOvr>
-    <a:masterClrMapping/>
-  </p:clrMapOvr>
-</p:sld>
-</file>
-
-<file path=ppt/slides/slide27.xml><?xml version="1.0" encoding="utf-8"?>
-<p:sld xmlns:a="http://schemas.openxmlformats.org/drawingml/2006/main" xmlns:r="http://schemas.openxmlformats.org/officeDocument/2006/relationships" xmlns:p="http://schemas.openxmlformats.org/presentationml/2006/main">
-  <p:cSld>
-    <p:spTree>
-      <p:nvGrpSpPr>
-        <p:cNvPr id="1" name="">
-          <a:extLst>
-            <a:ext uri="{FF2B5EF4-FFF2-40B4-BE49-F238E27FC236}">
-              <a16:creationId xmlns:a16="http://schemas.microsoft.com/office/drawing/2014/main" id="{E85323C9-D5F7-C820-78B9-E169BDF2311C}"/>
-            </a:ext>
-          </a:extLst>
-        </p:cNvPr>
-        <p:cNvGrpSpPr/>
-        <p:nvPr/>
-      </p:nvGrpSpPr>
-      <p:grpSpPr>
-        <a:xfrm>
-          <a:off x="0" y="0"/>
-          <a:ext cx="0" cy="0"/>
-          <a:chOff x="0" y="0"/>
-          <a:chExt cx="0" cy="0"/>
-        </a:xfrm>
-      </p:grpSpPr>
-      <p:sp>
-        <p:nvSpPr>
-          <p:cNvPr id="4" name="Rectangle 3">
-            <a:extLst>
-              <a:ext uri="{FF2B5EF4-FFF2-40B4-BE49-F238E27FC236}">
-                <a16:creationId xmlns:a16="http://schemas.microsoft.com/office/drawing/2014/main" id="{28971779-1F50-1702-DEC1-87CD482189F0}"/>
-              </a:ext>
-            </a:extLst>
-          </p:cNvPr>
-          <p:cNvSpPr/>
-          <p:nvPr/>
-        </p:nvSpPr>
-        <p:spPr>
-          <a:xfrm>
-            <a:off x="0" y="0"/>
-            <a:ext cx="18288000" cy="10287000"/>
-          </a:xfrm>
-          <a:prstGeom prst="rect">
-            <a:avLst/>
-          </a:prstGeom>
-          <a:solidFill>
-            <a:srgbClr val="CF3338"/>
-          </a:solidFill>
-          <a:ln>
-            <a:noFill/>
-          </a:ln>
-        </p:spPr>
-        <p:style>
-          <a:lnRef idx="2">
-            <a:schemeClr val="accent1">
-              <a:shade val="50000"/>
-            </a:schemeClr>
-          </a:lnRef>
-          <a:fillRef idx="1">
-            <a:schemeClr val="accent1"/>
-          </a:fillRef>
-          <a:effectRef idx="0">
-            <a:schemeClr val="accent1"/>
-          </a:effectRef>
-          <a:fontRef idx="minor">
-            <a:schemeClr val="lt1"/>
-          </a:fontRef>
-        </p:style>
-        <p:txBody>
-          <a:bodyPr rtlCol="0" anchor="ctr"/>
-          <a:lstStyle/>
-          <a:p>
-            <a:pPr algn="ctr"/>
-            <a:endParaRPr lang="en-US" sz="2700"/>
-          </a:p>
-        </p:txBody>
-      </p:sp>
-      <p:sp>
-        <p:nvSpPr>
-          <p:cNvPr id="5" name="TextBox 4">
-            <a:extLst>
-              <a:ext uri="{FF2B5EF4-FFF2-40B4-BE49-F238E27FC236}">
                 <a16:creationId xmlns:a16="http://schemas.microsoft.com/office/drawing/2014/main" id="{5ECC4C7B-C529-5329-03AC-796804551DC1}"/>
               </a:ext>
             </a:extLst>
@@ -10486,7 +9276,7 @@
                 </a:solidFill>
                 <a:latin typeface="Pragmatica" panose="020B0403040502020204" pitchFamily="34" charset="0"/>
               </a:rPr>
-              <a:t>Understand how Power Automate enhances Excel tasks and automation capabilities</a:t>
+              <a:t>Master data structuring with Markdown and Power Query for AI analysis.</a:t>
             </a:r>
           </a:p>
           <a:p>
@@ -10504,7 +9294,7 @@
                 </a:solidFill>
                 <a:latin typeface="Pragmatica" panose="020B0403040502020204" pitchFamily="34" charset="0"/>
               </a:rPr>
-              <a:t>Build, customize, and troubleshoot Power Automate workflows for Excel</a:t>
+              <a:t>Select suitable AI tools and craft prompts for enhanced data visualization.</a:t>
             </a:r>
           </a:p>
           <a:p>
@@ -10522,7 +9312,7 @@
                 </a:solidFill>
                 <a:latin typeface="Pragmatica" panose="020B0403040502020204" pitchFamily="34" charset="0"/>
               </a:rPr>
-              <a:t>Automate repetitive tasks, integrate conditional logic, and extract data into Excel</a:t>
+              <a:t>Integrate AI tools into Excel, improving productivity and error management.</a:t>
             </a:r>
           </a:p>
           <a:p>
@@ -10540,25 +9330,7 @@
                 </a:solidFill>
                 <a:latin typeface="Pragmatica" panose="020B0403040502020204" pitchFamily="34" charset="0"/>
               </a:rPr>
-              <a:t>Gain insights into Power </a:t>
-            </a:r>
-            <a:r>
-              <a:rPr lang="en-US" sz="4200" dirty="0" err="1">
-                <a:solidFill>
-                  <a:srgbClr val="707070"/>
-                </a:solidFill>
-                <a:latin typeface="Pragmatica" panose="020B0403040502020204" pitchFamily="34" charset="0"/>
-              </a:rPr>
-              <a:t>Automate's</a:t>
-            </a:r>
-            <a:r>
-              <a:rPr lang="en-US" sz="4200" dirty="0">
-                <a:solidFill>
-                  <a:srgbClr val="707070"/>
-                </a:solidFill>
-                <a:latin typeface="Pragmatica" panose="020B0403040502020204" pitchFamily="34" charset="0"/>
-              </a:rPr>
-              <a:t> role within the Power Platform for further professional growth</a:t>
+              <a:t>Engage in hands-on challenges to optimize and troubleshoot generative AI tasks for Excel. </a:t>
             </a:r>
           </a:p>
         </p:txBody>
@@ -10617,230 +9389,6 @@
   <p:cSld>
     <p:spTree>
       <p:nvGrpSpPr>
-        <p:cNvPr id="1" name="">
-          <a:extLst>
-            <a:ext uri="{FF2B5EF4-FFF2-40B4-BE49-F238E27FC236}">
-              <a16:creationId xmlns:a16="http://schemas.microsoft.com/office/drawing/2014/main" id="{697E5B28-E999-E4C9-EE02-190DC5195B02}"/>
-            </a:ext>
-          </a:extLst>
-        </p:cNvPr>
-        <p:cNvGrpSpPr/>
-        <p:nvPr/>
-      </p:nvGrpSpPr>
-      <p:grpSpPr>
-        <a:xfrm>
-          <a:off x="0" y="0"/>
-          <a:ext cx="0" cy="0"/>
-          <a:chOff x="0" y="0"/>
-          <a:chExt cx="0" cy="0"/>
-        </a:xfrm>
-      </p:grpSpPr>
-      <p:sp>
-        <p:nvSpPr>
-          <p:cNvPr id="11" name="TextBox 10">
-            <a:extLst>
-              <a:ext uri="{FF2B5EF4-FFF2-40B4-BE49-F238E27FC236}">
-                <a16:creationId xmlns:a16="http://schemas.microsoft.com/office/drawing/2014/main" id="{E0D62066-20E6-099B-56A3-7AD6C4DD4944}"/>
-              </a:ext>
-            </a:extLst>
-          </p:cNvPr>
-          <p:cNvSpPr txBox="1"/>
-          <p:nvPr/>
-        </p:nvSpPr>
-        <p:spPr>
-          <a:xfrm>
-            <a:off x="520861" y="170082"/>
-            <a:ext cx="14642939" cy="1477328"/>
-          </a:xfrm>
-          <a:prstGeom prst="rect">
-            <a:avLst/>
-          </a:prstGeom>
-          <a:noFill/>
-        </p:spPr>
-        <p:txBody>
-          <a:bodyPr wrap="square" rtlCol="0">
-            <a:spAutoFit/>
-          </a:bodyPr>
-          <a:lstStyle/>
-          <a:p>
-            <a:r>
-              <a:rPr lang="en-US" sz="9000" dirty="0">
-                <a:latin typeface="Aliens &amp; cows" panose="00000500000000000000" pitchFamily="2" charset="0"/>
-              </a:rPr>
-              <a:t>Power Automate availability</a:t>
-            </a:r>
-          </a:p>
-        </p:txBody>
-      </p:sp>
-      <p:sp>
-        <p:nvSpPr>
-          <p:cNvPr id="3" name="TextBox 2">
-            <a:extLst>
-              <a:ext uri="{FF2B5EF4-FFF2-40B4-BE49-F238E27FC236}">
-                <a16:creationId xmlns:a16="http://schemas.microsoft.com/office/drawing/2014/main" id="{7D17241E-EF14-E952-C4E0-0D0F6D522102}"/>
-              </a:ext>
-            </a:extLst>
-          </p:cNvPr>
-          <p:cNvSpPr txBox="1"/>
-          <p:nvPr/>
-        </p:nvSpPr>
-        <p:spPr>
-          <a:xfrm>
-            <a:off x="520861" y="3191948"/>
-            <a:ext cx="14393120" cy="3323987"/>
-          </a:xfrm>
-          <a:prstGeom prst="rect">
-            <a:avLst/>
-          </a:prstGeom>
-          <a:noFill/>
-        </p:spPr>
-        <p:txBody>
-          <a:bodyPr wrap="square" rtlCol="0">
-            <a:spAutoFit/>
-          </a:bodyPr>
-          <a:lstStyle/>
-          <a:p>
-            <a:pPr marL="685800" indent="-685800">
-              <a:buClr>
-                <a:srgbClr val="CF3338"/>
-              </a:buClr>
-              <a:buFont typeface="Arial" panose="020B0604020202020204" pitchFamily="34" charset="0"/>
-              <a:buChar char="•"/>
-            </a:pPr>
-            <a:r>
-              <a:rPr lang="en-US" sz="4200" dirty="0">
-                <a:solidFill>
-                  <a:srgbClr val="707070"/>
-                </a:solidFill>
-                <a:latin typeface="Pragmatica" panose="020B0403040502020204" pitchFamily="34" charset="0"/>
-              </a:rPr>
-              <a:t>Power Apps Developer Plan: </a:t>
-            </a:r>
-            <a:r>
-              <a:rPr lang="en-US" sz="4200" dirty="0">
-                <a:solidFill>
-                  <a:srgbClr val="707070"/>
-                </a:solidFill>
-                <a:latin typeface="Pragmatica" panose="020B0403040502020204" pitchFamily="34" charset="0"/>
-                <a:hlinkClick r:id="rId2"/>
-              </a:rPr>
-              <a:t>https://www.microsoft.com/en-us/power-platform/products/power-apps/free</a:t>
-            </a:r>
-            <a:r>
-              <a:rPr lang="en-US" sz="4200" dirty="0">
-                <a:solidFill>
-                  <a:srgbClr val="707070"/>
-                </a:solidFill>
-                <a:latin typeface="Pragmatica" panose="020B0403040502020204" pitchFamily="34" charset="0"/>
-              </a:rPr>
-              <a:t> </a:t>
-            </a:r>
-          </a:p>
-          <a:p>
-            <a:pPr marL="685800" indent="-685800">
-              <a:buClr>
-                <a:srgbClr val="CF3338"/>
-              </a:buClr>
-              <a:buFont typeface="Arial" panose="020B0604020202020204" pitchFamily="34" charset="0"/>
-              <a:buChar char="•"/>
-            </a:pPr>
-            <a:r>
-              <a:rPr lang="en-US" sz="4200" dirty="0">
-                <a:solidFill>
-                  <a:srgbClr val="707070"/>
-                </a:solidFill>
-                <a:latin typeface="Pragmatica" panose="020B0403040502020204" pitchFamily="34" charset="0"/>
-              </a:rPr>
-              <a:t>Office Scripts: Please see </a:t>
-            </a:r>
-            <a:r>
-              <a:rPr lang="en-US" sz="4200" dirty="0">
-                <a:solidFill>
-                  <a:srgbClr val="707070"/>
-                </a:solidFill>
-                <a:latin typeface="Pragmatica" panose="020B0403040502020204" pitchFamily="34" charset="0"/>
-                <a:hlinkClick r:id="rId3"/>
-              </a:rPr>
-              <a:t>https://learn.microsoft.com/en-us/office/dev/scripts/testing/platform-limits?tabs=business</a:t>
-            </a:r>
-            <a:endParaRPr lang="en-US" sz="4200" dirty="0">
-              <a:solidFill>
-                <a:srgbClr val="707070"/>
-              </a:solidFill>
-              <a:latin typeface="Pragmatica" panose="020B0403040502020204" pitchFamily="34" charset="0"/>
-            </a:endParaRPr>
-          </a:p>
-          <a:p>
-            <a:pPr marL="1143000" lvl="1" indent="-685800">
-              <a:buClr>
-                <a:srgbClr val="CF3338"/>
-              </a:buClr>
-              <a:buFont typeface="Arial" panose="020B0604020202020204" pitchFamily="34" charset="0"/>
-              <a:buChar char="•"/>
-            </a:pPr>
-            <a:endParaRPr lang="en-US" sz="4200" dirty="0">
-              <a:solidFill>
-                <a:srgbClr val="707070"/>
-              </a:solidFill>
-              <a:latin typeface="Pragmatica" panose="020B0403040502020204" pitchFamily="34" charset="0"/>
-            </a:endParaRPr>
-          </a:p>
-        </p:txBody>
-      </p:sp>
-      <p:pic>
-        <p:nvPicPr>
-          <p:cNvPr id="15" name="Picture 14" descr="A close up of a sign&#10;&#10;Description automatically generated">
-            <a:extLst>
-              <a:ext uri="{FF2B5EF4-FFF2-40B4-BE49-F238E27FC236}">
-                <a16:creationId xmlns:a16="http://schemas.microsoft.com/office/drawing/2014/main" id="{9BA6E79F-3CBC-EC9B-079E-6736C36D9EF2}"/>
-              </a:ext>
-            </a:extLst>
-          </p:cNvPr>
-          <p:cNvPicPr>
-            <a:picLocks noChangeAspect="1"/>
-          </p:cNvPicPr>
-          <p:nvPr/>
-        </p:nvPicPr>
-        <p:blipFill>
-          <a:blip r:embed="rId4">
-            <a:extLst>
-              <a:ext uri="{28A0092B-C50C-407E-A947-70E740481C1C}">
-                <a14:useLocalDpi xmlns:a14="http://schemas.microsoft.com/office/drawing/2010/main" val="0"/>
-              </a:ext>
-            </a:extLst>
-          </a:blip>
-          <a:stretch>
-            <a:fillRect/>
-          </a:stretch>
-        </p:blipFill>
-        <p:spPr>
-          <a:xfrm>
-            <a:off x="16341036" y="8058429"/>
-            <a:ext cx="1942857" cy="2228571"/>
-          </a:xfrm>
-          <a:prstGeom prst="rect">
-            <a:avLst/>
-          </a:prstGeom>
-        </p:spPr>
-      </p:pic>
-    </p:spTree>
-    <p:extLst>
-      <p:ext uri="{BB962C8B-B14F-4D97-AF65-F5344CB8AC3E}">
-        <p14:creationId xmlns:p14="http://schemas.microsoft.com/office/powerpoint/2010/main" val="1950870612"/>
-      </p:ext>
-    </p:extLst>
-  </p:cSld>
-  <p:clrMapOvr>
-    <a:masterClrMapping/>
-  </p:clrMapOvr>
-</p:sld>
-</file>
-
-<file path=ppt/slides/slide5.xml><?xml version="1.0" encoding="utf-8"?>
-<p:sld xmlns:a="http://schemas.openxmlformats.org/drawingml/2006/main" xmlns:r="http://schemas.openxmlformats.org/officeDocument/2006/relationships" xmlns:p="http://schemas.openxmlformats.org/presentationml/2006/main">
-  <p:cSld>
-    <p:spTree>
-      <p:nvGrpSpPr>
         <p:cNvPr id="1" name=""/>
         <p:cNvGrpSpPr/>
         <p:nvPr/>
@@ -10928,7 +9476,7 @@
                 </a:solidFill>
                 <a:latin typeface="Normafixed Tryout" panose="00000409000000000000" pitchFamily="49" charset="0"/>
               </a:rPr>
-              <a:t>1. First Steps with Power Automate</a:t>
+              <a:t>1. Preparing data with Power Query and Markdown</a:t>
             </a:r>
           </a:p>
         </p:txBody>
@@ -10946,7 +9494,7 @@
 </p:sld>
 </file>
 
-<file path=ppt/slides/slide6.xml><?xml version="1.0" encoding="utf-8"?>
+<file path=ppt/slides/slide5.xml><?xml version="1.0" encoding="utf-8"?>
 <p:sld xmlns:a="http://schemas.openxmlformats.org/drawingml/2006/main" xmlns:r="http://schemas.openxmlformats.org/officeDocument/2006/relationships" xmlns:p="http://schemas.openxmlformats.org/presentationml/2006/main">
   <p:cSld>
     <p:spTree>
@@ -11047,7 +9595,7 @@
         <p:spPr>
           <a:xfrm>
             <a:off x="260431" y="329879"/>
-            <a:ext cx="8906720" cy="4881721"/>
+            <a:ext cx="8906720" cy="5870390"/>
           </a:xfrm>
           <a:prstGeom prst="rect">
             <a:avLst/>
@@ -11067,7 +9615,7 @@
                 </a:solidFill>
                 <a:latin typeface="Pragmatica" panose="020B0403040502020204" pitchFamily="34" charset="0"/>
               </a:rPr>
-              <a:t>First flow with Power Automate</a:t>
+              <a:t>Before we get started</a:t>
             </a:r>
           </a:p>
           <a:p>
@@ -11101,7 +9649,7 @@
                 <a:latin typeface="Pragmatica" panose="020B0403040502020204"/>
                 <a:sym typeface="Consolas"/>
               </a:rPr>
-              <a:t>Use Power Automate templates for Excel</a:t>
+              <a:t>Tables for enhanced AI, analytics &amp; automation in Excel</a:t>
             </a:r>
           </a:p>
           <a:p>
@@ -11127,11 +9675,11 @@
                 <a:latin typeface="Pragmatica" panose="020B0403040502020204"/>
                 <a:sym typeface="Consolas"/>
               </a:rPr>
-              <a:t>Create clock in/clock out workflow</a:t>
-            </a:r>
-          </a:p>
-          <a:p>
-            <a:pPr marL="142875">
+              <a:t>Avoid “garbage in, garbage out” with Power Query</a:t>
+            </a:r>
+          </a:p>
+          <a:p>
+            <a:pPr marL="685800" indent="-542925">
               <a:lnSpc>
                 <a:spcPct val="115000"/>
               </a:lnSpc>
@@ -11142,6 +9690,8 @@
                 <a:srgbClr val="C00000"/>
               </a:buClr>
               <a:buSzPts val="2100"/>
+              <a:buFont typeface="Arial"/>
+              <a:buAutoNum type="arabicPeriod"/>
             </a:pPr>
             <a:r>
               <a:rPr lang="en-US" sz="3600" dirty="0">
@@ -11151,17 +9701,7 @@
                 <a:latin typeface="Pragmatica" panose="020B0403040502020204"/>
                 <a:sym typeface="Consolas"/>
               </a:rPr>
-              <a:t>File: </a:t>
-            </a:r>
-            <a:r>
-              <a:rPr lang="en-US" sz="3600" dirty="0">
-                <a:solidFill>
-                  <a:srgbClr val="C00000"/>
-                </a:solidFill>
-                <a:latin typeface="Consolas" panose="020B0609020204030204" pitchFamily="49" charset="0"/>
-                <a:sym typeface="Consolas"/>
-              </a:rPr>
-              <a:t>first-flow.xlsx</a:t>
+              <a:t>Do not upload proprietary/sensitive data to free/unapproved generative AI</a:t>
             </a:r>
           </a:p>
         </p:txBody>
@@ -11170,6 +9710,136 @@
     <p:extLst>
       <p:ext uri="{BB962C8B-B14F-4D97-AF65-F5344CB8AC3E}">
         <p14:creationId xmlns:p14="http://schemas.microsoft.com/office/powerpoint/2010/main" val="3871531779"/>
+      </p:ext>
+    </p:extLst>
+  </p:cSld>
+  <p:clrMapOvr>
+    <a:masterClrMapping/>
+  </p:clrMapOvr>
+</p:sld>
+</file>
+
+<file path=ppt/slides/slide6.xml><?xml version="1.0" encoding="utf-8"?>
+<p:sld xmlns:a="http://schemas.openxmlformats.org/drawingml/2006/main" xmlns:r="http://schemas.openxmlformats.org/officeDocument/2006/relationships" xmlns:p="http://schemas.openxmlformats.org/presentationml/2006/main">
+  <p:cSld>
+    <p:spTree>
+      <p:nvGrpSpPr>
+        <p:cNvPr id="1" name="">
+          <a:extLst>
+            <a:ext uri="{FF2B5EF4-FFF2-40B4-BE49-F238E27FC236}">
+              <a16:creationId xmlns:a16="http://schemas.microsoft.com/office/drawing/2014/main" id="{A6508E45-85B9-6EE1-819F-11DF097DB401}"/>
+            </a:ext>
+          </a:extLst>
+        </p:cNvPr>
+        <p:cNvGrpSpPr/>
+        <p:nvPr/>
+      </p:nvGrpSpPr>
+      <p:grpSpPr>
+        <a:xfrm>
+          <a:off x="0" y="0"/>
+          <a:ext cx="0" cy="0"/>
+          <a:chOff x="0" y="0"/>
+          <a:chExt cx="0" cy="0"/>
+        </a:xfrm>
+      </p:grpSpPr>
+      <p:sp>
+        <p:nvSpPr>
+          <p:cNvPr id="4" name="Rectangle 3">
+            <a:extLst>
+              <a:ext uri="{FF2B5EF4-FFF2-40B4-BE49-F238E27FC236}">
+                <a16:creationId xmlns:a16="http://schemas.microsoft.com/office/drawing/2014/main" id="{92E095F9-9BEC-2408-C978-A1B54A3CBDEE}"/>
+              </a:ext>
+            </a:extLst>
+          </p:cNvPr>
+          <p:cNvSpPr/>
+          <p:nvPr/>
+        </p:nvSpPr>
+        <p:spPr>
+          <a:xfrm>
+            <a:off x="0" y="0"/>
+            <a:ext cx="18288000" cy="10287000"/>
+          </a:xfrm>
+          <a:prstGeom prst="rect">
+            <a:avLst/>
+          </a:prstGeom>
+          <a:solidFill>
+            <a:schemeClr val="bg1">
+              <a:lumMod val="50000"/>
+            </a:schemeClr>
+          </a:solidFill>
+          <a:ln>
+            <a:noFill/>
+          </a:ln>
+        </p:spPr>
+        <p:style>
+          <a:lnRef idx="2">
+            <a:schemeClr val="accent1">
+              <a:shade val="50000"/>
+            </a:schemeClr>
+          </a:lnRef>
+          <a:fillRef idx="1">
+            <a:schemeClr val="accent1"/>
+          </a:fillRef>
+          <a:effectRef idx="0">
+            <a:schemeClr val="accent1"/>
+          </a:effectRef>
+          <a:fontRef idx="minor">
+            <a:schemeClr val="lt1"/>
+          </a:fontRef>
+        </p:style>
+        <p:txBody>
+          <a:bodyPr rtlCol="0" anchor="ctr"/>
+          <a:lstStyle/>
+          <a:p>
+            <a:pPr algn="ctr"/>
+            <a:endParaRPr lang="en-US" sz="2700"/>
+          </a:p>
+        </p:txBody>
+      </p:sp>
+      <p:sp>
+        <p:nvSpPr>
+          <p:cNvPr id="5" name="TextBox 4">
+            <a:extLst>
+              <a:ext uri="{FF2B5EF4-FFF2-40B4-BE49-F238E27FC236}">
+                <a16:creationId xmlns:a16="http://schemas.microsoft.com/office/drawing/2014/main" id="{2E42F83E-1186-73F1-7083-871A875D222A}"/>
+              </a:ext>
+            </a:extLst>
+          </p:cNvPr>
+          <p:cNvSpPr txBox="1"/>
+          <p:nvPr/>
+        </p:nvSpPr>
+        <p:spPr>
+          <a:xfrm>
+            <a:off x="781292" y="590309"/>
+            <a:ext cx="15486926" cy="6186309"/>
+          </a:xfrm>
+          <a:prstGeom prst="rect">
+            <a:avLst/>
+          </a:prstGeom>
+          <a:noFill/>
+        </p:spPr>
+        <p:txBody>
+          <a:bodyPr wrap="square" rtlCol="0">
+            <a:spAutoFit/>
+          </a:bodyPr>
+          <a:lstStyle/>
+          <a:p>
+            <a:r>
+              <a:rPr lang="en-US" sz="9900" b="1" dirty="0">
+                <a:solidFill>
+                  <a:schemeClr val="bg1"/>
+                </a:solidFill>
+                <a:latin typeface="Normafixed Tryout" panose="00000409000000000000" pitchFamily="49" charset="0"/>
+              </a:rPr>
+              <a:t>Do not upload proprietary/sensitive data to free/unapproved generative AI</a:t>
+            </a:r>
+          </a:p>
+        </p:txBody>
+      </p:sp>
+    </p:spTree>
+    <p:extLst>
+      <p:ext uri="{BB962C8B-B14F-4D97-AF65-F5344CB8AC3E}">
+        <p14:creationId xmlns:p14="http://schemas.microsoft.com/office/powerpoint/2010/main" val="858962309"/>
       </p:ext>
     </p:extLst>
   </p:cSld>
@@ -11280,7 +9950,7 @@
         <p:spPr>
           <a:xfrm>
             <a:off x="260431" y="329879"/>
-            <a:ext cx="8906720" cy="6936322"/>
+            <a:ext cx="8906720" cy="3684727"/>
           </a:xfrm>
           <a:prstGeom prst="rect">
             <a:avLst/>
@@ -11300,23 +9970,8 @@
                 </a:solidFill>
                 <a:latin typeface="Pragmatica" panose="020B0403040502020204" pitchFamily="34" charset="0"/>
               </a:rPr>
-              <a:t>Customizing outputs with Power </a:t>
-            </a:r>
-            <a:r>
-              <a:rPr lang="en-US" sz="6000" b="1" dirty="0" err="1">
-                <a:solidFill>
-                  <a:srgbClr val="CF3338"/>
-                </a:solidFill>
-                <a:latin typeface="Pragmatica" panose="020B0403040502020204" pitchFamily="34" charset="0"/>
-              </a:rPr>
-              <a:t>Fx</a:t>
-            </a:r>
-            <a:endParaRPr lang="en-US" sz="6000" b="1" dirty="0">
-              <a:solidFill>
-                <a:srgbClr val="CF3338"/>
-              </a:solidFill>
-              <a:latin typeface="Pragmatica" panose="020B0403040502020204" pitchFamily="34" charset="0"/>
-            </a:endParaRPr>
+              <a:t>Reshaping data with Power Query</a:t>
+            </a:r>
           </a:p>
           <a:p>
             <a:endParaRPr lang="en-US" sz="4200" dirty="0">
@@ -11350,73 +10005,8 @@
                 <a:ea typeface="Aptos" panose="020B0004020202020204" pitchFamily="34" charset="0"/>
                 <a:cs typeface="Times New Roman" panose="02020603050405020304" pitchFamily="18" charset="0"/>
               </a:rPr>
-              <a:t>Continue with the previous example</a:t>
-            </a:r>
-          </a:p>
-          <a:p>
-            <a:pPr marL="342900" marR="0" lvl="0" indent="-342900">
-              <a:lnSpc>
-                <a:spcPct val="115000"/>
-              </a:lnSpc>
-              <a:spcBef>
-                <a:spcPts val="0"/>
-              </a:spcBef>
-              <a:spcAft>
-                <a:spcPts val="0"/>
-              </a:spcAft>
-              <a:buFont typeface="+mj-lt"/>
-              <a:buAutoNum type="arabicPeriod"/>
-            </a:pPr>
-            <a:r>
-              <a:rPr lang="en-US" sz="3200" kern="100" dirty="0">
-                <a:solidFill>
-                  <a:srgbClr val="CF3338"/>
-                </a:solidFill>
-                <a:latin typeface="Pragmatica" panose="020B0403040502020204"/>
-                <a:ea typeface="Aptos" panose="020B0004020202020204" pitchFamily="34" charset="0"/>
-                <a:cs typeface="Times New Roman" panose="02020603050405020304" pitchFamily="18" charset="0"/>
-              </a:rPr>
-              <a:t>How can we improve appearance of outputs in Excel? </a:t>
-            </a:r>
-            <a:endParaRPr lang="en-US" sz="3200" kern="100" dirty="0">
-              <a:solidFill>
-                <a:srgbClr val="CF3338"/>
-              </a:solidFill>
-              <a:effectLst/>
-              <a:latin typeface="Pragmatica" panose="020B0403040502020204"/>
-              <a:ea typeface="Aptos" panose="020B0004020202020204" pitchFamily="34" charset="0"/>
-              <a:cs typeface="Times New Roman" panose="02020603050405020304" pitchFamily="18" charset="0"/>
-            </a:endParaRPr>
-          </a:p>
-          <a:p>
-            <a:pPr marL="142875">
-              <a:lnSpc>
-                <a:spcPct val="115000"/>
-              </a:lnSpc>
-              <a:spcBef>
-                <a:spcPts val="1125"/>
-              </a:spcBef>
-              <a:buClr>
-                <a:srgbClr val="C00000"/>
-              </a:buClr>
-              <a:buSzPts val="2100"/>
-            </a:pPr>
-            <a:r>
-              <a:rPr lang="en-US" sz="3600" dirty="0">
-                <a:solidFill>
-                  <a:srgbClr val="C00000"/>
-                </a:solidFill>
-                <a:latin typeface="Pragmatica" panose="020B0403040502020204"/>
-                <a:sym typeface="Consolas"/>
-              </a:rPr>
-              <a:t>Resource: https://stringfestanalytics.com/power-automate-for-excel-how-to-understand-the-power-fx-programming-language/</a:t>
-            </a:r>
-            <a:endParaRPr lang="en-US" sz="6000" dirty="0">
-              <a:solidFill>
-                <a:srgbClr val="CF3338"/>
-              </a:solidFill>
-              <a:latin typeface="Pragmatica" panose="020B0403040502020204"/>
-            </a:endParaRPr>
+              <a:t>FILL THIS IN – I THINK I WANT TO SHOW THE COLUMN SPLIT AND THE FILL DOWN AS WELL </a:t>
+            </a:r>
           </a:p>
         </p:txBody>
       </p:sp>
@@ -11558,7 +10148,7 @@
         <p:spPr>
           <a:xfrm>
             <a:off x="260431" y="329879"/>
-            <a:ext cx="8906720" cy="6791154"/>
+            <a:ext cx="8906720" cy="3118418"/>
           </a:xfrm>
           <a:prstGeom prst="rect">
             <a:avLst/>
@@ -11578,7 +10168,7 @@
                 </a:solidFill>
                 <a:latin typeface="Pragmatica" panose="020B0403040502020204" pitchFamily="34" charset="0"/>
               </a:rPr>
-              <a:t>Building flows with Copilot</a:t>
+              <a:t>Structuring data inputs with Markdown</a:t>
             </a:r>
           </a:p>
           <a:p>
@@ -11613,100 +10203,7 @@
                 <a:ea typeface="Aptos" panose="020B0004020202020204" pitchFamily="34" charset="0"/>
                 <a:cs typeface="Times New Roman" panose="02020603050405020304" pitchFamily="18" charset="0"/>
               </a:rPr>
-              <a:t>Get AI assistance to build a flow</a:t>
-            </a:r>
-          </a:p>
-          <a:p>
-            <a:pPr marL="342900" marR="0" lvl="0" indent="-342900">
-              <a:lnSpc>
-                <a:spcPct val="115000"/>
-              </a:lnSpc>
-              <a:spcBef>
-                <a:spcPts val="0"/>
-              </a:spcBef>
-              <a:spcAft>
-                <a:spcPts val="0"/>
-              </a:spcAft>
-              <a:buFont typeface="+mj-lt"/>
-              <a:buAutoNum type="arabicPeriod"/>
-            </a:pPr>
-            <a:r>
-              <a:rPr lang="en-US" sz="3200" kern="100" dirty="0">
-                <a:solidFill>
-                  <a:srgbClr val="CF3338"/>
-                </a:solidFill>
-                <a:latin typeface="Pragmatica" panose="020B0403040502020204"/>
-                <a:ea typeface="Aptos" panose="020B0004020202020204" pitchFamily="34" charset="0"/>
-                <a:cs typeface="Times New Roman" panose="02020603050405020304" pitchFamily="18" charset="0"/>
-              </a:rPr>
-              <a:t>Create a monthly email/post to Teams based on data in a workbook</a:t>
-            </a:r>
-            <a:endParaRPr lang="en-US" sz="3200" kern="100" dirty="0">
-              <a:solidFill>
-                <a:srgbClr val="CF3338"/>
-              </a:solidFill>
-              <a:effectLst/>
-              <a:latin typeface="Pragmatica" panose="020B0403040502020204"/>
-              <a:ea typeface="Aptos" panose="020B0004020202020204" pitchFamily="34" charset="0"/>
-              <a:cs typeface="Times New Roman" panose="02020603050405020304" pitchFamily="18" charset="0"/>
-            </a:endParaRPr>
-          </a:p>
-          <a:p>
-            <a:pPr marL="142875">
-              <a:lnSpc>
-                <a:spcPct val="115000"/>
-              </a:lnSpc>
-              <a:spcBef>
-                <a:spcPts val="1125"/>
-              </a:spcBef>
-              <a:buClr>
-                <a:srgbClr val="C00000"/>
-              </a:buClr>
-              <a:buSzPts val="2100"/>
-            </a:pPr>
-            <a:r>
-              <a:rPr lang="en-US" sz="3600" dirty="0">
-                <a:solidFill>
-                  <a:srgbClr val="C00000"/>
-                </a:solidFill>
-                <a:latin typeface="Pragmatica" panose="020B0403040502020204"/>
-                <a:sym typeface="Consolas"/>
-              </a:rPr>
-              <a:t>File: </a:t>
-            </a:r>
-            <a:r>
-              <a:rPr lang="en-US" sz="3600" dirty="0">
-                <a:solidFill>
-                  <a:srgbClr val="C00000"/>
-                </a:solidFill>
-                <a:latin typeface="Consolas" panose="020B0609020204030204" pitchFamily="49" charset="0"/>
-                <a:sym typeface="Consolas"/>
-              </a:rPr>
-              <a:t>power-automate-copilot.xlsx</a:t>
-            </a:r>
-          </a:p>
-          <a:p>
-            <a:pPr marL="142875">
-              <a:lnSpc>
-                <a:spcPct val="115000"/>
-              </a:lnSpc>
-              <a:spcBef>
-                <a:spcPts val="1125"/>
-              </a:spcBef>
-              <a:buClr>
-                <a:srgbClr val="C00000"/>
-              </a:buClr>
-              <a:buSzPts val="2100"/>
-            </a:pPr>
-            <a:r>
-              <a:rPr lang="en-US" sz="3600" dirty="0">
-                <a:solidFill>
-                  <a:srgbClr val="C00000"/>
-                </a:solidFill>
-                <a:latin typeface="Pragmatica" panose="020B0403040502020204"/>
-                <a:sym typeface="Consolas"/>
-              </a:rPr>
-              <a:t>Resource: https://stringfestanalytics.com/power-automate-for-excel-how-to-build-flows-with-copilot/</a:t>
+              <a:t>Fill this in later</a:t>
             </a:r>
             <a:endParaRPr lang="en-US" sz="6000" dirty="0">
               <a:solidFill>
@@ -11855,7 +10352,7 @@
         <p:spPr>
           <a:xfrm>
             <a:off x="260431" y="329879"/>
-            <a:ext cx="8906720" cy="7967309"/>
+            <a:ext cx="8906720" cy="8562857"/>
           </a:xfrm>
           <a:prstGeom prst="rect">
             <a:avLst/>
@@ -11887,90 +10384,7 @@
             </a:endParaRPr>
           </a:p>
           <a:p>
-            <a:pPr marL="457200" indent="-457200">
-              <a:buFont typeface="Arial" panose="020B0604020202020204" pitchFamily="34" charset="0"/>
-              <a:buChar char="•"/>
-            </a:pPr>
-            <a:r>
-              <a:rPr lang="en-US" sz="3200" dirty="0">
-                <a:solidFill>
-                  <a:srgbClr val="CF3338"/>
-                </a:solidFill>
-                <a:latin typeface="Pragmatica" panose="020B0403040502020204" pitchFamily="34" charset="0"/>
-              </a:rPr>
-              <a:t>Build on the clock in/clock out workflow</a:t>
-            </a:r>
-          </a:p>
-          <a:p>
-            <a:endParaRPr lang="en-US" sz="3200" dirty="0">
-              <a:solidFill>
-                <a:srgbClr val="CF3338"/>
-              </a:solidFill>
-              <a:latin typeface="Pragmatica" panose="020B0403040502020204" pitchFamily="34" charset="0"/>
-            </a:endParaRPr>
-          </a:p>
-          <a:p>
-            <a:pPr marL="457200" indent="-457200">
-              <a:buFont typeface="Arial" panose="020B0604020202020204" pitchFamily="34" charset="0"/>
-              <a:buChar char="•"/>
-            </a:pPr>
-            <a:r>
-              <a:rPr lang="en-US" sz="3200" dirty="0">
-                <a:solidFill>
-                  <a:srgbClr val="CF3338"/>
-                </a:solidFill>
-                <a:latin typeface="Pragmatica" panose="020B0403040502020204" pitchFamily="34" charset="0"/>
-              </a:rPr>
-              <a:t>Task: Modify the flow to prompt users for comments when clocking in or out</a:t>
-            </a:r>
-          </a:p>
-          <a:p>
-            <a:pPr marL="914400" lvl="1" indent="-457200">
-              <a:buFont typeface="Arial" panose="020B0604020202020204" pitchFamily="34" charset="0"/>
-              <a:buChar char="•"/>
-            </a:pPr>
-            <a:r>
-              <a:rPr lang="en-US" sz="3200" dirty="0">
-                <a:solidFill>
-                  <a:srgbClr val="CF3338"/>
-                </a:solidFill>
-                <a:latin typeface="Pragmatica" panose="020B0403040502020204" pitchFamily="34" charset="0"/>
-              </a:rPr>
-              <a:t>Add the comment prompt where the in/out criteria is built with a yes/no checkbox</a:t>
-            </a:r>
-          </a:p>
-          <a:p>
-            <a:pPr marL="914400" lvl="1" indent="-457200">
-              <a:buFont typeface="Arial" panose="020B0604020202020204" pitchFamily="34" charset="0"/>
-              <a:buChar char="•"/>
-            </a:pPr>
-            <a:r>
-              <a:rPr lang="en-US" sz="3200" dirty="0">
-                <a:solidFill>
-                  <a:srgbClr val="CF3338"/>
-                </a:solidFill>
-                <a:latin typeface="Pragmatica" panose="020B0403040502020204" pitchFamily="34" charset="0"/>
-              </a:rPr>
-              <a:t>Save the clock in/out data, including comments, to the worksheet</a:t>
-            </a:r>
-          </a:p>
-          <a:p>
-            <a:pPr marL="914400" lvl="1" indent="-457200">
-              <a:buFont typeface="Arial" panose="020B0604020202020204" pitchFamily="34" charset="0"/>
-              <a:buChar char="•"/>
-            </a:pPr>
-            <a:r>
-              <a:rPr lang="en-US" sz="3200" dirty="0">
-                <a:solidFill>
-                  <a:srgbClr val="CF3338"/>
-                </a:solidFill>
-                <a:latin typeface="Pragmatica" panose="020B0403040502020204" pitchFamily="34" charset="0"/>
-              </a:rPr>
-              <a:t>Post an update to Teams with details (who clocked in/out, time, and comments)</a:t>
-            </a:r>
-          </a:p>
-          <a:p>
-            <a:pPr marL="142875">
+            <a:pPr marL="600075" indent="-457200">
               <a:lnSpc>
                 <a:spcPct val="115000"/>
               </a:lnSpc>
@@ -11981,17 +10395,22 @@
                 <a:srgbClr val="C00000"/>
               </a:buClr>
               <a:buSzPts val="2100"/>
+              <a:buFont typeface="Arial" panose="020B0604020202020204" pitchFamily="34" charset="0"/>
+              <a:buChar char="•"/>
             </a:pPr>
-            <a:endParaRPr lang="en-US" sz="3200" dirty="0">
-              <a:solidFill>
-                <a:srgbClr val="C00000"/>
-              </a:solidFill>
-              <a:latin typeface="Pragmatica" panose="020B0403040502020204"/>
-              <a:sym typeface="Consolas"/>
-            </a:endParaRPr>
-          </a:p>
-          <a:p>
-            <a:pPr marL="142875">
+            <a:r>
+              <a:rPr lang="en-US" sz="3200" dirty="0">
+                <a:solidFill>
+                  <a:srgbClr val="C00000"/>
+                </a:solidFill>
+                <a:latin typeface="Pragmatica" panose="020B0403040502020204"/>
+                <a:sym typeface="Consolas"/>
+              </a:rPr>
+              <a:t>Unpivot the data in Power Query so all product categories are combined into a single column.</a:t>
+            </a:r>
+          </a:p>
+          <a:p>
+            <a:pPr marL="600075" indent="-457200">
               <a:lnSpc>
                 <a:spcPct val="115000"/>
               </a:lnSpc>
@@ -12002,6 +10421,8 @@
                 <a:srgbClr val="C00000"/>
               </a:buClr>
               <a:buSzPts val="2100"/>
+              <a:buFont typeface="Arial" panose="020B0604020202020204" pitchFamily="34" charset="0"/>
+              <a:buChar char="•"/>
             </a:pPr>
             <a:r>
               <a:rPr lang="en-US" sz="3200" dirty="0">
@@ -12011,18 +10432,93 @@
                 <a:latin typeface="Pragmatica" panose="020B0403040502020204"/>
                 <a:sym typeface="Consolas"/>
               </a:rPr>
-              <a:t>File: </a:t>
-            </a:r>
+              <a:t>Convert the unpivoted data into Markdown format. </a:t>
+            </a:r>
+          </a:p>
+          <a:p>
+            <a:pPr marL="1057275" lvl="1" indent="-457200">
+              <a:lnSpc>
+                <a:spcPct val="115000"/>
+              </a:lnSpc>
+              <a:spcBef>
+                <a:spcPts val="1125"/>
+              </a:spcBef>
+              <a:buClr>
+                <a:srgbClr val="C00000"/>
+              </a:buClr>
+              <a:buSzPts val="2100"/>
+              <a:buFont typeface="Arial" panose="020B0604020202020204" pitchFamily="34" charset="0"/>
+              <a:buChar char="•"/>
+            </a:pPr>
             <a:r>
               <a:rPr lang="en-US" sz="3200" dirty="0">
                 <a:solidFill>
                   <a:srgbClr val="C00000"/>
                 </a:solidFill>
-                <a:latin typeface="Consolas" panose="020B0609020204030204" pitchFamily="49" charset="0"/>
+                <a:latin typeface="Pragmatica" panose="020B0403040502020204"/>
                 <a:sym typeface="Consolas"/>
               </a:rPr>
-              <a:t>01-exercise.xlsx</a:t>
-            </a:r>
+              <a:t>Use tools like Dropbox Paper or a generative AI tool for the conversion.</a:t>
+            </a:r>
+          </a:p>
+          <a:p>
+            <a:pPr marL="600075" indent="-457200">
+              <a:lnSpc>
+                <a:spcPct val="115000"/>
+              </a:lnSpc>
+              <a:spcBef>
+                <a:spcPts val="1125"/>
+              </a:spcBef>
+              <a:buClr>
+                <a:srgbClr val="C00000"/>
+              </a:buClr>
+              <a:buSzPts val="2100"/>
+              <a:buFont typeface="Arial" panose="020B0604020202020204" pitchFamily="34" charset="0"/>
+              <a:buChar char="•"/>
+            </a:pPr>
+            <a:r>
+              <a:rPr lang="en-US" sz="3200" dirty="0">
+                <a:solidFill>
+                  <a:srgbClr val="C00000"/>
+                </a:solidFill>
+                <a:latin typeface="Pragmatica" panose="020B0403040502020204"/>
+                <a:sym typeface="Consolas"/>
+              </a:rPr>
+              <a:t>Use ChatGPT or another generative AI tool to analyze the data and return the results in Markdown format.</a:t>
+            </a:r>
+          </a:p>
+          <a:p>
+            <a:pPr marL="600075" indent="-457200">
+              <a:lnSpc>
+                <a:spcPct val="115000"/>
+              </a:lnSpc>
+              <a:spcBef>
+                <a:spcPts val="1125"/>
+              </a:spcBef>
+              <a:buClr>
+                <a:srgbClr val="C00000"/>
+              </a:buClr>
+              <a:buSzPts val="2100"/>
+              <a:buFont typeface="Arial" panose="020B0604020202020204" pitchFamily="34" charset="0"/>
+              <a:buChar char="•"/>
+            </a:pPr>
+            <a:r>
+              <a:rPr lang="en-US" sz="3200" dirty="0">
+                <a:solidFill>
+                  <a:srgbClr val="C00000"/>
+                </a:solidFill>
+                <a:latin typeface="Pragmatica" panose="020B0403040502020204"/>
+                <a:sym typeface="Consolas"/>
+              </a:rPr>
+              <a:t>Paste the Markdown text into Google Docs or another tool to view the output.</a:t>
+            </a:r>
+            <a:endParaRPr lang="en-US" sz="3200" dirty="0">
+              <a:solidFill>
+                <a:srgbClr val="C00000"/>
+              </a:solidFill>
+              <a:latin typeface="Consolas" panose="020B0609020204030204" pitchFamily="49" charset="0"/>
+              <a:sym typeface="Consolas"/>
+            </a:endParaRPr>
           </a:p>
         </p:txBody>
       </p:sp>

--- a/gen-ai-for-excel-masterclass.pptx
+++ b/gen-ai-for-excel-masterclass.pptx
@@ -5,7 +5,7 @@
     <p:sldMasterId id="2147483648" r:id="rId1"/>
   </p:sldMasterIdLst>
   <p:notesMasterIdLst>
-    <p:notesMasterId r:id="rId25"/>
+    <p:notesMasterId r:id="rId26"/>
   </p:notesMasterIdLst>
   <p:sldIdLst>
     <p:sldId id="256" r:id="rId2"/>
@@ -18,29 +18,30 @@
     <p:sldId id="448" r:id="rId9"/>
     <p:sldId id="449" r:id="rId10"/>
     <p:sldId id="415" r:id="rId11"/>
-    <p:sldId id="446" r:id="rId12"/>
-    <p:sldId id="443" r:id="rId13"/>
-    <p:sldId id="454" r:id="rId14"/>
-    <p:sldId id="455" r:id="rId15"/>
-    <p:sldId id="456" r:id="rId16"/>
-    <p:sldId id="457" r:id="rId17"/>
-    <p:sldId id="445" r:id="rId18"/>
-    <p:sldId id="405" r:id="rId19"/>
-    <p:sldId id="440" r:id="rId20"/>
-    <p:sldId id="441" r:id="rId21"/>
-    <p:sldId id="458" r:id="rId22"/>
-    <p:sldId id="414" r:id="rId23"/>
-    <p:sldId id="427" r:id="rId24"/>
+    <p:sldId id="459" r:id="rId12"/>
+    <p:sldId id="446" r:id="rId13"/>
+    <p:sldId id="443" r:id="rId14"/>
+    <p:sldId id="454" r:id="rId15"/>
+    <p:sldId id="455" r:id="rId16"/>
+    <p:sldId id="456" r:id="rId17"/>
+    <p:sldId id="457" r:id="rId18"/>
+    <p:sldId id="445" r:id="rId19"/>
+    <p:sldId id="405" r:id="rId20"/>
+    <p:sldId id="440" r:id="rId21"/>
+    <p:sldId id="441" r:id="rId22"/>
+    <p:sldId id="458" r:id="rId23"/>
+    <p:sldId id="414" r:id="rId24"/>
+    <p:sldId id="427" r:id="rId25"/>
   </p:sldIdLst>
   <p:sldSz cx="18288000" cy="10287000"/>
   <p:notesSz cx="6858000" cy="9144000"/>
   <p:embeddedFontLst>
     <p:embeddedFont>
       <p:font typeface="Consolas" panose="020B0609020204030204" pitchFamily="49" charset="0"/>
-      <p:regular r:id="rId26"/>
-      <p:bold r:id="rId27"/>
-      <p:italic r:id="rId28"/>
-      <p:boldItalic r:id="rId29"/>
+      <p:regular r:id="rId27"/>
+      <p:bold r:id="rId28"/>
+      <p:italic r:id="rId29"/>
+      <p:boldItalic r:id="rId30"/>
     </p:embeddedFont>
   </p:embeddedFontLst>
   <p:defaultTextStyle>
@@ -694,31 +695,10 @@
           <a:bodyPr/>
           <a:lstStyle/>
           <a:p>
-            <a:pPr marL="228600" indent="-228600">
-              <a:buAutoNum type="arabicPeriod"/>
+            <a:pPr marL="0" indent="0">
+              <a:buNone/>
             </a:pPr>
-            <a:r>
-              <a:rPr lang="en-US" dirty="0"/>
-              <a:t>False!</a:t>
-            </a:r>
-          </a:p>
-          <a:p>
-            <a:pPr marL="228600" indent="-228600">
-              <a:buAutoNum type="arabicPeriod"/>
-            </a:pPr>
-            <a:r>
-              <a:rPr lang="en-US" dirty="0"/>
-              <a:t>Function, Formula, Function</a:t>
-            </a:r>
-          </a:p>
-          <a:p>
-            <a:pPr marL="228600" indent="-228600">
-              <a:buAutoNum type="arabicPeriod"/>
-            </a:pPr>
-            <a:r>
-              <a:rPr lang="en-US" dirty="0"/>
-              <a:t>Argument</a:t>
-            </a:r>
+            <a:endParaRPr lang="en-US" dirty="0"/>
           </a:p>
         </p:txBody>
       </p:sp>
@@ -745,7 +725,7 @@
           <a:p>
             <a:fld id="{1300335D-9F13-4B80-ADC5-B0EA3E10FF6B}" type="slidenum">
               <a:rPr lang="en-US" smtClean="0"/>
-              <a:t>19</a:t>
+              <a:t>20</a:t>
             </a:fld>
             <a:endParaRPr lang="en-US"/>
           </a:p>
@@ -877,7 +857,7 @@
           <a:p>
             <a:fld id="{1300335D-9F13-4B80-ADC5-B0EA3E10FF6B}" type="slidenum">
               <a:rPr lang="en-US" smtClean="0"/>
-              <a:t>20</a:t>
+              <a:t>21</a:t>
             </a:fld>
             <a:endParaRPr lang="en-US"/>
           </a:p>
@@ -958,31 +938,10 @@
           <a:bodyPr/>
           <a:lstStyle/>
           <a:p>
-            <a:pPr marL="228600" indent="-228600">
-              <a:buAutoNum type="arabicPeriod"/>
+            <a:pPr marL="0" indent="0">
+              <a:buNone/>
             </a:pPr>
-            <a:r>
-              <a:rPr lang="en-US" dirty="0"/>
-              <a:t>False!</a:t>
-            </a:r>
-          </a:p>
-          <a:p>
-            <a:pPr marL="228600" indent="-228600">
-              <a:buAutoNum type="arabicPeriod"/>
-            </a:pPr>
-            <a:r>
-              <a:rPr lang="en-US" dirty="0"/>
-              <a:t>Function, Formula, Function</a:t>
-            </a:r>
-          </a:p>
-          <a:p>
-            <a:pPr marL="228600" indent="-228600">
-              <a:buAutoNum type="arabicPeriod"/>
-            </a:pPr>
-            <a:r>
-              <a:rPr lang="en-US" dirty="0"/>
-              <a:t>Argument</a:t>
-            </a:r>
+            <a:endParaRPr lang="en-US" dirty="0"/>
           </a:p>
         </p:txBody>
       </p:sp>
@@ -1009,7 +968,7 @@
           <a:p>
             <a:fld id="{1300335D-9F13-4B80-ADC5-B0EA3E10FF6B}" type="slidenum">
               <a:rPr lang="en-US" smtClean="0"/>
-              <a:t>21</a:t>
+              <a:t>22</a:t>
             </a:fld>
             <a:endParaRPr lang="en-US"/>
           </a:p>
@@ -1495,7 +1454,7 @@
           <a:p>
             <a:fld id="{1300335D-9F13-4B80-ADC5-B0EA3E10FF6B}" type="slidenum">
               <a:rPr lang="en-US" smtClean="0"/>
-              <a:t>12</a:t>
+              <a:t>13</a:t>
             </a:fld>
             <a:endParaRPr lang="en-US"/>
           </a:p>
@@ -1627,7 +1586,7 @@
           <a:p>
             <a:fld id="{1300335D-9F13-4B80-ADC5-B0EA3E10FF6B}" type="slidenum">
               <a:rPr lang="en-US" smtClean="0"/>
-              <a:t>14</a:t>
+              <a:t>15</a:t>
             </a:fld>
             <a:endParaRPr lang="en-US"/>
           </a:p>
@@ -1759,7 +1718,7 @@
           <a:p>
             <a:fld id="{1300335D-9F13-4B80-ADC5-B0EA3E10FF6B}" type="slidenum">
               <a:rPr lang="en-US" smtClean="0"/>
-              <a:t>15</a:t>
+              <a:t>16</a:t>
             </a:fld>
             <a:endParaRPr lang="en-US"/>
           </a:p>
@@ -1840,30 +1799,12 @@
           <a:bodyPr/>
           <a:lstStyle/>
           <a:p>
-            <a:pPr marL="228600" indent="-228600">
-              <a:buAutoNum type="arabicPeriod"/>
+            <a:pPr marL="0" indent="0">
+              <a:buNone/>
             </a:pPr>
             <a:r>
               <a:rPr lang="en-US" dirty="0"/>
-              <a:t>False!</a:t>
-            </a:r>
-          </a:p>
-          <a:p>
-            <a:pPr marL="228600" indent="-228600">
-              <a:buAutoNum type="arabicPeriod"/>
-            </a:pPr>
-            <a:r>
-              <a:rPr lang="en-US" dirty="0"/>
-              <a:t>Function, Formula, Function</a:t>
-            </a:r>
-          </a:p>
-          <a:p>
-            <a:pPr marL="228600" indent="-228600">
-              <a:buAutoNum type="arabicPeriod"/>
-            </a:pPr>
-            <a:r>
-              <a:rPr lang="en-US" dirty="0"/>
-              <a:t>Argument</a:t>
+              <a:t>If you want AI’s help making suggestions based on your data but you don’t actually want to SHARE your data with AI, synthetic data is a good idea. </a:t>
             </a:r>
           </a:p>
         </p:txBody>
@@ -1891,7 +1832,7 @@
           <a:p>
             <a:fld id="{1300335D-9F13-4B80-ADC5-B0EA3E10FF6B}" type="slidenum">
               <a:rPr lang="en-US" smtClean="0"/>
-              <a:t>16</a:t>
+              <a:t>17</a:t>
             </a:fld>
             <a:endParaRPr lang="en-US"/>
           </a:p>
@@ -2216,7 +2157,7 @@
           <a:p>
             <a:fld id="{1300335D-9F13-4B80-ADC5-B0EA3E10FF6B}" type="slidenum">
               <a:rPr lang="en-US" smtClean="0"/>
-              <a:t>17</a:t>
+              <a:t>18</a:t>
             </a:fld>
             <a:endParaRPr lang="en-US"/>
           </a:p>
@@ -5488,6 +5429,136 @@
         <p:cNvPr id="1" name="">
           <a:extLst>
             <a:ext uri="{FF2B5EF4-FFF2-40B4-BE49-F238E27FC236}">
+              <a16:creationId xmlns:a16="http://schemas.microsoft.com/office/drawing/2014/main" id="{0C54FA12-D209-345F-85FE-90B44A5CD4D7}"/>
+            </a:ext>
+          </a:extLst>
+        </p:cNvPr>
+        <p:cNvGrpSpPr/>
+        <p:nvPr/>
+      </p:nvGrpSpPr>
+      <p:grpSpPr>
+        <a:xfrm>
+          <a:off x="0" y="0"/>
+          <a:ext cx="0" cy="0"/>
+          <a:chOff x="0" y="0"/>
+          <a:chExt cx="0" cy="0"/>
+        </a:xfrm>
+      </p:grpSpPr>
+      <p:sp>
+        <p:nvSpPr>
+          <p:cNvPr id="4" name="Rectangle 3">
+            <a:extLst>
+              <a:ext uri="{FF2B5EF4-FFF2-40B4-BE49-F238E27FC236}">
+                <a16:creationId xmlns:a16="http://schemas.microsoft.com/office/drawing/2014/main" id="{D647D258-2C4C-E294-BC9B-89088CC9C2DC}"/>
+              </a:ext>
+            </a:extLst>
+          </p:cNvPr>
+          <p:cNvSpPr/>
+          <p:nvPr/>
+        </p:nvSpPr>
+        <p:spPr>
+          <a:xfrm>
+            <a:off x="0" y="0"/>
+            <a:ext cx="18288000" cy="10287000"/>
+          </a:xfrm>
+          <a:prstGeom prst="rect">
+            <a:avLst/>
+          </a:prstGeom>
+          <a:solidFill>
+            <a:schemeClr val="bg1">
+              <a:lumMod val="50000"/>
+            </a:schemeClr>
+          </a:solidFill>
+          <a:ln>
+            <a:noFill/>
+          </a:ln>
+        </p:spPr>
+        <p:style>
+          <a:lnRef idx="2">
+            <a:schemeClr val="accent1">
+              <a:shade val="50000"/>
+            </a:schemeClr>
+          </a:lnRef>
+          <a:fillRef idx="1">
+            <a:schemeClr val="accent1"/>
+          </a:fillRef>
+          <a:effectRef idx="0">
+            <a:schemeClr val="accent1"/>
+          </a:effectRef>
+          <a:fontRef idx="minor">
+            <a:schemeClr val="lt1"/>
+          </a:fontRef>
+        </p:style>
+        <p:txBody>
+          <a:bodyPr rtlCol="0" anchor="ctr"/>
+          <a:lstStyle/>
+          <a:p>
+            <a:pPr algn="ctr"/>
+            <a:endParaRPr lang="en-US" sz="2700"/>
+          </a:p>
+        </p:txBody>
+      </p:sp>
+      <p:sp>
+        <p:nvSpPr>
+          <p:cNvPr id="5" name="TextBox 4">
+            <a:extLst>
+              <a:ext uri="{FF2B5EF4-FFF2-40B4-BE49-F238E27FC236}">
+                <a16:creationId xmlns:a16="http://schemas.microsoft.com/office/drawing/2014/main" id="{DB083695-2DA7-97DA-5027-E78EDBECA4A1}"/>
+              </a:ext>
+            </a:extLst>
+          </p:cNvPr>
+          <p:cNvSpPr txBox="1"/>
+          <p:nvPr/>
+        </p:nvSpPr>
+        <p:spPr>
+          <a:xfrm>
+            <a:off x="781292" y="590309"/>
+            <a:ext cx="15486926" cy="6186309"/>
+          </a:xfrm>
+          <a:prstGeom prst="rect">
+            <a:avLst/>
+          </a:prstGeom>
+          <a:noFill/>
+        </p:spPr>
+        <p:txBody>
+          <a:bodyPr wrap="square" rtlCol="0">
+            <a:spAutoFit/>
+          </a:bodyPr>
+          <a:lstStyle/>
+          <a:p>
+            <a:r>
+              <a:rPr lang="en-US" sz="9900" b="1" dirty="0">
+                <a:solidFill>
+                  <a:schemeClr val="bg1"/>
+                </a:solidFill>
+                <a:latin typeface="Normafixed Tryout" panose="00000409000000000000" pitchFamily="49" charset="0"/>
+              </a:rPr>
+              <a:t>DO NOT UPLOAD PROPRIETARY/SENSITIVE DATA TO FREE/UNAPPROVED GENERATIVE AI</a:t>
+            </a:r>
+          </a:p>
+        </p:txBody>
+      </p:sp>
+    </p:spTree>
+    <p:extLst>
+      <p:ext uri="{BB962C8B-B14F-4D97-AF65-F5344CB8AC3E}">
+        <p14:creationId xmlns:p14="http://schemas.microsoft.com/office/powerpoint/2010/main" val="2252469690"/>
+      </p:ext>
+    </p:extLst>
+  </p:cSld>
+  <p:clrMapOvr>
+    <a:masterClrMapping/>
+  </p:clrMapOvr>
+</p:sld>
+</file>
+
+<file path=ppt/slides/slide12.xml><?xml version="1.0" encoding="utf-8"?>
+<p:sld xmlns:a="http://schemas.openxmlformats.org/drawingml/2006/main" xmlns:r="http://schemas.openxmlformats.org/officeDocument/2006/relationships" xmlns:p="http://schemas.openxmlformats.org/presentationml/2006/main">
+  <p:cSld>
+    <p:spTree>
+      <p:nvGrpSpPr>
+        <p:cNvPr id="1" name="">
+          <a:extLst>
+            <a:ext uri="{FF2B5EF4-FFF2-40B4-BE49-F238E27FC236}">
               <a16:creationId xmlns:a16="http://schemas.microsoft.com/office/drawing/2014/main" id="{87AD1E89-DF85-2717-CB7C-611205BA0CE5}"/>
             </a:ext>
           </a:extLst>
@@ -5608,7 +5679,7 @@
 </p:sld>
 </file>
 
-<file path=ppt/slides/slide12.xml><?xml version="1.0" encoding="utf-8"?>
+<file path=ppt/slides/slide13.xml><?xml version="1.0" encoding="utf-8"?>
 <p:sld xmlns:a="http://schemas.openxmlformats.org/drawingml/2006/main" xmlns:r="http://schemas.openxmlformats.org/officeDocument/2006/relationships" xmlns:p="http://schemas.openxmlformats.org/presentationml/2006/main">
   <p:cSld>
     <p:spTree>
@@ -5938,7 +6009,7 @@
 </p:sld>
 </file>
 
-<file path=ppt/slides/slide13.xml><?xml version="1.0" encoding="utf-8"?>
+<file path=ppt/slides/slide14.xml><?xml version="1.0" encoding="utf-8"?>
 <p:sld xmlns:a="http://schemas.openxmlformats.org/drawingml/2006/main" xmlns:r="http://schemas.openxmlformats.org/officeDocument/2006/relationships" xmlns:p="http://schemas.openxmlformats.org/presentationml/2006/main">
   <p:cSld>
     <p:spTree>
@@ -6411,7 +6482,7 @@
 </p:sld>
 </file>
 
-<file path=ppt/slides/slide14.xml><?xml version="1.0" encoding="utf-8"?>
+<file path=ppt/slides/slide15.xml><?xml version="1.0" encoding="utf-8"?>
 <p:sld xmlns:a="http://schemas.openxmlformats.org/drawingml/2006/main" xmlns:r="http://schemas.openxmlformats.org/officeDocument/2006/relationships" xmlns:p="http://schemas.openxmlformats.org/presentationml/2006/main">
   <p:cSld>
     <p:spTree>
@@ -6761,7 +6832,7 @@
 </p:sld>
 </file>
 
-<file path=ppt/slides/slide15.xml><?xml version="1.0" encoding="utf-8"?>
+<file path=ppt/slides/slide16.xml><?xml version="1.0" encoding="utf-8"?>
 <p:sld xmlns:a="http://schemas.openxmlformats.org/drawingml/2006/main" xmlns:r="http://schemas.openxmlformats.org/officeDocument/2006/relationships" xmlns:p="http://schemas.openxmlformats.org/presentationml/2006/main">
   <p:cSld>
     <p:spTree>
@@ -6886,7 +6957,7 @@
         <p:spPr>
           <a:xfrm>
             <a:off x="260431" y="329879"/>
-            <a:ext cx="8906720" cy="6398739"/>
+            <a:ext cx="8906720" cy="6680868"/>
           </a:xfrm>
           <a:prstGeom prst="rect">
             <a:avLst/>
@@ -6953,23 +7024,75 @@
                 <a:latin typeface="Pragmatica" panose="020B0403040502020204"/>
                 <a:sym typeface="Consolas"/>
               </a:rPr>
-              <a:t>Resource: </a:t>
+              <a:t>File: </a:t>
             </a:r>
             <a:r>
               <a:rPr lang="en-US" sz="3600" dirty="0">
                 <a:solidFill>
-                  <a:srgbClr val="CF3338"/>
+                  <a:srgbClr val="C00000"/>
+                </a:solidFill>
+                <a:latin typeface="Consolas" panose="020B0609020204030204" pitchFamily="49" charset="0"/>
+                <a:sym typeface="Consolas"/>
+              </a:rPr>
+              <a:t>ai-for-data-viz.txt</a:t>
+            </a:r>
+          </a:p>
+          <a:p>
+            <a:pPr marL="714375" indent="-571500">
+              <a:lnSpc>
+                <a:spcPct val="115000"/>
+              </a:lnSpc>
+              <a:spcBef>
+                <a:spcPts val="1125"/>
+              </a:spcBef>
+              <a:buClr>
+                <a:srgbClr val="C00000"/>
+              </a:buClr>
+              <a:buSzPts val="2100"/>
+              <a:buFont typeface="Arial" panose="020B0604020202020204" pitchFamily="34" charset="0"/>
+              <a:buChar char="•"/>
+            </a:pPr>
+            <a:r>
+              <a:rPr lang="en-US" sz="3600" dirty="0">
+                <a:solidFill>
+                  <a:srgbClr val="C00000"/>
                 </a:solidFill>
                 <a:latin typeface="Pragmatica" panose="020B0403040502020204"/>
                 <a:sym typeface="Consolas"/>
               </a:rPr>
-              <a:t>https://stringfestanalytics.com/how-to-choose-the-right-free-tools-for-ai-powered-excel-tasks/</a:t>
+              <a:t>Free AI tools generally can’t build plots</a:t>
+            </a:r>
+          </a:p>
+          <a:p>
+            <a:pPr marL="714375" indent="-571500">
+              <a:lnSpc>
+                <a:spcPct val="115000"/>
+              </a:lnSpc>
+              <a:spcBef>
+                <a:spcPts val="1125"/>
+              </a:spcBef>
+              <a:buClr>
+                <a:srgbClr val="C00000"/>
+              </a:buClr>
+              <a:buSzPts val="2100"/>
+              <a:buFont typeface="Arial" panose="020B0604020202020204" pitchFamily="34" charset="0"/>
+              <a:buChar char="•"/>
+            </a:pPr>
+            <a:r>
+              <a:rPr lang="en-US" sz="3600" dirty="0">
+                <a:solidFill>
+                  <a:srgbClr val="C00000"/>
+                </a:solidFill>
+                <a:latin typeface="Pragmatica" panose="020B0403040502020204"/>
+                <a:sym typeface="Consolas"/>
+              </a:rPr>
+              <a:t>How can we get help to build plots ourselves? </a:t>
             </a:r>
             <a:endParaRPr lang="en-US" sz="6000" dirty="0">
               <a:solidFill>
                 <a:srgbClr val="CF3338"/>
               </a:solidFill>
-              <a:latin typeface="Pragmatica" panose="020B0403040502020204" pitchFamily="34" charset="0"/>
+              <a:latin typeface="Pragmatica" panose="020B0403040502020204"/>
             </a:endParaRPr>
           </a:p>
         </p:txBody>
@@ -6987,7 +7110,7 @@
 </p:sld>
 </file>
 
-<file path=ppt/slides/slide16.xml><?xml version="1.0" encoding="utf-8"?>
+<file path=ppt/slides/slide17.xml><?xml version="1.0" encoding="utf-8"?>
 <p:sld xmlns:a="http://schemas.openxmlformats.org/drawingml/2006/main" xmlns:r="http://schemas.openxmlformats.org/officeDocument/2006/relationships" xmlns:p="http://schemas.openxmlformats.org/presentationml/2006/main">
   <p:cSld>
     <p:spTree>
@@ -7112,7 +7235,7 @@
         <p:spPr>
           <a:xfrm>
             <a:off x="260431" y="329879"/>
-            <a:ext cx="8906720" cy="5475410"/>
+            <a:ext cx="8906720" cy="8305928"/>
           </a:xfrm>
           <a:prstGeom prst="rect">
             <a:avLst/>
@@ -7179,6 +7302,58 @@
                 <a:latin typeface="Pragmatica" panose="020B0403040502020204"/>
                 <a:sym typeface="Consolas"/>
               </a:rPr>
+              <a:t>How can we create realistic, fake datasets to use for further analysis? </a:t>
+            </a:r>
+          </a:p>
+          <a:p>
+            <a:pPr marL="714375" indent="-571500">
+              <a:lnSpc>
+                <a:spcPct val="115000"/>
+              </a:lnSpc>
+              <a:spcBef>
+                <a:spcPts val="1125"/>
+              </a:spcBef>
+              <a:buClr>
+                <a:srgbClr val="C00000"/>
+              </a:buClr>
+              <a:buSzPts val="2100"/>
+              <a:buFont typeface="Arial" panose="020B0604020202020204" pitchFamily="34" charset="0"/>
+              <a:buChar char="•"/>
+            </a:pPr>
+            <a:r>
+              <a:rPr lang="en-US" sz="3600" dirty="0">
+                <a:solidFill>
+                  <a:srgbClr val="C00000"/>
+                </a:solidFill>
+                <a:latin typeface="Pragmatica" panose="020B0403040502020204"/>
+                <a:sym typeface="Consolas"/>
+              </a:rPr>
+              <a:t>Using Python to create larger, more complex datasets</a:t>
+            </a:r>
+          </a:p>
+          <a:p>
+            <a:pPr marL="714375" indent="-571500">
+              <a:lnSpc>
+                <a:spcPct val="115000"/>
+              </a:lnSpc>
+              <a:spcBef>
+                <a:spcPts val="1125"/>
+              </a:spcBef>
+              <a:buClr>
+                <a:srgbClr val="C00000"/>
+              </a:buClr>
+              <a:buSzPts val="2100"/>
+              <a:buFont typeface="Arial" panose="020B0604020202020204" pitchFamily="34" charset="0"/>
+              <a:buChar char="•"/>
+            </a:pPr>
+            <a:r>
+              <a:rPr lang="en-US" sz="3600" dirty="0">
+                <a:solidFill>
+                  <a:srgbClr val="C00000"/>
+                </a:solidFill>
+                <a:latin typeface="Pragmatica" panose="020B0403040502020204"/>
+                <a:sym typeface="Consolas"/>
+              </a:rPr>
               <a:t>Resource: </a:t>
             </a:r>
             <a:r>
@@ -7213,7 +7388,7 @@
 </p:sld>
 </file>
 
-<file path=ppt/slides/slide17.xml><?xml version="1.0" encoding="utf-8"?>
+<file path=ppt/slides/slide18.xml><?xml version="1.0" encoding="utf-8"?>
 <p:sld xmlns:a="http://schemas.openxmlformats.org/drawingml/2006/main" xmlns:r="http://schemas.openxmlformats.org/officeDocument/2006/relationships" xmlns:p="http://schemas.openxmlformats.org/presentationml/2006/main">
   <p:cSld>
     <p:spTree>
@@ -7572,7 +7747,7 @@
 </p:sld>
 </file>
 
-<file path=ppt/slides/slide18.xml><?xml version="1.0" encoding="utf-8"?>
+<file path=ppt/slides/slide19.xml><?xml version="1.0" encoding="utf-8"?>
 <p:sld xmlns:a="http://schemas.openxmlformats.org/drawingml/2006/main" xmlns:r="http://schemas.openxmlformats.org/officeDocument/2006/relationships" xmlns:p="http://schemas.openxmlformats.org/presentationml/2006/main">
   <p:cSld>
     <p:spTree>
@@ -7673,220 +7848,6 @@
     <p:extLst>
       <p:ext uri="{BB962C8B-B14F-4D97-AF65-F5344CB8AC3E}">
         <p14:creationId xmlns:p14="http://schemas.microsoft.com/office/powerpoint/2010/main" val="2491588467"/>
-      </p:ext>
-    </p:extLst>
-  </p:cSld>
-  <p:clrMapOvr>
-    <a:masterClrMapping/>
-  </p:clrMapOvr>
-</p:sld>
-</file>
-
-<file path=ppt/slides/slide19.xml><?xml version="1.0" encoding="utf-8"?>
-<p:sld xmlns:a="http://schemas.openxmlformats.org/drawingml/2006/main" xmlns:r="http://schemas.openxmlformats.org/officeDocument/2006/relationships" xmlns:p="http://schemas.openxmlformats.org/presentationml/2006/main">
-  <p:cSld>
-    <p:spTree>
-      <p:nvGrpSpPr>
-        <p:cNvPr id="1" name="">
-          <a:extLst>
-            <a:ext uri="{FF2B5EF4-FFF2-40B4-BE49-F238E27FC236}">
-              <a16:creationId xmlns:a16="http://schemas.microsoft.com/office/drawing/2014/main" id="{4DB200E3-03FF-C33B-37A3-157DBBE5A7C2}"/>
-            </a:ext>
-          </a:extLst>
-        </p:cNvPr>
-        <p:cNvGrpSpPr/>
-        <p:nvPr/>
-      </p:nvGrpSpPr>
-      <p:grpSpPr>
-        <a:xfrm>
-          <a:off x="0" y="0"/>
-          <a:ext cx="0" cy="0"/>
-          <a:chOff x="0" y="0"/>
-          <a:chExt cx="0" cy="0"/>
-        </a:xfrm>
-      </p:grpSpPr>
-      <p:sp>
-        <p:nvSpPr>
-          <p:cNvPr id="4" name="Rectangle 3">
-            <a:extLst>
-              <a:ext uri="{FF2B5EF4-FFF2-40B4-BE49-F238E27FC236}">
-                <a16:creationId xmlns:a16="http://schemas.microsoft.com/office/drawing/2014/main" id="{66F9AABC-14AB-F52B-9781-1CFAB616CFD1}"/>
-              </a:ext>
-            </a:extLst>
-          </p:cNvPr>
-          <p:cNvSpPr/>
-          <p:nvPr/>
-        </p:nvSpPr>
-        <p:spPr>
-          <a:xfrm>
-            <a:off x="9861630" y="0"/>
-            <a:ext cx="8426370" cy="10287000"/>
-          </a:xfrm>
-          <a:prstGeom prst="rect">
-            <a:avLst/>
-          </a:prstGeom>
-          <a:solidFill>
-            <a:srgbClr val="CF3338"/>
-          </a:solidFill>
-          <a:ln>
-            <a:noFill/>
-          </a:ln>
-        </p:spPr>
-        <p:style>
-          <a:lnRef idx="2">
-            <a:schemeClr val="accent1">
-              <a:shade val="50000"/>
-            </a:schemeClr>
-          </a:lnRef>
-          <a:fillRef idx="1">
-            <a:schemeClr val="accent1"/>
-          </a:fillRef>
-          <a:effectRef idx="0">
-            <a:schemeClr val="accent1"/>
-          </a:effectRef>
-          <a:fontRef idx="minor">
-            <a:schemeClr val="lt1"/>
-          </a:fontRef>
-        </p:style>
-        <p:txBody>
-          <a:bodyPr rtlCol="0" anchor="ctr"/>
-          <a:lstStyle/>
-          <a:p>
-            <a:pPr algn="ctr"/>
-            <a:endParaRPr lang="en-US" sz="2700"/>
-          </a:p>
-        </p:txBody>
-      </p:sp>
-      <p:pic>
-        <p:nvPicPr>
-          <p:cNvPr id="2" name="Picture 1">
-            <a:extLst>
-              <a:ext uri="{FF2B5EF4-FFF2-40B4-BE49-F238E27FC236}">
-                <a16:creationId xmlns:a16="http://schemas.microsoft.com/office/drawing/2014/main" id="{2C962416-2C62-6592-096F-3F56A39891C3}"/>
-              </a:ext>
-            </a:extLst>
-          </p:cNvPr>
-          <p:cNvPicPr>
-            <a:picLocks noChangeAspect="1"/>
-          </p:cNvPicPr>
-          <p:nvPr/>
-        </p:nvPicPr>
-        <p:blipFill rotWithShape="1">
-          <a:blip r:embed="rId3">
-            <a:extLst>
-              <a:ext uri="{28A0092B-C50C-407E-A947-70E740481C1C}">
-                <a14:useLocalDpi xmlns:a14="http://schemas.microsoft.com/office/drawing/2010/main" val="0"/>
-              </a:ext>
-            </a:extLst>
-          </a:blip>
-          <a:srcRect l="69227" t="33418" r="20112" b="50548"/>
-          <a:stretch/>
-        </p:blipFill>
-        <p:spPr>
-          <a:xfrm>
-            <a:off x="15579524" y="7544693"/>
-            <a:ext cx="2708477" cy="2987579"/>
-          </a:xfrm>
-          <a:prstGeom prst="rect">
-            <a:avLst/>
-          </a:prstGeom>
-        </p:spPr>
-      </p:pic>
-      <p:sp>
-        <p:nvSpPr>
-          <p:cNvPr id="3" name="TextBox 2">
-            <a:extLst>
-              <a:ext uri="{FF2B5EF4-FFF2-40B4-BE49-F238E27FC236}">
-                <a16:creationId xmlns:a16="http://schemas.microsoft.com/office/drawing/2014/main" id="{13856ACB-80E4-14D1-6F51-6DD5B1BFA4EB}"/>
-              </a:ext>
-            </a:extLst>
-          </p:cNvPr>
-          <p:cNvSpPr txBox="1"/>
-          <p:nvPr/>
-        </p:nvSpPr>
-        <p:spPr>
-          <a:xfrm>
-            <a:off x="260431" y="329879"/>
-            <a:ext cx="8906720" cy="3676969"/>
-          </a:xfrm>
-          <a:prstGeom prst="rect">
-            <a:avLst/>
-          </a:prstGeom>
-          <a:noFill/>
-        </p:spPr>
-        <p:txBody>
-          <a:bodyPr wrap="square" rtlCol="0">
-            <a:spAutoFit/>
-          </a:bodyPr>
-          <a:lstStyle/>
-          <a:p>
-            <a:r>
-              <a:rPr lang="en-US" sz="6000" b="1" dirty="0">
-                <a:solidFill>
-                  <a:srgbClr val="CF3338"/>
-                </a:solidFill>
-                <a:latin typeface="Pragmatica" panose="020B0403040502020204" pitchFamily="34" charset="0"/>
-              </a:rPr>
-              <a:t>Debugging Excel formulas</a:t>
-            </a:r>
-          </a:p>
-          <a:p>
-            <a:endParaRPr lang="en-US" sz="4200" dirty="0">
-              <a:solidFill>
-                <a:srgbClr val="CF3338"/>
-              </a:solidFill>
-              <a:latin typeface="Pragmatica" panose="020B0403040502020204" pitchFamily="34" charset="0"/>
-            </a:endParaRPr>
-          </a:p>
-          <a:p>
-            <a:pPr marL="714375" indent="-571500">
-              <a:lnSpc>
-                <a:spcPct val="115000"/>
-              </a:lnSpc>
-              <a:spcBef>
-                <a:spcPts val="1125"/>
-              </a:spcBef>
-              <a:buClr>
-                <a:srgbClr val="C00000"/>
-              </a:buClr>
-              <a:buSzPts val="2100"/>
-              <a:buFont typeface="Arial" panose="020B0604020202020204" pitchFamily="34" charset="0"/>
-              <a:buChar char="•"/>
-            </a:pPr>
-            <a:r>
-              <a:rPr lang="en-US" sz="3600" dirty="0">
-                <a:solidFill>
-                  <a:srgbClr val="CF3338"/>
-                </a:solidFill>
-                <a:latin typeface="Pragmatica" panose="020B0403040502020204"/>
-                <a:sym typeface="Consolas"/>
-                <a:hlinkClick r:id="rId4">
-                  <a:extLst>
-                    <a:ext uri="{A12FA001-AC4F-418D-AE19-62706E023703}">
-                      <ahyp:hlinkClr xmlns:ahyp="http://schemas.microsoft.com/office/drawing/2018/hyperlinkcolor" val="tx"/>
-                    </a:ext>
-                  </a:extLst>
-                </a:hlinkClick>
-              </a:rPr>
-              <a:t>https://stringfestanalytics.com/how-to-understand-console-log-in-office-scripts-for-excel/</a:t>
-            </a:r>
-            <a:r>
-              <a:rPr lang="en-US" sz="3600" dirty="0">
-                <a:solidFill>
-                  <a:srgbClr val="CF3338"/>
-                </a:solidFill>
-                <a:latin typeface="Pragmatica" panose="020B0403040502020204"/>
-                <a:sym typeface="Consolas"/>
-              </a:rPr>
-              <a:t> </a:t>
-            </a:r>
-          </a:p>
-        </p:txBody>
-      </p:sp>
-    </p:spTree>
-    <p:extLst>
-      <p:ext uri="{BB962C8B-B14F-4D97-AF65-F5344CB8AC3E}">
-        <p14:creationId xmlns:p14="http://schemas.microsoft.com/office/powerpoint/2010/main" val="2378610790"/>
       </p:ext>
     </p:extLst>
   </p:cSld>
@@ -8238,6 +8199,229 @@
         <p:cNvPr id="1" name="">
           <a:extLst>
             <a:ext uri="{FF2B5EF4-FFF2-40B4-BE49-F238E27FC236}">
+              <a16:creationId xmlns:a16="http://schemas.microsoft.com/office/drawing/2014/main" id="{4DB200E3-03FF-C33B-37A3-157DBBE5A7C2}"/>
+            </a:ext>
+          </a:extLst>
+        </p:cNvPr>
+        <p:cNvGrpSpPr/>
+        <p:nvPr/>
+      </p:nvGrpSpPr>
+      <p:grpSpPr>
+        <a:xfrm>
+          <a:off x="0" y="0"/>
+          <a:ext cx="0" cy="0"/>
+          <a:chOff x="0" y="0"/>
+          <a:chExt cx="0" cy="0"/>
+        </a:xfrm>
+      </p:grpSpPr>
+      <p:sp>
+        <p:nvSpPr>
+          <p:cNvPr id="4" name="Rectangle 3">
+            <a:extLst>
+              <a:ext uri="{FF2B5EF4-FFF2-40B4-BE49-F238E27FC236}">
+                <a16:creationId xmlns:a16="http://schemas.microsoft.com/office/drawing/2014/main" id="{66F9AABC-14AB-F52B-9781-1CFAB616CFD1}"/>
+              </a:ext>
+            </a:extLst>
+          </p:cNvPr>
+          <p:cNvSpPr/>
+          <p:nvPr/>
+        </p:nvSpPr>
+        <p:spPr>
+          <a:xfrm>
+            <a:off x="9861630" y="0"/>
+            <a:ext cx="8426370" cy="10287000"/>
+          </a:xfrm>
+          <a:prstGeom prst="rect">
+            <a:avLst/>
+          </a:prstGeom>
+          <a:solidFill>
+            <a:srgbClr val="CF3338"/>
+          </a:solidFill>
+          <a:ln>
+            <a:noFill/>
+          </a:ln>
+        </p:spPr>
+        <p:style>
+          <a:lnRef idx="2">
+            <a:schemeClr val="accent1">
+              <a:shade val="50000"/>
+            </a:schemeClr>
+          </a:lnRef>
+          <a:fillRef idx="1">
+            <a:schemeClr val="accent1"/>
+          </a:fillRef>
+          <a:effectRef idx="0">
+            <a:schemeClr val="accent1"/>
+          </a:effectRef>
+          <a:fontRef idx="minor">
+            <a:schemeClr val="lt1"/>
+          </a:fontRef>
+        </p:style>
+        <p:txBody>
+          <a:bodyPr rtlCol="0" anchor="ctr"/>
+          <a:lstStyle/>
+          <a:p>
+            <a:pPr algn="ctr"/>
+            <a:endParaRPr lang="en-US" sz="2700"/>
+          </a:p>
+        </p:txBody>
+      </p:sp>
+      <p:pic>
+        <p:nvPicPr>
+          <p:cNvPr id="2" name="Picture 1">
+            <a:extLst>
+              <a:ext uri="{FF2B5EF4-FFF2-40B4-BE49-F238E27FC236}">
+                <a16:creationId xmlns:a16="http://schemas.microsoft.com/office/drawing/2014/main" id="{2C962416-2C62-6592-096F-3F56A39891C3}"/>
+              </a:ext>
+            </a:extLst>
+          </p:cNvPr>
+          <p:cNvPicPr>
+            <a:picLocks noChangeAspect="1"/>
+          </p:cNvPicPr>
+          <p:nvPr/>
+        </p:nvPicPr>
+        <p:blipFill rotWithShape="1">
+          <a:blip r:embed="rId3">
+            <a:extLst>
+              <a:ext uri="{28A0092B-C50C-407E-A947-70E740481C1C}">
+                <a14:useLocalDpi xmlns:a14="http://schemas.microsoft.com/office/drawing/2010/main" val="0"/>
+              </a:ext>
+            </a:extLst>
+          </a:blip>
+          <a:srcRect l="69227" t="33418" r="20112" b="50548"/>
+          <a:stretch/>
+        </p:blipFill>
+        <p:spPr>
+          <a:xfrm>
+            <a:off x="15579524" y="7544693"/>
+            <a:ext cx="2708477" cy="2987579"/>
+          </a:xfrm>
+          <a:prstGeom prst="rect">
+            <a:avLst/>
+          </a:prstGeom>
+        </p:spPr>
+      </p:pic>
+      <p:sp>
+        <p:nvSpPr>
+          <p:cNvPr id="3" name="TextBox 2">
+            <a:extLst>
+              <a:ext uri="{FF2B5EF4-FFF2-40B4-BE49-F238E27FC236}">
+                <a16:creationId xmlns:a16="http://schemas.microsoft.com/office/drawing/2014/main" id="{13856ACB-80E4-14D1-6F51-6DD5B1BFA4EB}"/>
+              </a:ext>
+            </a:extLst>
+          </p:cNvPr>
+          <p:cNvSpPr txBox="1"/>
+          <p:nvPr/>
+        </p:nvSpPr>
+        <p:spPr>
+          <a:xfrm>
+            <a:off x="260431" y="329879"/>
+            <a:ext cx="8906720" cy="6149889"/>
+          </a:xfrm>
+          <a:prstGeom prst="rect">
+            <a:avLst/>
+          </a:prstGeom>
+          <a:noFill/>
+        </p:spPr>
+        <p:txBody>
+          <a:bodyPr wrap="square" rtlCol="0">
+            <a:spAutoFit/>
+          </a:bodyPr>
+          <a:lstStyle/>
+          <a:p>
+            <a:r>
+              <a:rPr lang="en-US" sz="6000" b="1" dirty="0">
+                <a:solidFill>
+                  <a:srgbClr val="CF3338"/>
+                </a:solidFill>
+                <a:latin typeface="Pragmatica" panose="020B0403040502020204" pitchFamily="34" charset="0"/>
+              </a:rPr>
+              <a:t>Debugging Excel formulas</a:t>
+            </a:r>
+          </a:p>
+          <a:p>
+            <a:endParaRPr lang="en-US" sz="4200" dirty="0">
+              <a:solidFill>
+                <a:srgbClr val="CF3338"/>
+              </a:solidFill>
+              <a:latin typeface="Pragmatica" panose="020B0403040502020204" pitchFamily="34" charset="0"/>
+            </a:endParaRPr>
+          </a:p>
+          <a:p>
+            <a:pPr marL="714375" indent="-571500">
+              <a:lnSpc>
+                <a:spcPct val="115000"/>
+              </a:lnSpc>
+              <a:spcBef>
+                <a:spcPts val="1125"/>
+              </a:spcBef>
+              <a:buClr>
+                <a:srgbClr val="C00000"/>
+              </a:buClr>
+              <a:buSzPts val="2100"/>
+              <a:buFont typeface="Arial" panose="020B0604020202020204" pitchFamily="34" charset="0"/>
+              <a:buChar char="•"/>
+            </a:pPr>
+            <a:r>
+              <a:rPr lang="en-US" sz="4000" dirty="0">
+                <a:solidFill>
+                  <a:srgbClr val="CF3338"/>
+                </a:solidFill>
+                <a:latin typeface="Pragmatica" panose="020B0403040502020204"/>
+                <a:sym typeface="Consolas"/>
+              </a:rPr>
+              <a:t>How can we get help debugging calculated columns, aggregations, VBA macros and more with ChatGPT? </a:t>
+            </a:r>
+          </a:p>
+          <a:p>
+            <a:pPr marL="714375" indent="-571500">
+              <a:lnSpc>
+                <a:spcPct val="115000"/>
+              </a:lnSpc>
+              <a:spcBef>
+                <a:spcPts val="1125"/>
+              </a:spcBef>
+              <a:buClr>
+                <a:srgbClr val="C00000"/>
+              </a:buClr>
+              <a:buSzPts val="2100"/>
+              <a:buFont typeface="Arial" panose="020B0604020202020204" pitchFamily="34" charset="0"/>
+              <a:buChar char="•"/>
+            </a:pPr>
+            <a:r>
+              <a:rPr lang="en-US" sz="4000" dirty="0">
+                <a:solidFill>
+                  <a:srgbClr val="CF3338"/>
+                </a:solidFill>
+                <a:latin typeface="Pragmatica" panose="020B0403040502020204"/>
+                <a:sym typeface="Consolas"/>
+              </a:rPr>
+              <a:t>Resource: https://stringfestanalytics.com/copilot-for-excel-how-to-debug-formulas/</a:t>
+            </a:r>
+          </a:p>
+        </p:txBody>
+      </p:sp>
+    </p:spTree>
+    <p:extLst>
+      <p:ext uri="{BB962C8B-B14F-4D97-AF65-F5344CB8AC3E}">
+        <p14:creationId xmlns:p14="http://schemas.microsoft.com/office/powerpoint/2010/main" val="2378610790"/>
+      </p:ext>
+    </p:extLst>
+  </p:cSld>
+  <p:clrMapOvr>
+    <a:masterClrMapping/>
+  </p:clrMapOvr>
+</p:sld>
+</file>
+
+<file path=ppt/slides/slide21.xml><?xml version="1.0" encoding="utf-8"?>
+<p:sld xmlns:a="http://schemas.openxmlformats.org/drawingml/2006/main" xmlns:r="http://schemas.openxmlformats.org/officeDocument/2006/relationships" xmlns:p="http://schemas.openxmlformats.org/presentationml/2006/main">
+  <p:cSld>
+    <p:spTree>
+      <p:nvGrpSpPr>
+        <p:cNvPr id="1" name="">
+          <a:extLst>
+            <a:ext uri="{FF2B5EF4-FFF2-40B4-BE49-F238E27FC236}">
               <a16:creationId xmlns:a16="http://schemas.microsoft.com/office/drawing/2014/main" id="{30B0421F-C5E1-ADD5-ECE4-6375F4060D94}"/>
             </a:ext>
           </a:extLst>
@@ -8355,7 +8539,7 @@
         <p:spPr>
           <a:xfrm>
             <a:off x="260431" y="329879"/>
-            <a:ext cx="8906720" cy="8350043"/>
+            <a:ext cx="8906720" cy="9333261"/>
           </a:xfrm>
           <a:prstGeom prst="rect">
             <a:avLst/>
@@ -8402,14 +8586,14 @@
               <a:buChar char="•"/>
             </a:pPr>
             <a:r>
-              <a:rPr lang="en-US" sz="3600" dirty="0">
+              <a:rPr lang="en-US" sz="4400" dirty="0">
                 <a:solidFill>
                   <a:srgbClr val="C00000"/>
                 </a:solidFill>
                 <a:latin typeface="Pragmatica" panose="020B0403040502020204"/>
                 <a:sym typeface="Consolas"/>
               </a:rPr>
-              <a:t>Sharing within a workbook</a:t>
+              <a:t>Natural language querying and AI-assisted insights with Analyze Data</a:t>
             </a:r>
           </a:p>
           <a:p>
@@ -8428,14 +8612,14 @@
               <a:buChar char="•"/>
             </a:pPr>
             <a:r>
-              <a:rPr lang="en-US" sz="3600" dirty="0">
+              <a:rPr lang="en-US" sz="4400" dirty="0">
                 <a:solidFill>
                   <a:srgbClr val="C00000"/>
                 </a:solidFill>
                 <a:latin typeface="Pragmatica" panose="020B0403040502020204"/>
                 <a:sym typeface="Consolas"/>
               </a:rPr>
-              <a:t>Sharing with other users in an organization</a:t>
+              <a:t>Free precursor to Copilot </a:t>
             </a:r>
           </a:p>
           <a:p>
@@ -8454,14 +8638,24 @@
               <a:buChar char="•"/>
             </a:pPr>
             <a:r>
-              <a:rPr lang="en-US" sz="3600" dirty="0">
+              <a:rPr lang="en-US" sz="4400" dirty="0">
                 <a:solidFill>
                   <a:srgbClr val="C00000"/>
                 </a:solidFill>
                 <a:latin typeface="Pragmatica" panose="020B0403040502020204"/>
                 <a:sym typeface="Consolas"/>
               </a:rPr>
-              <a:t>Sharing outside your organization</a:t>
+              <a:t>File: </a:t>
+            </a:r>
+            <a:r>
+              <a:rPr lang="en-US" sz="4400" dirty="0">
+                <a:solidFill>
+                  <a:srgbClr val="C00000"/>
+                </a:solidFill>
+                <a:latin typeface="Consolas" panose="020B0609020204030204" pitchFamily="49" charset="0"/>
+                <a:sym typeface="Consolas"/>
+              </a:rPr>
+              <a:t>analyze-data.xlsx</a:t>
             </a:r>
           </a:p>
           <a:p>
@@ -8480,77 +8674,14 @@
               <a:buChar char="•"/>
             </a:pPr>
             <a:r>
-              <a:rPr lang="en-US" sz="3600" dirty="0">
-                <a:solidFill>
-                  <a:srgbClr val="C00000"/>
+              <a:rPr lang="en-US" sz="4400" dirty="0">
+                <a:solidFill>
+                  <a:srgbClr val="CF3338"/>
                 </a:solidFill>
                 <a:latin typeface="Pragmatica" panose="020B0403040502020204"/>
                 <a:sym typeface="Consolas"/>
               </a:rPr>
-              <a:t>File: </a:t>
-            </a:r>
-            <a:r>
-              <a:rPr lang="en-US" sz="3600" dirty="0">
-                <a:solidFill>
-                  <a:srgbClr val="C00000"/>
-                </a:solidFill>
-                <a:latin typeface="Consolas" panose="020B0609020204030204" pitchFamily="49" charset="0"/>
-                <a:sym typeface="Consolas"/>
-              </a:rPr>
-              <a:t>sharing-office-scripts.xlsx</a:t>
-            </a:r>
-          </a:p>
-          <a:p>
-            <a:pPr marL="714375" indent="-571500">
-              <a:lnSpc>
-                <a:spcPct val="115000"/>
-              </a:lnSpc>
-              <a:spcBef>
-                <a:spcPts val="1125"/>
-              </a:spcBef>
-              <a:buClr>
-                <a:srgbClr val="C00000"/>
-              </a:buClr>
-              <a:buSzPts val="2100"/>
-              <a:buFont typeface="Arial" panose="020B0604020202020204" pitchFamily="34" charset="0"/>
-              <a:buChar char="•"/>
-            </a:pPr>
-            <a:r>
-              <a:rPr lang="en-US" sz="3600" dirty="0">
-                <a:solidFill>
-                  <a:srgbClr val="CF3338"/>
-                </a:solidFill>
-                <a:latin typeface="Pragmatica" panose="020B0403040502020204"/>
-                <a:sym typeface="Consolas"/>
-              </a:rPr>
-              <a:t>Resource: </a:t>
-            </a:r>
-            <a:r>
-              <a:rPr lang="en-US" sz="3600" dirty="0">
-                <a:solidFill>
-                  <a:srgbClr val="CF3338"/>
-                </a:solidFill>
-                <a:latin typeface="Pragmatica" panose="020B0403040502020204"/>
-                <a:sym typeface="Consolas"/>
-                <a:hlinkClick r:id="rId4">
-                  <a:extLst>
-                    <a:ext uri="{A12FA001-AC4F-418D-AE19-62706E023703}">
-                      <ahyp:hlinkClr xmlns:ahyp="http://schemas.microsoft.com/office/drawing/2018/hyperlinkcolor" val="tx"/>
-                    </a:ext>
-                  </a:extLst>
-                </a:hlinkClick>
-              </a:rPr>
-              <a:t>https://stringfestanalytics.com/office-scripts-for-excel-how-to-share-your-scripts/</a:t>
-            </a:r>
-            <a:r>
-              <a:rPr lang="en-US" sz="3600" dirty="0">
-                <a:solidFill>
-                  <a:srgbClr val="CF3338"/>
-                </a:solidFill>
-                <a:latin typeface="Pragmatica" panose="020B0403040502020204"/>
-                <a:sym typeface="Consolas"/>
-              </a:rPr>
-              <a:t> </a:t>
+              <a:t>Resource: https://stringfestanalytics.com/how-to-get-ai-powered-insights-in-excel-with-analyze-data/</a:t>
             </a:r>
           </a:p>
         </p:txBody>
@@ -8568,7 +8699,7 @@
 </p:sld>
 </file>
 
-<file path=ppt/slides/slide21.xml><?xml version="1.0" encoding="utf-8"?>
+<file path=ppt/slides/slide22.xml><?xml version="1.0" encoding="utf-8"?>
 <p:sld xmlns:a="http://schemas.openxmlformats.org/drawingml/2006/main" xmlns:r="http://schemas.openxmlformats.org/officeDocument/2006/relationships" xmlns:p="http://schemas.openxmlformats.org/presentationml/2006/main">
   <p:cSld>
     <p:spTree>
@@ -8693,7 +8824,7 @@
         <p:spPr>
           <a:xfrm>
             <a:off x="260431" y="329879"/>
-            <a:ext cx="8906720" cy="7426713"/>
+            <a:ext cx="9601198" cy="9116470"/>
           </a:xfrm>
           <a:prstGeom prst="rect">
             <a:avLst/>
@@ -8723,6 +8854,30 @@
               </a:solidFill>
               <a:latin typeface="Pragmatica" panose="020B0403040502020204" pitchFamily="34" charset="0"/>
             </a:endParaRPr>
+          </a:p>
+          <a:p>
+            <a:pPr marL="142875">
+              <a:lnSpc>
+                <a:spcPct val="115000"/>
+              </a:lnSpc>
+              <a:spcBef>
+                <a:spcPts val="1125"/>
+              </a:spcBef>
+              <a:buClr>
+                <a:srgbClr val="C00000"/>
+              </a:buClr>
+              <a:buSzPts val="2100"/>
+            </a:pPr>
+            <a:r>
+              <a:rPr lang="en-US" sz="4000" dirty="0">
+                <a:solidFill>
+                  <a:srgbClr val="C00000"/>
+                </a:solidFill>
+                <a:latin typeface="Pragmatica" panose="020B0403040502020204"/>
+                <a:sym typeface="Consolas"/>
+              </a:rPr>
+              <a:t>Using AI assistance: </a:t>
+            </a:r>
           </a:p>
           <a:p>
             <a:pPr marL="714375" indent="-571500">
@@ -8740,14 +8895,34 @@
               <a:buChar char="•"/>
             </a:pPr>
             <a:r>
-              <a:rPr lang="en-US" sz="3600" dirty="0">
+              <a:rPr lang="en-US" sz="4000" dirty="0">
                 <a:solidFill>
                   <a:srgbClr val="C00000"/>
                 </a:solidFill>
                 <a:latin typeface="Pragmatica" panose="020B0403040502020204"/>
                 <a:sym typeface="Consolas"/>
               </a:rPr>
-              <a:t>Sharing within a workbook</a:t>
+              <a:t>Fix </a:t>
+            </a:r>
+            <a:r>
+              <a:rPr lang="en-US" sz="4000" dirty="0">
+                <a:solidFill>
+                  <a:srgbClr val="C00000"/>
+                </a:solidFill>
+                <a:latin typeface="Consolas" panose="020B0609020204030204" pitchFamily="49" charset="0"/>
+                <a:sym typeface="Consolas"/>
+              </a:rPr>
+              <a:t>Total Sales</a:t>
+            </a:r>
+            <a:r>
+              <a:rPr lang="en-US" sz="4000" dirty="0">
+                <a:solidFill>
+                  <a:srgbClr val="C00000"/>
+                </a:solidFill>
+                <a:latin typeface="Pragmatica" panose="020B0403040502020204"/>
+                <a:sym typeface="Consolas"/>
+              </a:rPr>
+              <a:t> column</a:t>
             </a:r>
           </a:p>
           <a:p>
@@ -8766,14 +8941,14 @@
               <a:buChar char="•"/>
             </a:pPr>
             <a:r>
-              <a:rPr lang="en-US" sz="3600" dirty="0">
+              <a:rPr lang="en-US" sz="4000" dirty="0">
                 <a:solidFill>
                   <a:srgbClr val="C00000"/>
                 </a:solidFill>
                 <a:latin typeface="Pragmatica" panose="020B0403040502020204"/>
                 <a:sym typeface="Consolas"/>
               </a:rPr>
-              <a:t>Sharing with other users in an organization</a:t>
+              <a:t>Find total sales for March 2024</a:t>
             </a:r>
           </a:p>
           <a:p>
@@ -8792,14 +8967,92 @@
               <a:buChar char="•"/>
             </a:pPr>
             <a:r>
-              <a:rPr lang="en-US" sz="3600" dirty="0">
+              <a:rPr lang="en-US" sz="4000" dirty="0">
                 <a:solidFill>
                   <a:srgbClr val="C00000"/>
                 </a:solidFill>
                 <a:latin typeface="Pragmatica" panose="020B0403040502020204"/>
                 <a:sym typeface="Consolas"/>
               </a:rPr>
-              <a:t>Sharing outside your organization</a:t>
+              <a:t>Explore the data for insights/patterns:</a:t>
+            </a:r>
+          </a:p>
+          <a:p>
+            <a:pPr marL="1171575" lvl="1" indent="-571500">
+              <a:lnSpc>
+                <a:spcPct val="115000"/>
+              </a:lnSpc>
+              <a:spcBef>
+                <a:spcPts val="1125"/>
+              </a:spcBef>
+              <a:buClr>
+                <a:srgbClr val="C00000"/>
+              </a:buClr>
+              <a:buSzPts val="2100"/>
+              <a:buFont typeface="Arial" panose="020B0604020202020204" pitchFamily="34" charset="0"/>
+              <a:buChar char="•"/>
+            </a:pPr>
+            <a:r>
+              <a:rPr lang="en-US" sz="4000" dirty="0">
+                <a:solidFill>
+                  <a:srgbClr val="C00000"/>
+                </a:solidFill>
+                <a:latin typeface="Pragmatica" panose="020B0403040502020204"/>
+                <a:sym typeface="Consolas"/>
+              </a:rPr>
+              <a:t>Total sales by month</a:t>
+            </a:r>
+          </a:p>
+          <a:p>
+            <a:pPr marL="1171575" lvl="1" indent="-571500">
+              <a:lnSpc>
+                <a:spcPct val="115000"/>
+              </a:lnSpc>
+              <a:spcBef>
+                <a:spcPts val="1125"/>
+              </a:spcBef>
+              <a:buClr>
+                <a:srgbClr val="C00000"/>
+              </a:buClr>
+              <a:buSzPts val="2100"/>
+              <a:buFont typeface="Arial" panose="020B0604020202020204" pitchFamily="34" charset="0"/>
+              <a:buChar char="•"/>
+            </a:pPr>
+            <a:r>
+              <a:rPr lang="en-US" sz="4000" dirty="0">
+                <a:solidFill>
+                  <a:srgbClr val="C00000"/>
+                </a:solidFill>
+                <a:latin typeface="Pragmatica" panose="020B0403040502020204"/>
+                <a:sym typeface="Consolas"/>
+              </a:rPr>
+              <a:t>Discount rate by category</a:t>
+            </a:r>
+          </a:p>
+          <a:p>
+            <a:pPr marL="1171575" lvl="1" indent="-571500">
+              <a:lnSpc>
+                <a:spcPct val="115000"/>
+              </a:lnSpc>
+              <a:spcBef>
+                <a:spcPts val="1125"/>
+              </a:spcBef>
+              <a:buClr>
+                <a:srgbClr val="C00000"/>
+              </a:buClr>
+              <a:buSzPts val="2100"/>
+              <a:buFont typeface="Arial" panose="020B0604020202020204" pitchFamily="34" charset="0"/>
+              <a:buChar char="•"/>
+            </a:pPr>
+            <a:r>
+              <a:rPr lang="en-US" sz="4000" dirty="0">
+                <a:solidFill>
+                  <a:srgbClr val="C00000"/>
+                </a:solidFill>
+                <a:latin typeface="Pragmatica" panose="020B0403040502020204"/>
+                <a:sym typeface="Consolas"/>
+              </a:rPr>
+              <a:t>Total sales by category</a:t>
             </a:r>
           </a:p>
           <a:p>
@@ -8818,7 +9071,7 @@
               <a:buChar char="•"/>
             </a:pPr>
             <a:r>
-              <a:rPr lang="en-US" sz="3600" dirty="0">
+              <a:rPr lang="en-US" sz="4000" dirty="0">
                 <a:solidFill>
                   <a:srgbClr val="C00000"/>
                 </a:solidFill>
@@ -8828,67 +9081,14 @@
               <a:t>File: </a:t>
             </a:r>
             <a:r>
-              <a:rPr lang="en-US" sz="3600" dirty="0">
+              <a:rPr lang="en-US" sz="4000" dirty="0">
                 <a:solidFill>
                   <a:srgbClr val="C00000"/>
                 </a:solidFill>
                 <a:latin typeface="Consolas" panose="020B0609020204030204" pitchFamily="49" charset="0"/>
                 <a:sym typeface="Consolas"/>
               </a:rPr>
-              <a:t>sharing-office-scripts.xlsx</a:t>
-            </a:r>
-          </a:p>
-          <a:p>
-            <a:pPr marL="714375" indent="-571500">
-              <a:lnSpc>
-                <a:spcPct val="115000"/>
-              </a:lnSpc>
-              <a:spcBef>
-                <a:spcPts val="1125"/>
-              </a:spcBef>
-              <a:buClr>
-                <a:srgbClr val="C00000"/>
-              </a:buClr>
-              <a:buSzPts val="2100"/>
-              <a:buFont typeface="Arial" panose="020B0604020202020204" pitchFamily="34" charset="0"/>
-              <a:buChar char="•"/>
-            </a:pPr>
-            <a:r>
-              <a:rPr lang="en-US" sz="3600" dirty="0">
-                <a:solidFill>
-                  <a:srgbClr val="CF3338"/>
-                </a:solidFill>
-                <a:latin typeface="Pragmatica" panose="020B0403040502020204"/>
-                <a:sym typeface="Consolas"/>
-              </a:rPr>
-              <a:t>Resource: </a:t>
-            </a:r>
-            <a:r>
-              <a:rPr lang="en-US" sz="3600" dirty="0">
-                <a:solidFill>
-                  <a:srgbClr val="CF3338"/>
-                </a:solidFill>
-                <a:latin typeface="Pragmatica" panose="020B0403040502020204"/>
-                <a:sym typeface="Consolas"/>
-                <a:hlinkClick r:id="rId4">
-                  <a:extLst>
-                    <a:ext uri="{A12FA001-AC4F-418D-AE19-62706E023703}">
-                      <ahyp:hlinkClr xmlns:ahyp="http://schemas.microsoft.com/office/drawing/2018/hyperlinkcolor" val="tx"/>
-                    </a:ext>
-                  </a:extLst>
-                </a:hlinkClick>
-              </a:rPr>
-              <a:t>https://stringfestanalytics.com/office-scripts-for-excel-how-to-share-your-scripts/</a:t>
-            </a:r>
-            <a:r>
-              <a:rPr lang="en-US" sz="3600" dirty="0">
-                <a:solidFill>
-                  <a:srgbClr val="CF3338"/>
-                </a:solidFill>
-                <a:latin typeface="Pragmatica" panose="020B0403040502020204"/>
-                <a:sym typeface="Consolas"/>
-              </a:rPr>
-              <a:t> </a:t>
+              <a:t>troubleshoot-analyze-challenge.xlsx</a:t>
             </a:r>
           </a:p>
         </p:txBody>
@@ -8906,7 +9106,7 @@
 </p:sld>
 </file>
 
-<file path=ppt/slides/slide22.xml><?xml version="1.0" encoding="utf-8"?>
+<file path=ppt/slides/slide23.xml><?xml version="1.0" encoding="utf-8"?>
 <p:sld xmlns:a="http://schemas.openxmlformats.org/drawingml/2006/main" xmlns:r="http://schemas.openxmlformats.org/officeDocument/2006/relationships" xmlns:p="http://schemas.openxmlformats.org/presentationml/2006/main">
   <p:cSld>
     <p:spTree>
@@ -9064,7 +9264,7 @@
 </p:sld>
 </file>
 
-<file path=ppt/slides/slide23.xml><?xml version="1.0" encoding="utf-8"?>
+<file path=ppt/slides/slide24.xml><?xml version="1.0" encoding="utf-8"?>
 <p:sld xmlns:a="http://schemas.openxmlformats.org/drawingml/2006/main" xmlns:r="http://schemas.openxmlformats.org/officeDocument/2006/relationships" xmlns:p="http://schemas.openxmlformats.org/presentationml/2006/main">
   <p:cSld>
     <p:spTree>
@@ -9831,7 +10031,7 @@
                 </a:solidFill>
                 <a:latin typeface="Normafixed Tryout" panose="00000409000000000000" pitchFamily="49" charset="0"/>
               </a:rPr>
-              <a:t>Do not upload proprietary/sensitive data to free/unapproved generative AI</a:t>
+              <a:t>DO NOT UPLOAD PROPRIETARY/SENSITIVE DATA TO FREE/UNAPPROVED GENERATIVE AI</a:t>
             </a:r>
           </a:p>
         </p:txBody>
@@ -9950,7 +10150,7 @@
         <p:spPr>
           <a:xfrm>
             <a:off x="260431" y="329879"/>
-            <a:ext cx="8906720" cy="3684727"/>
+            <a:ext cx="8906720" cy="7632218"/>
           </a:xfrm>
           <a:prstGeom prst="rect">
             <a:avLst/>
@@ -9982,7 +10182,7 @@
             </a:endParaRPr>
           </a:p>
           <a:p>
-            <a:pPr marL="342900" marR="0" lvl="0" indent="-342900">
+            <a:pPr marL="457200" marR="0" lvl="0" indent="-457200">
               <a:lnSpc>
                 <a:spcPct val="115000"/>
               </a:lnSpc>
@@ -9992,11 +10192,22 @@
               <a:spcAft>
                 <a:spcPts val="0"/>
               </a:spcAft>
-              <a:buFont typeface="+mj-lt"/>
-              <a:buAutoNum type="arabicPeriod"/>
+              <a:buFont typeface="Arial" panose="020B0604020202020204" pitchFamily="34" charset="0"/>
+              <a:buChar char="•"/>
             </a:pPr>
             <a:r>
-              <a:rPr lang="en-US" sz="3200" kern="100" dirty="0">
+              <a:rPr lang="en-US" sz="4800" kern="100" dirty="0">
+                <a:solidFill>
+                  <a:srgbClr val="CF3338"/>
+                </a:solidFill>
+                <a:latin typeface="Pragmatica" panose="020B0403040502020204"/>
+                <a:ea typeface="Aptos" panose="020B0004020202020204" pitchFamily="34" charset="0"/>
+                <a:cs typeface="Times New Roman" panose="02020603050405020304" pitchFamily="18" charset="0"/>
+              </a:rPr>
+              <a:t>F</a:t>
+            </a:r>
+            <a:r>
+              <a:rPr lang="en-US" sz="4800" kern="100" dirty="0">
                 <a:solidFill>
                   <a:srgbClr val="CF3338"/>
                 </a:solidFill>
@@ -10005,7 +10216,101 @@
                 <a:ea typeface="Aptos" panose="020B0004020202020204" pitchFamily="34" charset="0"/>
                 <a:cs typeface="Times New Roman" panose="02020603050405020304" pitchFamily="18" charset="0"/>
               </a:rPr>
-              <a:t>FILL THIS IN – I THINK I WANT TO SHOW THE COLUMN SPLIT AND THE FILL DOWN AS WELL </a:t>
+              <a:t>ile: </a:t>
+            </a:r>
+            <a:r>
+              <a:rPr lang="en-US" sz="4800" kern="100" dirty="0">
+                <a:solidFill>
+                  <a:srgbClr val="CF3338"/>
+                </a:solidFill>
+                <a:effectLst/>
+                <a:latin typeface="Consolas" panose="020B0609020204030204" pitchFamily="49" charset="0"/>
+                <a:ea typeface="Aptos" panose="020B0004020202020204" pitchFamily="34" charset="0"/>
+                <a:cs typeface="Times New Roman" panose="02020603050405020304" pitchFamily="18" charset="0"/>
+              </a:rPr>
+              <a:t>prepare-for-ai-with-pq.xlsx</a:t>
+            </a:r>
+          </a:p>
+          <a:p>
+            <a:pPr marL="914400" lvl="1" indent="-457200">
+              <a:lnSpc>
+                <a:spcPct val="115000"/>
+              </a:lnSpc>
+              <a:buFont typeface="Arial" panose="020B0604020202020204" pitchFamily="34" charset="0"/>
+              <a:buChar char="•"/>
+            </a:pPr>
+            <a:r>
+              <a:rPr lang="en-US" sz="4800" kern="100" dirty="0">
+                <a:solidFill>
+                  <a:srgbClr val="CF3338"/>
+                </a:solidFill>
+                <a:latin typeface="Pragmatica" panose="020B0403040502020204"/>
+                <a:ea typeface="Aptos" panose="020B0004020202020204" pitchFamily="34" charset="0"/>
+                <a:cs typeface="Times New Roman" panose="02020603050405020304" pitchFamily="18" charset="0"/>
+              </a:rPr>
+              <a:t>Delimit by row</a:t>
+            </a:r>
+          </a:p>
+          <a:p>
+            <a:pPr marL="914400" lvl="1" indent="-457200">
+              <a:lnSpc>
+                <a:spcPct val="115000"/>
+              </a:lnSpc>
+              <a:buFont typeface="Arial" panose="020B0604020202020204" pitchFamily="34" charset="0"/>
+              <a:buChar char="•"/>
+            </a:pPr>
+            <a:r>
+              <a:rPr lang="en-US" sz="4800" kern="100" dirty="0">
+                <a:solidFill>
+                  <a:srgbClr val="CF3338"/>
+                </a:solidFill>
+                <a:effectLst/>
+                <a:latin typeface="Pragmatica" panose="020B0403040502020204"/>
+                <a:ea typeface="Aptos" panose="020B0004020202020204" pitchFamily="34" charset="0"/>
+                <a:cs typeface="Times New Roman" panose="02020603050405020304" pitchFamily="18" charset="0"/>
+              </a:rPr>
+              <a:t>Fix headers</a:t>
+            </a:r>
+          </a:p>
+          <a:p>
+            <a:pPr marL="914400" lvl="1" indent="-457200">
+              <a:lnSpc>
+                <a:spcPct val="115000"/>
+              </a:lnSpc>
+              <a:buFont typeface="Arial" panose="020B0604020202020204" pitchFamily="34" charset="0"/>
+              <a:buChar char="•"/>
+            </a:pPr>
+            <a:r>
+              <a:rPr lang="en-US" sz="4800" kern="100" dirty="0">
+                <a:solidFill>
+                  <a:srgbClr val="CF3338"/>
+                </a:solidFill>
+                <a:latin typeface="Pragmatica" panose="020B0403040502020204"/>
+                <a:ea typeface="Aptos" panose="020B0004020202020204" pitchFamily="34" charset="0"/>
+                <a:cs typeface="Times New Roman" panose="02020603050405020304" pitchFamily="18" charset="0"/>
+              </a:rPr>
+              <a:t>Fill down missing values</a:t>
+            </a:r>
+          </a:p>
+          <a:p>
+            <a:pPr marL="914400" lvl="1" indent="-457200">
+              <a:lnSpc>
+                <a:spcPct val="115000"/>
+              </a:lnSpc>
+              <a:buFont typeface="Arial" panose="020B0604020202020204" pitchFamily="34" charset="0"/>
+              <a:buChar char="•"/>
+            </a:pPr>
+            <a:r>
+              <a:rPr lang="en-US" sz="4800" kern="100" dirty="0">
+                <a:solidFill>
+                  <a:srgbClr val="CF3338"/>
+                </a:solidFill>
+                <a:effectLst/>
+                <a:latin typeface="Pragmatica" panose="020B0403040502020204"/>
+                <a:ea typeface="Aptos" panose="020B0004020202020204" pitchFamily="34" charset="0"/>
+                <a:cs typeface="Times New Roman" panose="02020603050405020304" pitchFamily="18" charset="0"/>
+              </a:rPr>
+              <a:t>Unpivot</a:t>
             </a:r>
           </a:p>
         </p:txBody>
@@ -10148,7 +10453,7 @@
         <p:spPr>
           <a:xfrm>
             <a:off x="260431" y="329879"/>
-            <a:ext cx="8906720" cy="3118418"/>
+            <a:ext cx="8906720" cy="8281819"/>
           </a:xfrm>
           <a:prstGeom prst="rect">
             <a:avLst/>
@@ -10180,7 +10485,7 @@
             </a:endParaRPr>
           </a:p>
           <a:p>
-            <a:pPr marL="342900" marR="0" lvl="0" indent="-342900">
+            <a:pPr marL="457200" marR="0" lvl="0" indent="-457200">
               <a:lnSpc>
                 <a:spcPct val="115000"/>
               </a:lnSpc>
@@ -10190,11 +10495,74 @@
               <a:spcAft>
                 <a:spcPts val="0"/>
               </a:spcAft>
-              <a:buFont typeface="+mj-lt"/>
-              <a:buAutoNum type="arabicPeriod"/>
+              <a:buFont typeface="Arial" panose="020B0604020202020204" pitchFamily="34" charset="0"/>
+              <a:buChar char="•"/>
             </a:pPr>
             <a:r>
-              <a:rPr lang="en-US" sz="3200" kern="100" dirty="0">
+              <a:rPr lang="en-US" sz="3600" kern="100" dirty="0">
+                <a:solidFill>
+                  <a:srgbClr val="CF3338"/>
+                </a:solidFill>
+                <a:latin typeface="Pragmatica" panose="020B0403040502020204"/>
+                <a:ea typeface="Aptos" panose="020B0004020202020204" pitchFamily="34" charset="0"/>
+                <a:cs typeface="Times New Roman" panose="02020603050405020304" pitchFamily="18" charset="0"/>
+              </a:rPr>
+              <a:t>Markdown can help structure both inputs and outputs for generative AI</a:t>
+            </a:r>
+          </a:p>
+          <a:p>
+            <a:pPr marL="457200" marR="0" lvl="0" indent="-457200">
+              <a:lnSpc>
+                <a:spcPct val="115000"/>
+              </a:lnSpc>
+              <a:spcBef>
+                <a:spcPts val="0"/>
+              </a:spcBef>
+              <a:spcAft>
+                <a:spcPts val="0"/>
+              </a:spcAft>
+              <a:buFont typeface="Arial" panose="020B0604020202020204" pitchFamily="34" charset="0"/>
+              <a:buChar char="•"/>
+            </a:pPr>
+            <a:r>
+              <a:rPr lang="en-US" sz="3600" kern="100" dirty="0">
+                <a:solidFill>
+                  <a:srgbClr val="CF3338"/>
+                </a:solidFill>
+                <a:latin typeface="Pragmatica" panose="020B0403040502020204"/>
+                <a:ea typeface="Aptos" panose="020B0004020202020204" pitchFamily="34" charset="0"/>
+                <a:cs typeface="Times New Roman" panose="02020603050405020304" pitchFamily="18" charset="0"/>
+              </a:rPr>
+              <a:t>Helpful tools: Dropbox Paper, Google Docs</a:t>
+            </a:r>
+          </a:p>
+          <a:p>
+            <a:pPr marL="457200" marR="0" lvl="0" indent="-457200">
+              <a:lnSpc>
+                <a:spcPct val="115000"/>
+              </a:lnSpc>
+              <a:spcBef>
+                <a:spcPts val="0"/>
+              </a:spcBef>
+              <a:spcAft>
+                <a:spcPts val="0"/>
+              </a:spcAft>
+              <a:buFont typeface="Arial" panose="020B0604020202020204" pitchFamily="34" charset="0"/>
+              <a:buChar char="•"/>
+            </a:pPr>
+            <a:r>
+              <a:rPr lang="en-US" sz="3600" kern="100" dirty="0">
+                <a:solidFill>
+                  <a:srgbClr val="CF3338"/>
+                </a:solidFill>
+                <a:latin typeface="Pragmatica" panose="020B0403040502020204"/>
+                <a:ea typeface="Aptos" panose="020B0004020202020204" pitchFamily="34" charset="0"/>
+                <a:cs typeface="Times New Roman" panose="02020603050405020304" pitchFamily="18" charset="0"/>
+              </a:rPr>
+              <a:t>F</a:t>
+            </a:r>
+            <a:r>
+              <a:rPr lang="en-US" sz="3600" kern="100" dirty="0">
                 <a:solidFill>
                   <a:srgbClr val="CF3338"/>
                 </a:solidFill>
@@ -10203,13 +10571,54 @@
                 <a:ea typeface="Aptos" panose="020B0004020202020204" pitchFamily="34" charset="0"/>
                 <a:cs typeface="Times New Roman" panose="02020603050405020304" pitchFamily="18" charset="0"/>
               </a:rPr>
-              <a:t>Fill this in later</a:t>
-            </a:r>
-            <a:endParaRPr lang="en-US" sz="6000" dirty="0">
+              <a:t>ile: </a:t>
+            </a:r>
+            <a:r>
+              <a:rPr lang="en-US" sz="3600" kern="100" dirty="0">
+                <a:solidFill>
+                  <a:srgbClr val="CF3338"/>
+                </a:solidFill>
+                <a:effectLst/>
+                <a:latin typeface="Consolas" panose="020B0609020204030204" pitchFamily="49" charset="0"/>
+                <a:ea typeface="Aptos" panose="020B0004020202020204" pitchFamily="34" charset="0"/>
+                <a:cs typeface="Times New Roman" panose="02020603050405020304" pitchFamily="18" charset="0"/>
+              </a:rPr>
+              <a:t>structuring-with-markdown.xlsx</a:t>
+            </a:r>
+          </a:p>
+          <a:p>
+            <a:pPr marL="457200" marR="0" lvl="0" indent="-457200">
+              <a:lnSpc>
+                <a:spcPct val="115000"/>
+              </a:lnSpc>
+              <a:spcBef>
+                <a:spcPts val="0"/>
+              </a:spcBef>
+              <a:spcAft>
+                <a:spcPts val="0"/>
+              </a:spcAft>
+              <a:buFont typeface="Arial" panose="020B0604020202020204" pitchFamily="34" charset="0"/>
+              <a:buChar char="•"/>
+            </a:pPr>
+            <a:r>
+              <a:rPr lang="en-US" sz="3600" kern="100" dirty="0">
+                <a:solidFill>
+                  <a:srgbClr val="CF3338"/>
+                </a:solidFill>
+                <a:latin typeface="Pragmatica" panose="020B0403040502020204"/>
+                <a:ea typeface="Aptos" panose="020B0004020202020204" pitchFamily="34" charset="0"/>
+                <a:cs typeface="Times New Roman" panose="02020603050405020304" pitchFamily="18" charset="0"/>
+              </a:rPr>
+              <a:t>Resource: https://stringfestanalytics.com/how-learning-markdown-can-help-you-get-more-from-ai/</a:t>
+            </a:r>
+            <a:endParaRPr lang="en-US" sz="3600" kern="100" dirty="0">
               <a:solidFill>
                 <a:srgbClr val="CF3338"/>
               </a:solidFill>
+              <a:effectLst/>
               <a:latin typeface="Pragmatica" panose="020B0403040502020204"/>
+              <a:ea typeface="Aptos" panose="020B0004020202020204" pitchFamily="34" charset="0"/>
+              <a:cs typeface="Times New Roman" panose="02020603050405020304" pitchFamily="18" charset="0"/>
             </a:endParaRPr>
           </a:p>
         </p:txBody>
@@ -10264,8 +10673,8 @@
         </p:nvSpPr>
         <p:spPr>
           <a:xfrm>
-            <a:off x="9861630" y="0"/>
-            <a:ext cx="8426370" cy="10287000"/>
+            <a:off x="13030200" y="0"/>
+            <a:ext cx="5257800" cy="10287000"/>
           </a:xfrm>
           <a:prstGeom prst="rect">
             <a:avLst/>
@@ -10351,8 +10760,8 @@
         </p:nvSpPr>
         <p:spPr>
           <a:xfrm>
-            <a:off x="260431" y="329879"/>
-            <a:ext cx="8906720" cy="8562857"/>
+            <a:off x="260430" y="329879"/>
+            <a:ext cx="12236369" cy="8841266"/>
           </a:xfrm>
           <a:prstGeom prst="rect">
             <a:avLst/>
@@ -10399,14 +10808,24 @@
               <a:buChar char="•"/>
             </a:pPr>
             <a:r>
-              <a:rPr lang="en-US" sz="3200" dirty="0">
+              <a:rPr lang="en-US" sz="3600" dirty="0">
                 <a:solidFill>
                   <a:srgbClr val="C00000"/>
                 </a:solidFill>
                 <a:latin typeface="Pragmatica" panose="020B0403040502020204"/>
                 <a:sym typeface="Consolas"/>
               </a:rPr>
-              <a:t>Unpivot the data in Power Query so all product categories are combined into a single column.</a:t>
+              <a:t>File: </a:t>
+            </a:r>
+            <a:r>
+              <a:rPr lang="en-US" sz="3600" dirty="0">
+                <a:solidFill>
+                  <a:srgbClr val="C00000"/>
+                </a:solidFill>
+                <a:latin typeface="Consolas" panose="020B0609020204030204" pitchFamily="49" charset="0"/>
+                <a:sym typeface="Consolas"/>
+              </a:rPr>
+              <a:t>preparing-data-exercises.xlsx</a:t>
             </a:r>
           </a:p>
           <a:p>
@@ -10425,7 +10844,33 @@
               <a:buChar char="•"/>
             </a:pPr>
             <a:r>
-              <a:rPr lang="en-US" sz="3200" dirty="0">
+              <a:rPr lang="en-US" sz="3600" dirty="0">
+                <a:solidFill>
+                  <a:srgbClr val="C00000"/>
+                </a:solidFill>
+                <a:latin typeface="Pragmatica" panose="020B0403040502020204"/>
+                <a:sym typeface="Consolas"/>
+              </a:rPr>
+              <a:t>Unpivot the data in Power Query so all product categories are combined into a single column.</a:t>
+            </a:r>
+          </a:p>
+          <a:p>
+            <a:pPr marL="600075" indent="-457200">
+              <a:lnSpc>
+                <a:spcPct val="115000"/>
+              </a:lnSpc>
+              <a:spcBef>
+                <a:spcPts val="1125"/>
+              </a:spcBef>
+              <a:buClr>
+                <a:srgbClr val="C00000"/>
+              </a:buClr>
+              <a:buSzPts val="2100"/>
+              <a:buFont typeface="Arial" panose="020B0604020202020204" pitchFamily="34" charset="0"/>
+              <a:buChar char="•"/>
+            </a:pPr>
+            <a:r>
+              <a:rPr lang="en-US" sz="3600" dirty="0">
                 <a:solidFill>
                   <a:srgbClr val="C00000"/>
                 </a:solidFill>
@@ -10451,7 +10896,7 @@
               <a:buChar char="•"/>
             </a:pPr>
             <a:r>
-              <a:rPr lang="en-US" sz="3200" dirty="0">
+              <a:rPr lang="en-US" sz="3600" dirty="0">
                 <a:solidFill>
                   <a:srgbClr val="C00000"/>
                 </a:solidFill>
@@ -10477,7 +10922,7 @@
               <a:buChar char="•"/>
             </a:pPr>
             <a:r>
-              <a:rPr lang="en-US" sz="3200" dirty="0">
+              <a:rPr lang="en-US" sz="3600" dirty="0">
                 <a:solidFill>
                   <a:srgbClr val="C00000"/>
                 </a:solidFill>
@@ -10503,7 +10948,7 @@
               <a:buChar char="•"/>
             </a:pPr>
             <a:r>
-              <a:rPr lang="en-US" sz="3200" dirty="0">
+              <a:rPr lang="en-US" sz="3600" dirty="0">
                 <a:solidFill>
                   <a:srgbClr val="C00000"/>
                 </a:solidFill>
@@ -10512,7 +10957,7 @@
               </a:rPr>
               <a:t>Paste the Markdown text into Google Docs or another tool to view the output.</a:t>
             </a:r>
-            <a:endParaRPr lang="en-US" sz="3200" dirty="0">
+            <a:endParaRPr lang="en-US" sz="3600" dirty="0">
               <a:solidFill>
                 <a:srgbClr val="C00000"/>
               </a:solidFill>
